--- a/robprak1516-presentation-vision.pptx
+++ b/robprak1516-presentation-vision.pptx
@@ -5,11 +5,21 @@
     <p:sldMasterId id="2147483648" r:id="rId1"/>
   </p:sldMasterIdLst>
   <p:notesMasterIdLst>
-    <p:notesMasterId r:id="rId4"/>
+    <p:notesMasterId r:id="rId14"/>
   </p:notesMasterIdLst>
   <p:sldIdLst>
     <p:sldId id="257" r:id="rId2"/>
     <p:sldId id="258" r:id="rId3"/>
+    <p:sldId id="259" r:id="rId4"/>
+    <p:sldId id="260" r:id="rId5"/>
+    <p:sldId id="261" r:id="rId6"/>
+    <p:sldId id="262" r:id="rId7"/>
+    <p:sldId id="266" r:id="rId8"/>
+    <p:sldId id="267" r:id="rId9"/>
+    <p:sldId id="268" r:id="rId10"/>
+    <p:sldId id="269" r:id="rId11"/>
+    <p:sldId id="264" r:id="rId12"/>
+    <p:sldId id="265" r:id="rId13"/>
   </p:sldIdLst>
   <p:sldSz cx="12192000" cy="6858000"/>
   <p:notesSz cx="6858000" cy="9144000"/>
@@ -110,7 +120,7 @@
   </p:defaultTextStyle>
   <p:extLst>
     <p:ext uri="{EFAFB233-063F-42B5-8137-9DF3F51BA10A}">
-      <p15:sldGuideLst xmlns:p15="http://schemas.microsoft.com/office/powerpoint/2012/main"/>
+      <p15:sldGuideLst xmlns:p15="http://schemas.microsoft.com/office/powerpoint/2012/main" xmlns=""/>
     </p:ext>
   </p:extLst>
 </p:presentation>
@@ -198,7 +208,7 @@
           <a:p>
             <a:fld id="{500D174B-0307-42D4-8E15-5132B1132E4D}" type="datetimeFigureOut">
               <a:rPr lang="de-DE" smtClean="0"/>
-              <a:t>18.03.2016</a:t>
+              <a:t>22.03.2016</a:t>
             </a:fld>
             <a:endParaRPr lang="de-DE"/>
           </a:p>
@@ -357,7 +367,7 @@
           <a:p>
             <a:fld id="{EC5D6A57-0462-4896-8270-C647D8407408}" type="slidenum">
               <a:rPr lang="de-DE" smtClean="0"/>
-              <a:t>‹Nr.›</a:t>
+              <a:t>‹#›</a:t>
             </a:fld>
             <a:endParaRPr lang="de-DE"/>
           </a:p>
@@ -466,6 +476,90 @@
 </p:notesMaster>
 </file>
 
+<file path=ppt/notesSlides/notesSlide1.xml><?xml version="1.0" encoding="utf-8"?>
+<p:notes xmlns:a="http://schemas.openxmlformats.org/drawingml/2006/main" xmlns:r="http://schemas.openxmlformats.org/officeDocument/2006/relationships" xmlns:p="http://schemas.openxmlformats.org/presentationml/2006/main">
+  <p:cSld>
+    <p:spTree>
+      <p:nvGrpSpPr>
+        <p:cNvPr id="1" name=""/>
+        <p:cNvGrpSpPr/>
+        <p:nvPr/>
+      </p:nvGrpSpPr>
+      <p:grpSpPr>
+        <a:xfrm>
+          <a:off x="0" y="0"/>
+          <a:ext cx="0" cy="0"/>
+          <a:chOff x="0" y="0"/>
+          <a:chExt cx="0" cy="0"/>
+        </a:xfrm>
+      </p:grpSpPr>
+      <p:sp>
+        <p:nvSpPr>
+          <p:cNvPr id="2" name="Slide Image Placeholder 1"/>
+          <p:cNvSpPr>
+            <a:spLocks noGrp="1" noRot="1" noChangeAspect="1"/>
+          </p:cNvSpPr>
+          <p:nvPr>
+            <p:ph type="sldImg"/>
+          </p:nvPr>
+        </p:nvSpPr>
+        <p:spPr/>
+      </p:sp>
+      <p:sp>
+        <p:nvSpPr>
+          <p:cNvPr id="3" name="Notes Placeholder 2"/>
+          <p:cNvSpPr>
+            <a:spLocks noGrp="1"/>
+          </p:cNvSpPr>
+          <p:nvPr>
+            <p:ph type="body" idx="1"/>
+          </p:nvPr>
+        </p:nvSpPr>
+        <p:spPr/>
+        <p:txBody>
+          <a:bodyPr/>
+          <a:lstStyle/>
+          <a:p>
+            <a:endParaRPr lang="en-US" dirty="0"/>
+          </a:p>
+        </p:txBody>
+      </p:sp>
+      <p:sp>
+        <p:nvSpPr>
+          <p:cNvPr id="4" name="Slide Number Placeholder 3"/>
+          <p:cNvSpPr>
+            <a:spLocks noGrp="1"/>
+          </p:cNvSpPr>
+          <p:nvPr>
+            <p:ph type="sldNum" sz="quarter" idx="10"/>
+          </p:nvPr>
+        </p:nvSpPr>
+        <p:spPr/>
+        <p:txBody>
+          <a:bodyPr/>
+          <a:lstStyle/>
+          <a:p>
+            <a:fld id="{EC5D6A57-0462-4896-8270-C647D8407408}" type="slidenum">
+              <a:rPr lang="de-DE" smtClean="0"/>
+              <a:t>3</a:t>
+            </a:fld>
+            <a:endParaRPr lang="de-DE"/>
+          </a:p>
+        </p:txBody>
+      </p:sp>
+    </p:spTree>
+    <p:extLst>
+      <p:ext uri="{BB962C8B-B14F-4D97-AF65-F5344CB8AC3E}">
+        <p14:creationId xmlns:p14="http://schemas.microsoft.com/office/powerpoint/2010/main" val="2138888146"/>
+      </p:ext>
+    </p:extLst>
+  </p:cSld>
+  <p:clrMapOvr>
+    <a:masterClrMapping/>
+  </p:clrMapOvr>
+</p:notes>
+</file>
+
 <file path=ppt/slideLayouts/slideLayout1.xml><?xml version="1.0" encoding="utf-8"?>
 <p:sldLayout xmlns:a="http://schemas.openxmlformats.org/drawingml/2006/main" xmlns:r="http://schemas.openxmlformats.org/officeDocument/2006/relationships" xmlns:p="http://schemas.openxmlformats.org/presentationml/2006/main" preserve="1" userDrawn="1">
   <p:cSld name="Titelfolie">
@@ -1180,7 +1274,7 @@
             <a:fld id="{88051181-3DEF-484A-8434-F25831745C76}" type="slidenum">
               <a:rPr lang="de-DE" smtClean="0"/>
               <a:pPr/>
-              <a:t>‹Nr.›</a:t>
+              <a:t>‹#›</a:t>
             </a:fld>
             <a:endParaRPr lang="de-DE" dirty="0"/>
           </a:p>
@@ -1294,7 +1388,7 @@
             <a:fld id="{88051181-3DEF-484A-8434-F25831745C76}" type="slidenum">
               <a:rPr lang="de-DE" smtClean="0"/>
               <a:pPr/>
-              <a:t>‹Nr.›</a:t>
+              <a:t>‹#›</a:t>
             </a:fld>
             <a:endParaRPr lang="de-DE" dirty="0"/>
           </a:p>
@@ -2195,10 +2289,10 @@
           <a:lstStyle/>
           <a:p>
             <a:r>
-              <a:rPr lang="de-DE" dirty="0" smtClean="0"/>
+              <a:rPr lang="de-DE" sz="3600" dirty="0" smtClean="0"/>
               <a:t>Agenda</a:t>
             </a:r>
-            <a:endParaRPr lang="de-DE" dirty="0"/>
+            <a:endParaRPr lang="de-DE" sz="3600" dirty="0"/>
           </a:p>
         </p:txBody>
       </p:sp>
@@ -2221,7 +2315,7 @@
               <a:rPr lang="de-DE" smtClean="0"/>
               <a:t>1</a:t>
             </a:fld>
-            <a:endParaRPr lang="de-DE"/>
+            <a:endParaRPr lang="de-DE" dirty="0"/>
           </a:p>
         </p:txBody>
       </p:sp>
@@ -2392,7 +2486,7 @@
               <a:buFont typeface="Wingdings" pitchFamily="2" charset="2"/>
               <a:buChar char="§"/>
             </a:pPr>
-            <a:endParaRPr lang="de-DE"/>
+            <a:endParaRPr lang="de-DE" dirty="0"/>
           </a:p>
         </p:txBody>
       </p:sp>
@@ -3152,6 +3246,634 @@
 </p:sld>
 </file>
 
+<file path=ppt/slides/slide10.xml><?xml version="1.0" encoding="utf-8"?>
+<p:sld xmlns:a="http://schemas.openxmlformats.org/drawingml/2006/main" xmlns:r="http://schemas.openxmlformats.org/officeDocument/2006/relationships" xmlns:p="http://schemas.openxmlformats.org/presentationml/2006/main">
+  <p:cSld>
+    <p:spTree>
+      <p:nvGrpSpPr>
+        <p:cNvPr id="1" name=""/>
+        <p:cNvGrpSpPr/>
+        <p:nvPr/>
+      </p:nvGrpSpPr>
+      <p:grpSpPr>
+        <a:xfrm>
+          <a:off x="0" y="0"/>
+          <a:ext cx="0" cy="0"/>
+          <a:chOff x="0" y="0"/>
+          <a:chExt cx="0" cy="0"/>
+        </a:xfrm>
+      </p:grpSpPr>
+      <p:sp>
+        <p:nvSpPr>
+          <p:cNvPr id="2" name="Title 1"/>
+          <p:cNvSpPr>
+            <a:spLocks noGrp="1"/>
+          </p:cNvSpPr>
+          <p:nvPr>
+            <p:ph type="title"/>
+          </p:nvPr>
+        </p:nvSpPr>
+        <p:spPr/>
+        <p:txBody>
+          <a:bodyPr/>
+          <a:lstStyle/>
+          <a:p>
+            <a:r>
+              <a:rPr lang="en-US" sz="3600" dirty="0" smtClean="0"/>
+              <a:t>Implementierung - TF</a:t>
+            </a:r>
+            <a:endParaRPr lang="en-US" dirty="0"/>
+          </a:p>
+        </p:txBody>
+      </p:sp>
+      <p:sp>
+        <p:nvSpPr>
+          <p:cNvPr id="4" name="Slide Number Placeholder 3"/>
+          <p:cNvSpPr>
+            <a:spLocks noGrp="1"/>
+          </p:cNvSpPr>
+          <p:nvPr>
+            <p:ph type="sldNum" sz="quarter" idx="12"/>
+          </p:nvPr>
+        </p:nvSpPr>
+        <p:spPr/>
+        <p:txBody>
+          <a:bodyPr/>
+          <a:lstStyle/>
+          <a:p>
+            <a:fld id="{88051181-3DEF-484A-8434-F25831745C76}" type="slidenum">
+              <a:rPr lang="de-DE" smtClean="0"/>
+              <a:pPr/>
+              <a:t>10</a:t>
+            </a:fld>
+            <a:endParaRPr lang="de-DE" dirty="0"/>
+          </a:p>
+        </p:txBody>
+      </p:sp>
+      <p:pic>
+        <p:nvPicPr>
+          <p:cNvPr id="4099" name="Picture 3" descr="C:\Users\Codrin\Desktop\vision_tf.png"/>
+          <p:cNvPicPr>
+            <a:picLocks noChangeAspect="1" noChangeArrowheads="1"/>
+          </p:cNvPicPr>
+          <p:nvPr/>
+        </p:nvPicPr>
+        <p:blipFill>
+          <a:blip r:embed="rId2">
+            <a:extLst>
+              <a:ext uri="{28A0092B-C50C-407E-A947-70E740481C1C}">
+                <a14:useLocalDpi xmlns:a14="http://schemas.microsoft.com/office/drawing/2010/main" val="0"/>
+              </a:ext>
+            </a:extLst>
+          </a:blip>
+          <a:srcRect/>
+          <a:stretch>
+            <a:fillRect/>
+          </a:stretch>
+        </p:blipFill>
+        <p:spPr bwMode="auto">
+          <a:xfrm>
+            <a:off x="1378323" y="1066163"/>
+            <a:ext cx="9435354" cy="5110007"/>
+          </a:xfrm>
+          <a:prstGeom prst="rect">
+            <a:avLst/>
+          </a:prstGeom>
+          <a:noFill/>
+          <a:extLst>
+            <a:ext uri="{909E8E84-426E-40DD-AFC4-6F175D3DCCD1}">
+              <a14:hiddenFill xmlns:a14="http://schemas.microsoft.com/office/drawing/2010/main">
+                <a:solidFill>
+                  <a:srgbClr val="FFFFFF"/>
+                </a:solidFill>
+              </a14:hiddenFill>
+            </a:ext>
+          </a:extLst>
+        </p:spPr>
+      </p:pic>
+    </p:spTree>
+    <p:extLst>
+      <p:ext uri="{BB962C8B-B14F-4D97-AF65-F5344CB8AC3E}">
+        <p14:creationId xmlns:p14="http://schemas.microsoft.com/office/powerpoint/2010/main" val="1527966948"/>
+      </p:ext>
+    </p:extLst>
+  </p:cSld>
+  <p:clrMapOvr>
+    <a:masterClrMapping/>
+  </p:clrMapOvr>
+</p:sld>
+</file>
+
+<file path=ppt/slides/slide11.xml><?xml version="1.0" encoding="utf-8"?>
+<p:sld xmlns:a="http://schemas.openxmlformats.org/drawingml/2006/main" xmlns:r="http://schemas.openxmlformats.org/officeDocument/2006/relationships" xmlns:p="http://schemas.openxmlformats.org/presentationml/2006/main">
+  <p:cSld>
+    <p:spTree>
+      <p:nvGrpSpPr>
+        <p:cNvPr id="1" name=""/>
+        <p:cNvGrpSpPr/>
+        <p:nvPr/>
+      </p:nvGrpSpPr>
+      <p:grpSpPr>
+        <a:xfrm>
+          <a:off x="0" y="0"/>
+          <a:ext cx="0" cy="0"/>
+          <a:chOff x="0" y="0"/>
+          <a:chExt cx="0" cy="0"/>
+        </a:xfrm>
+      </p:grpSpPr>
+      <p:sp>
+        <p:nvSpPr>
+          <p:cNvPr id="2" name="Title 1"/>
+          <p:cNvSpPr>
+            <a:spLocks noGrp="1"/>
+          </p:cNvSpPr>
+          <p:nvPr>
+            <p:ph type="title"/>
+          </p:nvPr>
+        </p:nvSpPr>
+        <p:spPr/>
+        <p:txBody>
+          <a:bodyPr>
+            <a:normAutofit/>
+          </a:bodyPr>
+          <a:lstStyle/>
+          <a:p>
+            <a:r>
+              <a:rPr lang="en-US" sz="3600" noProof="1"/>
+              <a:t>Probleme and </a:t>
+            </a:r>
+            <a:r>
+              <a:rPr lang="de-DE" sz="3600" noProof="1" smtClean="0"/>
+              <a:t>Herausforderungen</a:t>
+            </a:r>
+            <a:endParaRPr lang="en-US" sz="3600" dirty="0"/>
+          </a:p>
+        </p:txBody>
+      </p:sp>
+      <p:sp>
+        <p:nvSpPr>
+          <p:cNvPr id="3" name="Content Placeholder 2"/>
+          <p:cNvSpPr>
+            <a:spLocks noGrp="1"/>
+          </p:cNvSpPr>
+          <p:nvPr>
+            <p:ph idx="1"/>
+          </p:nvPr>
+        </p:nvSpPr>
+        <p:spPr>
+          <a:xfrm>
+            <a:off x="373091" y="1155290"/>
+            <a:ext cx="11419045" cy="5794368"/>
+          </a:xfrm>
+        </p:spPr>
+        <p:txBody>
+          <a:bodyPr>
+            <a:normAutofit/>
+          </a:bodyPr>
+          <a:lstStyle/>
+          <a:p>
+            <a:pPr algn="ctr">
+              <a:lnSpc>
+                <a:spcPct val="160000"/>
+              </a:lnSpc>
+              <a:buFont typeface="Wingdings" charset="2"/>
+              <a:buChar char="Ø"/>
+            </a:pPr>
+            <a:r>
+              <a:rPr lang="en-US" sz="3500" dirty="0" smtClean="0">
+                <a:solidFill>
+                  <a:prstClr val="black"/>
+                </a:solidFill>
+              </a:rPr>
+              <a:t>  3D/2D Problem</a:t>
+            </a:r>
+            <a:endParaRPr lang="en-US" sz="3500" dirty="0">
+              <a:solidFill>
+                <a:prstClr val="black"/>
+              </a:solidFill>
+            </a:endParaRPr>
+          </a:p>
+          <a:p>
+            <a:pPr lvl="0" algn="ctr">
+              <a:lnSpc>
+                <a:spcPct val="160000"/>
+              </a:lnSpc>
+              <a:buFont typeface="Wingdings" charset="2"/>
+              <a:buChar char="Ø"/>
+            </a:pPr>
+            <a:r>
+              <a:rPr lang="en-US" sz="3500" dirty="0">
+                <a:solidFill>
+                  <a:prstClr val="black"/>
+                </a:solidFill>
+              </a:rPr>
+              <a:t>  </a:t>
+            </a:r>
+            <a:r>
+              <a:rPr lang="en-US" sz="3500" dirty="0" smtClean="0">
+                <a:solidFill>
+                  <a:prstClr val="black"/>
+                </a:solidFill>
+              </a:rPr>
+              <a:t>Covariance Queue Size</a:t>
+            </a:r>
+          </a:p>
+          <a:p>
+            <a:pPr lvl="0" algn="ctr">
+              <a:lnSpc>
+                <a:spcPct val="160000"/>
+              </a:lnSpc>
+              <a:buFont typeface="Wingdings" charset="2"/>
+              <a:buChar char="Ø"/>
+            </a:pPr>
+            <a:r>
+              <a:rPr lang="en-US" sz="3500" dirty="0">
+                <a:solidFill>
+                  <a:prstClr val="black"/>
+                </a:solidFill>
+              </a:rPr>
+              <a:t> </a:t>
+            </a:r>
+            <a:r>
+              <a:rPr lang="en-US" sz="3500" dirty="0" smtClean="0">
+                <a:solidFill>
+                  <a:prstClr val="black"/>
+                </a:solidFill>
+              </a:rPr>
+              <a:t>Marker Platzierung</a:t>
+            </a:r>
+          </a:p>
+          <a:p>
+            <a:pPr lvl="0" algn="ctr">
+              <a:lnSpc>
+                <a:spcPct val="160000"/>
+              </a:lnSpc>
+              <a:buFont typeface="Wingdings" charset="2"/>
+              <a:buChar char="Ø"/>
+            </a:pPr>
+            <a:r>
+              <a:rPr lang="en-US" sz="3500" dirty="0" smtClean="0">
+                <a:solidFill>
+                  <a:prstClr val="black"/>
+                </a:solidFill>
+              </a:rPr>
+              <a:t> Kopfbewegung</a:t>
+            </a:r>
+          </a:p>
+          <a:p>
+            <a:pPr lvl="0" algn="ctr">
+              <a:lnSpc>
+                <a:spcPct val="160000"/>
+              </a:lnSpc>
+              <a:buFont typeface="Wingdings" charset="2"/>
+              <a:buChar char="Ø"/>
+            </a:pPr>
+            <a:r>
+              <a:rPr lang="en-US" sz="3500" dirty="0" smtClean="0">
+                <a:solidFill>
+                  <a:prstClr val="black"/>
+                </a:solidFill>
+              </a:rPr>
+              <a:t>Usw.</a:t>
+            </a:r>
+          </a:p>
+          <a:p>
+            <a:pPr lvl="0" algn="ctr">
+              <a:lnSpc>
+                <a:spcPct val="150000"/>
+              </a:lnSpc>
+              <a:buFont typeface="Wingdings" charset="2"/>
+              <a:buChar char="Ø"/>
+            </a:pPr>
+            <a:endParaRPr lang="en-US" sz="3500" dirty="0" smtClean="0">
+              <a:solidFill>
+                <a:prstClr val="black"/>
+              </a:solidFill>
+            </a:endParaRPr>
+          </a:p>
+          <a:p>
+            <a:pPr lvl="0" algn="ctr">
+              <a:lnSpc>
+                <a:spcPct val="150000"/>
+              </a:lnSpc>
+              <a:buFont typeface="Wingdings" charset="2"/>
+              <a:buChar char="Ø"/>
+            </a:pPr>
+            <a:endParaRPr lang="en-US" sz="3500" dirty="0" smtClean="0">
+              <a:solidFill>
+                <a:prstClr val="black"/>
+              </a:solidFill>
+            </a:endParaRPr>
+          </a:p>
+          <a:p>
+            <a:pPr lvl="0" algn="ctr">
+              <a:lnSpc>
+                <a:spcPct val="200000"/>
+              </a:lnSpc>
+              <a:buFont typeface="Wingdings" charset="2"/>
+              <a:buChar char="Ø"/>
+            </a:pPr>
+            <a:endParaRPr lang="en-US" sz="3500" dirty="0">
+              <a:solidFill>
+                <a:prstClr val="black"/>
+              </a:solidFill>
+            </a:endParaRPr>
+          </a:p>
+          <a:p>
+            <a:pPr marL="0" indent="0" algn="ctr">
+              <a:buNone/>
+            </a:pPr>
+            <a:endParaRPr lang="en-US" dirty="0"/>
+          </a:p>
+        </p:txBody>
+      </p:sp>
+      <p:sp>
+        <p:nvSpPr>
+          <p:cNvPr id="4" name="Slide Number Placeholder 3"/>
+          <p:cNvSpPr>
+            <a:spLocks noGrp="1"/>
+          </p:cNvSpPr>
+          <p:nvPr>
+            <p:ph type="sldNum" sz="quarter" idx="12"/>
+          </p:nvPr>
+        </p:nvSpPr>
+        <p:spPr/>
+        <p:txBody>
+          <a:bodyPr/>
+          <a:lstStyle/>
+          <a:p>
+            <a:fld id="{88051181-3DEF-484A-8434-F25831745C76}" type="slidenum">
+              <a:rPr lang="de-DE" smtClean="0"/>
+              <a:pPr/>
+              <a:t>11</a:t>
+            </a:fld>
+            <a:endParaRPr lang="de-DE" dirty="0"/>
+          </a:p>
+        </p:txBody>
+      </p:sp>
+    </p:spTree>
+    <p:extLst>
+      <p:ext uri="{BB962C8B-B14F-4D97-AF65-F5344CB8AC3E}">
+        <p14:creationId xmlns:p14="http://schemas.microsoft.com/office/powerpoint/2010/main" val="3378762295"/>
+      </p:ext>
+    </p:extLst>
+  </p:cSld>
+  <p:clrMapOvr>
+    <a:masterClrMapping/>
+  </p:clrMapOvr>
+</p:sld>
+</file>
+
+<file path=ppt/slides/slide12.xml><?xml version="1.0" encoding="utf-8"?>
+<p:sld xmlns:a="http://schemas.openxmlformats.org/drawingml/2006/main" xmlns:r="http://schemas.openxmlformats.org/officeDocument/2006/relationships" xmlns:p="http://schemas.openxmlformats.org/presentationml/2006/main">
+  <p:cSld>
+    <p:spTree>
+      <p:nvGrpSpPr>
+        <p:cNvPr id="1" name=""/>
+        <p:cNvGrpSpPr/>
+        <p:nvPr/>
+      </p:nvGrpSpPr>
+      <p:grpSpPr>
+        <a:xfrm>
+          <a:off x="0" y="0"/>
+          <a:ext cx="0" cy="0"/>
+          <a:chOff x="0" y="0"/>
+          <a:chExt cx="0" cy="0"/>
+        </a:xfrm>
+      </p:grpSpPr>
+      <p:sp>
+        <p:nvSpPr>
+          <p:cNvPr id="4" name="Slide Number Placeholder 3"/>
+          <p:cNvSpPr>
+            <a:spLocks noGrp="1"/>
+          </p:cNvSpPr>
+          <p:nvPr>
+            <p:ph type="sldNum" sz="quarter" idx="12"/>
+          </p:nvPr>
+        </p:nvSpPr>
+        <p:spPr/>
+        <p:txBody>
+          <a:bodyPr/>
+          <a:lstStyle/>
+          <a:p>
+            <a:fld id="{88051181-3DEF-484A-8434-F25831745C76}" type="slidenum">
+              <a:rPr lang="de-DE" smtClean="0"/>
+              <a:pPr/>
+              <a:t>12</a:t>
+            </a:fld>
+            <a:endParaRPr lang="de-DE" dirty="0"/>
+          </a:p>
+        </p:txBody>
+      </p:sp>
+      <p:sp>
+        <p:nvSpPr>
+          <p:cNvPr id="6" name="Rectangle 5"/>
+          <p:cNvSpPr/>
+          <p:nvPr/>
+        </p:nvSpPr>
+        <p:spPr>
+          <a:xfrm>
+            <a:off x="2917079" y="807225"/>
+            <a:ext cx="6096000" cy="4696157"/>
+          </a:xfrm>
+          <a:prstGeom prst="rect">
+            <a:avLst/>
+          </a:prstGeom>
+        </p:spPr>
+        <p:txBody>
+          <a:bodyPr>
+            <a:spAutoFit/>
+          </a:bodyPr>
+          <a:lstStyle/>
+          <a:p>
+            <a:pPr lvl="0">
+              <a:lnSpc>
+                <a:spcPct val="200000"/>
+              </a:lnSpc>
+              <a:spcBef>
+                <a:spcPts val="1000"/>
+              </a:spcBef>
+              <a:buClr>
+                <a:srgbClr val="007348"/>
+              </a:buClr>
+            </a:pPr>
+            <a:endParaRPr lang="en-US" sz="3500">
+              <a:solidFill>
+                <a:prstClr val="black"/>
+              </a:solidFill>
+              <a:latin typeface="Arial" panose="020B0604020202020204" pitchFamily="34" charset="0"/>
+              <a:cs typeface="Arial" panose="020B0604020202020204" pitchFamily="34" charset="0"/>
+            </a:endParaRPr>
+          </a:p>
+          <a:p>
+            <a:pPr marL="228600" lvl="0" indent="-228600" algn="ctr">
+              <a:lnSpc>
+                <a:spcPct val="200000"/>
+              </a:lnSpc>
+              <a:spcBef>
+                <a:spcPts val="1000"/>
+              </a:spcBef>
+              <a:buClr>
+                <a:srgbClr val="007348"/>
+              </a:buClr>
+              <a:buFont typeface="Wingdings" charset="2"/>
+              <a:buChar char="Ø"/>
+            </a:pPr>
+            <a:r>
+              <a:rPr lang="en-US" sz="3500">
+                <a:solidFill>
+                  <a:prstClr val="black"/>
+                </a:solidFill>
+                <a:latin typeface="Arial" panose="020B0604020202020204" pitchFamily="34" charset="0"/>
+                <a:cs typeface="Arial" panose="020B0604020202020204" pitchFamily="34" charset="0"/>
+              </a:rPr>
+              <a:t>  Kinect Viewing </a:t>
+            </a:r>
+            <a:r>
+              <a:rPr lang="en-US" sz="3500" smtClean="0">
+                <a:solidFill>
+                  <a:prstClr val="black"/>
+                </a:solidFill>
+                <a:latin typeface="Arial" panose="020B0604020202020204" pitchFamily="34" charset="0"/>
+                <a:cs typeface="Arial" panose="020B0604020202020204" pitchFamily="34" charset="0"/>
+              </a:rPr>
+              <a:t>Range</a:t>
+            </a:r>
+          </a:p>
+          <a:p>
+            <a:pPr marL="228600" lvl="0" indent="-228600" algn="ctr">
+              <a:lnSpc>
+                <a:spcPct val="200000"/>
+              </a:lnSpc>
+              <a:spcBef>
+                <a:spcPts val="1000"/>
+              </a:spcBef>
+              <a:buClr>
+                <a:srgbClr val="007348"/>
+              </a:buClr>
+              <a:buFont typeface="Wingdings" charset="2"/>
+              <a:buChar char="Ø"/>
+            </a:pPr>
+            <a:r>
+              <a:rPr lang="en-US" sz="3500">
+                <a:solidFill>
+                  <a:prstClr val="black"/>
+                </a:solidFill>
+                <a:latin typeface="Arial" panose="020B0604020202020204" pitchFamily="34" charset="0"/>
+                <a:cs typeface="Arial" panose="020B0604020202020204" pitchFamily="34" charset="0"/>
+              </a:rPr>
+              <a:t> </a:t>
+            </a:r>
+            <a:r>
+              <a:rPr lang="en-US" sz="3500" smtClean="0">
+                <a:solidFill>
+                  <a:prstClr val="black"/>
+                </a:solidFill>
+                <a:latin typeface="Arial" panose="020B0604020202020204" pitchFamily="34" charset="0"/>
+                <a:cs typeface="Arial" panose="020B0604020202020204" pitchFamily="34" charset="0"/>
+              </a:rPr>
+              <a:t>Performance Test </a:t>
+            </a:r>
+          </a:p>
+          <a:p>
+            <a:pPr marL="228600" lvl="0" indent="-228600" algn="ctr">
+              <a:lnSpc>
+                <a:spcPct val="200000"/>
+              </a:lnSpc>
+              <a:spcBef>
+                <a:spcPts val="1000"/>
+              </a:spcBef>
+              <a:buClr>
+                <a:srgbClr val="007348"/>
+              </a:buClr>
+              <a:buFont typeface="Wingdings" charset="2"/>
+              <a:buChar char="Ø"/>
+            </a:pPr>
+            <a:r>
+              <a:rPr lang="en-US" sz="3500" smtClean="0">
+                <a:solidFill>
+                  <a:prstClr val="black"/>
+                </a:solidFill>
+                <a:latin typeface="Arial" panose="020B0604020202020204" pitchFamily="34" charset="0"/>
+                <a:cs typeface="Arial" panose="020B0604020202020204" pitchFamily="34" charset="0"/>
+              </a:rPr>
+              <a:t>PTU </a:t>
+            </a:r>
+            <a:r>
+              <a:rPr lang="en-US" sz="3500">
+                <a:solidFill>
+                  <a:prstClr val="black"/>
+                </a:solidFill>
+                <a:latin typeface="Arial" panose="020B0604020202020204" pitchFamily="34" charset="0"/>
+                <a:cs typeface="Arial" panose="020B0604020202020204" pitchFamily="34" charset="0"/>
+              </a:rPr>
+              <a:t>Movement</a:t>
+            </a:r>
+          </a:p>
+        </p:txBody>
+      </p:sp>
+      <p:sp>
+        <p:nvSpPr>
+          <p:cNvPr id="9" name="Title 1"/>
+          <p:cNvSpPr txBox="1">
+            <a:spLocks/>
+          </p:cNvSpPr>
+          <p:nvPr/>
+        </p:nvSpPr>
+        <p:spPr>
+          <a:xfrm>
+            <a:off x="0" y="1"/>
+            <a:ext cx="10028903" cy="759650"/>
+          </a:xfrm>
+          <a:prstGeom prst="rect">
+            <a:avLst/>
+          </a:prstGeom>
+        </p:spPr>
+        <p:txBody>
+          <a:bodyPr vert="horz" lIns="360000" tIns="45720" rIns="91440" bIns="45720" rtlCol="0" anchor="b" anchorCtr="0">
+            <a:normAutofit/>
+          </a:bodyPr>
+          <a:lstStyle>
+            <a:lvl1pPr algn="l" defTabSz="914400" rtl="0" eaLnBrk="1" latinLnBrk="0" hangingPunct="1">
+              <a:lnSpc>
+                <a:spcPct val="90000"/>
+              </a:lnSpc>
+              <a:spcBef>
+                <a:spcPct val="0"/>
+              </a:spcBef>
+              <a:buNone/>
+              <a:defRPr sz="1600" b="1" kern="1200">
+                <a:solidFill>
+                  <a:schemeClr val="tx1"/>
+                </a:solidFill>
+                <a:latin typeface="Arial" panose="020B0604020202020204" pitchFamily="34" charset="0"/>
+                <a:ea typeface="+mj-ea"/>
+                <a:cs typeface="Arial" panose="020B0604020202020204" pitchFamily="34" charset="0"/>
+              </a:defRPr>
+            </a:lvl1pPr>
+          </a:lstStyle>
+          <a:p>
+            <a:r>
+              <a:rPr lang="de-DE" sz="3600" noProof="1" smtClean="0"/>
+              <a:t>Tests</a:t>
+            </a:r>
+            <a:endParaRPr lang="en-US" sz="3600" dirty="0"/>
+          </a:p>
+        </p:txBody>
+      </p:sp>
+    </p:spTree>
+    <p:extLst>
+      <p:ext uri="{BB962C8B-B14F-4D97-AF65-F5344CB8AC3E}">
+        <p14:creationId xmlns:p14="http://schemas.microsoft.com/office/powerpoint/2010/main" val="2542233296"/>
+      </p:ext>
+    </p:extLst>
+  </p:cSld>
+  <p:clrMapOvr>
+    <a:masterClrMapping/>
+  </p:clrMapOvr>
+</p:sld>
+</file>
+
 <file path=ppt/slides/slide2.xml><?xml version="1.0" encoding="utf-8"?>
 <p:sld xmlns:a="http://schemas.openxmlformats.org/drawingml/2006/main" xmlns:r="http://schemas.openxmlformats.org/officeDocument/2006/relationships" xmlns:p="http://schemas.openxmlformats.org/presentationml/2006/main">
   <p:cSld>
@@ -3181,29 +3903,15 @@
         </p:nvSpPr>
         <p:spPr/>
         <p:txBody>
-          <a:bodyPr/>
+          <a:bodyPr>
+            <a:normAutofit/>
+          </a:bodyPr>
           <a:lstStyle/>
           <a:p>
-            <a:endParaRPr lang="de-DE"/>
-          </a:p>
-        </p:txBody>
-      </p:sp>
-      <p:sp>
-        <p:nvSpPr>
-          <p:cNvPr id="3" name="Inhaltsplatzhalter 2"/>
-          <p:cNvSpPr>
-            <a:spLocks noGrp="1"/>
-          </p:cNvSpPr>
-          <p:nvPr>
-            <p:ph idx="1"/>
-          </p:nvPr>
-        </p:nvSpPr>
-        <p:spPr/>
-        <p:txBody>
-          <a:bodyPr/>
-          <a:lstStyle/>
-          <a:p>
-            <a:endParaRPr lang="de-DE"/>
+            <a:r>
+              <a:rPr lang="de-DE" sz="3600" dirty="0"/>
+              <a:t>Vision Gruppe</a:t>
+            </a:r>
           </a:p>
         </p:txBody>
       </p:sp>
@@ -3230,6 +3938,658 @@
           </a:p>
         </p:txBody>
       </p:sp>
+      <p:sp>
+        <p:nvSpPr>
+          <p:cNvPr id="5" name="Rechteck 4"/>
+          <p:cNvSpPr>
+            <a:spLocks noChangeArrowheads="1"/>
+          </p:cNvSpPr>
+          <p:nvPr/>
+        </p:nvSpPr>
+        <p:spPr bwMode="auto">
+          <a:xfrm>
+            <a:off x="690861" y="2084276"/>
+            <a:ext cx="10783383" cy="3548630"/>
+          </a:xfrm>
+          <a:prstGeom prst="rect">
+            <a:avLst/>
+          </a:prstGeom>
+          <a:solidFill>
+            <a:schemeClr val="bg2"/>
+          </a:solidFill>
+          <a:ln w="19050" algn="ctr">
+            <a:solidFill>
+              <a:schemeClr val="bg2"/>
+            </a:solidFill>
+            <a:round/>
+            <a:headEnd/>
+            <a:tailEnd/>
+          </a:ln>
+        </p:spPr>
+        <p:txBody>
+          <a:bodyPr wrap="none" lIns="90000" tIns="46800" rIns="90000" bIns="46800" anchor="ctr"/>
+          <a:lstStyle>
+            <a:defPPr>
+              <a:defRPr lang="de-DE"/>
+            </a:defPPr>
+            <a:lvl1pPr algn="l" rtl="0" fontAlgn="base">
+              <a:spcBef>
+                <a:spcPct val="0"/>
+              </a:spcBef>
+              <a:spcAft>
+                <a:spcPct val="0"/>
+              </a:spcAft>
+              <a:defRPr sz="2000" kern="1200">
+                <a:solidFill>
+                  <a:schemeClr val="tx1"/>
+                </a:solidFill>
+                <a:latin typeface="Arial" pitchFamily="34" charset="0"/>
+                <a:ea typeface="ヒラギノ角ゴ Pro W3"/>
+                <a:cs typeface="ヒラギノ角ゴ Pro W3"/>
+              </a:defRPr>
+            </a:lvl1pPr>
+            <a:lvl2pPr marL="457200" algn="l" rtl="0" fontAlgn="base">
+              <a:spcBef>
+                <a:spcPct val="0"/>
+              </a:spcBef>
+              <a:spcAft>
+                <a:spcPct val="0"/>
+              </a:spcAft>
+              <a:defRPr sz="2000" kern="1200">
+                <a:solidFill>
+                  <a:schemeClr val="tx1"/>
+                </a:solidFill>
+                <a:latin typeface="Arial" pitchFamily="34" charset="0"/>
+                <a:ea typeface="ヒラギノ角ゴ Pro W3"/>
+                <a:cs typeface="ヒラギノ角ゴ Pro W3"/>
+              </a:defRPr>
+            </a:lvl2pPr>
+            <a:lvl3pPr marL="914400" algn="l" rtl="0" fontAlgn="base">
+              <a:spcBef>
+                <a:spcPct val="0"/>
+              </a:spcBef>
+              <a:spcAft>
+                <a:spcPct val="0"/>
+              </a:spcAft>
+              <a:defRPr sz="2000" kern="1200">
+                <a:solidFill>
+                  <a:schemeClr val="tx1"/>
+                </a:solidFill>
+                <a:latin typeface="Arial" pitchFamily="34" charset="0"/>
+                <a:ea typeface="ヒラギノ角ゴ Pro W3"/>
+                <a:cs typeface="ヒラギノ角ゴ Pro W3"/>
+              </a:defRPr>
+            </a:lvl3pPr>
+            <a:lvl4pPr marL="1371600" algn="l" rtl="0" fontAlgn="base">
+              <a:spcBef>
+                <a:spcPct val="0"/>
+              </a:spcBef>
+              <a:spcAft>
+                <a:spcPct val="0"/>
+              </a:spcAft>
+              <a:defRPr sz="2000" kern="1200">
+                <a:solidFill>
+                  <a:schemeClr val="tx1"/>
+                </a:solidFill>
+                <a:latin typeface="Arial" pitchFamily="34" charset="0"/>
+                <a:ea typeface="ヒラギノ角ゴ Pro W3"/>
+                <a:cs typeface="ヒラギノ角ゴ Pro W3"/>
+              </a:defRPr>
+            </a:lvl4pPr>
+            <a:lvl5pPr marL="1828800" algn="l" rtl="0" fontAlgn="base">
+              <a:spcBef>
+                <a:spcPct val="0"/>
+              </a:spcBef>
+              <a:spcAft>
+                <a:spcPct val="0"/>
+              </a:spcAft>
+              <a:defRPr sz="2000" kern="1200">
+                <a:solidFill>
+                  <a:schemeClr val="tx1"/>
+                </a:solidFill>
+                <a:latin typeface="Arial" pitchFamily="34" charset="0"/>
+                <a:ea typeface="ヒラギノ角ゴ Pro W3"/>
+                <a:cs typeface="ヒラギノ角ゴ Pro W3"/>
+              </a:defRPr>
+            </a:lvl5pPr>
+            <a:lvl6pPr marL="2286000" algn="l" defTabSz="914400" rtl="0" eaLnBrk="1" latinLnBrk="0" hangingPunct="1">
+              <a:defRPr sz="2000" kern="1200">
+                <a:solidFill>
+                  <a:schemeClr val="tx1"/>
+                </a:solidFill>
+                <a:latin typeface="Arial" pitchFamily="34" charset="0"/>
+                <a:ea typeface="ヒラギノ角ゴ Pro W3"/>
+                <a:cs typeface="ヒラギノ角ゴ Pro W3"/>
+              </a:defRPr>
+            </a:lvl6pPr>
+            <a:lvl7pPr marL="2743200" algn="l" defTabSz="914400" rtl="0" eaLnBrk="1" latinLnBrk="0" hangingPunct="1">
+              <a:defRPr sz="2000" kern="1200">
+                <a:solidFill>
+                  <a:schemeClr val="tx1"/>
+                </a:solidFill>
+                <a:latin typeface="Arial" pitchFamily="34" charset="0"/>
+                <a:ea typeface="ヒラギノ角ゴ Pro W3"/>
+                <a:cs typeface="ヒラギノ角ゴ Pro W3"/>
+              </a:defRPr>
+            </a:lvl7pPr>
+            <a:lvl8pPr marL="3200400" algn="l" defTabSz="914400" rtl="0" eaLnBrk="1" latinLnBrk="0" hangingPunct="1">
+              <a:defRPr sz="2000" kern="1200">
+                <a:solidFill>
+                  <a:schemeClr val="tx1"/>
+                </a:solidFill>
+                <a:latin typeface="Arial" pitchFamily="34" charset="0"/>
+                <a:ea typeface="ヒラギノ角ゴ Pro W3"/>
+                <a:cs typeface="ヒラギノ角ゴ Pro W3"/>
+              </a:defRPr>
+            </a:lvl8pPr>
+            <a:lvl9pPr marL="3657600" algn="l" defTabSz="914400" rtl="0" eaLnBrk="1" latinLnBrk="0" hangingPunct="1">
+              <a:defRPr sz="2000" kern="1200">
+                <a:solidFill>
+                  <a:schemeClr val="tx1"/>
+                </a:solidFill>
+                <a:latin typeface="Arial" pitchFamily="34" charset="0"/>
+                <a:ea typeface="ヒラギノ角ゴ Pro W3"/>
+                <a:cs typeface="ヒラギノ角ゴ Pro W3"/>
+              </a:defRPr>
+            </a:lvl9pPr>
+          </a:lstStyle>
+          <a:p>
+            <a:pPr algn="ctr">
+              <a:spcBef>
+                <a:spcPct val="20000"/>
+              </a:spcBef>
+              <a:buClr>
+                <a:schemeClr val="bg1"/>
+              </a:buClr>
+              <a:buSzPct val="150000"/>
+              <a:buFont typeface="Wingdings" pitchFamily="2" charset="2"/>
+              <a:buChar char="§"/>
+            </a:pPr>
+            <a:endParaRPr lang="de-DE"/>
+          </a:p>
+        </p:txBody>
+      </p:sp>
+      <p:sp>
+        <p:nvSpPr>
+          <p:cNvPr id="8" name="TextBox 4"/>
+          <p:cNvSpPr txBox="1"/>
+          <p:nvPr/>
+        </p:nvSpPr>
+        <p:spPr bwMode="auto">
+          <a:xfrm>
+            <a:off x="1017468" y="2294400"/>
+            <a:ext cx="4115035" cy="2882840"/>
+          </a:xfrm>
+          <a:prstGeom prst="rect">
+            <a:avLst/>
+          </a:prstGeom>
+          <a:noFill/>
+          <a:ln w="19050">
+            <a:noFill/>
+            <a:miter lim="800000"/>
+            <a:headEnd/>
+            <a:tailEnd/>
+          </a:ln>
+        </p:spPr>
+        <p:txBody>
+          <a:bodyPr wrap="square" lIns="0" rIns="0" rtlCol="0">
+            <a:spAutoFit/>
+          </a:bodyPr>
+          <a:lstStyle>
+            <a:defPPr>
+              <a:defRPr lang="de-DE"/>
+            </a:defPPr>
+            <a:lvl1pPr algn="l" rtl="0" fontAlgn="base">
+              <a:spcBef>
+                <a:spcPct val="0"/>
+              </a:spcBef>
+              <a:spcAft>
+                <a:spcPct val="0"/>
+              </a:spcAft>
+              <a:defRPr sz="2000" kern="1200">
+                <a:solidFill>
+                  <a:schemeClr val="tx1"/>
+                </a:solidFill>
+                <a:latin typeface="Arial" pitchFamily="34" charset="0"/>
+                <a:ea typeface="ヒラギノ角ゴ Pro W3"/>
+                <a:cs typeface="ヒラギノ角ゴ Pro W3"/>
+              </a:defRPr>
+            </a:lvl1pPr>
+            <a:lvl2pPr marL="457200" algn="l" rtl="0" fontAlgn="base">
+              <a:spcBef>
+                <a:spcPct val="0"/>
+              </a:spcBef>
+              <a:spcAft>
+                <a:spcPct val="0"/>
+              </a:spcAft>
+              <a:defRPr sz="2000" kern="1200">
+                <a:solidFill>
+                  <a:schemeClr val="tx1"/>
+                </a:solidFill>
+                <a:latin typeface="Arial" pitchFamily="34" charset="0"/>
+                <a:ea typeface="ヒラギノ角ゴ Pro W3"/>
+                <a:cs typeface="ヒラギノ角ゴ Pro W3"/>
+              </a:defRPr>
+            </a:lvl2pPr>
+            <a:lvl3pPr marL="914400" algn="l" rtl="0" fontAlgn="base">
+              <a:spcBef>
+                <a:spcPct val="0"/>
+              </a:spcBef>
+              <a:spcAft>
+                <a:spcPct val="0"/>
+              </a:spcAft>
+              <a:defRPr sz="2000" kern="1200">
+                <a:solidFill>
+                  <a:schemeClr val="tx1"/>
+                </a:solidFill>
+                <a:latin typeface="Arial" pitchFamily="34" charset="0"/>
+                <a:ea typeface="ヒラギノ角ゴ Pro W3"/>
+                <a:cs typeface="ヒラギノ角ゴ Pro W3"/>
+              </a:defRPr>
+            </a:lvl3pPr>
+            <a:lvl4pPr marL="1371600" algn="l" rtl="0" fontAlgn="base">
+              <a:spcBef>
+                <a:spcPct val="0"/>
+              </a:spcBef>
+              <a:spcAft>
+                <a:spcPct val="0"/>
+              </a:spcAft>
+              <a:defRPr sz="2000" kern="1200">
+                <a:solidFill>
+                  <a:schemeClr val="tx1"/>
+                </a:solidFill>
+                <a:latin typeface="Arial" pitchFamily="34" charset="0"/>
+                <a:ea typeface="ヒラギノ角ゴ Pro W3"/>
+                <a:cs typeface="ヒラギノ角ゴ Pro W3"/>
+              </a:defRPr>
+            </a:lvl4pPr>
+            <a:lvl5pPr marL="1828800" algn="l" rtl="0" fontAlgn="base">
+              <a:spcBef>
+                <a:spcPct val="0"/>
+              </a:spcBef>
+              <a:spcAft>
+                <a:spcPct val="0"/>
+              </a:spcAft>
+              <a:defRPr sz="2000" kern="1200">
+                <a:solidFill>
+                  <a:schemeClr val="tx1"/>
+                </a:solidFill>
+                <a:latin typeface="Arial" pitchFamily="34" charset="0"/>
+                <a:ea typeface="ヒラギノ角ゴ Pro W3"/>
+                <a:cs typeface="ヒラギノ角ゴ Pro W3"/>
+              </a:defRPr>
+            </a:lvl5pPr>
+            <a:lvl6pPr marL="2286000" algn="l" defTabSz="914400" rtl="0" eaLnBrk="1" latinLnBrk="0" hangingPunct="1">
+              <a:defRPr sz="2000" kern="1200">
+                <a:solidFill>
+                  <a:schemeClr val="tx1"/>
+                </a:solidFill>
+                <a:latin typeface="Arial" pitchFamily="34" charset="0"/>
+                <a:ea typeface="ヒラギノ角ゴ Pro W3"/>
+                <a:cs typeface="ヒラギノ角ゴ Pro W3"/>
+              </a:defRPr>
+            </a:lvl6pPr>
+            <a:lvl7pPr marL="2743200" algn="l" defTabSz="914400" rtl="0" eaLnBrk="1" latinLnBrk="0" hangingPunct="1">
+              <a:defRPr sz="2000" kern="1200">
+                <a:solidFill>
+                  <a:schemeClr val="tx1"/>
+                </a:solidFill>
+                <a:latin typeface="Arial" pitchFamily="34" charset="0"/>
+                <a:ea typeface="ヒラギノ角ゴ Pro W3"/>
+                <a:cs typeface="ヒラギノ角ゴ Pro W3"/>
+              </a:defRPr>
+            </a:lvl7pPr>
+            <a:lvl8pPr marL="3200400" algn="l" defTabSz="914400" rtl="0" eaLnBrk="1" latinLnBrk="0" hangingPunct="1">
+              <a:defRPr sz="2000" kern="1200">
+                <a:solidFill>
+                  <a:schemeClr val="tx1"/>
+                </a:solidFill>
+                <a:latin typeface="Arial" pitchFamily="34" charset="0"/>
+                <a:ea typeface="ヒラギノ角ゴ Pro W3"/>
+                <a:cs typeface="ヒラギノ角ゴ Pro W3"/>
+              </a:defRPr>
+            </a:lvl8pPr>
+            <a:lvl9pPr marL="3657600" algn="l" defTabSz="914400" rtl="0" eaLnBrk="1" latinLnBrk="0" hangingPunct="1">
+              <a:defRPr sz="2000" kern="1200">
+                <a:solidFill>
+                  <a:schemeClr val="tx1"/>
+                </a:solidFill>
+                <a:latin typeface="Arial" pitchFamily="34" charset="0"/>
+                <a:ea typeface="ヒラギノ角ゴ Pro W3"/>
+                <a:cs typeface="ヒラギノ角ゴ Pro W3"/>
+              </a:defRPr>
+            </a:lvl9pPr>
+          </a:lstStyle>
+          <a:p>
+            <a:pPr marL="342900" indent="-342900" eaLnBrk="0" hangingPunct="0">
+              <a:lnSpc>
+                <a:spcPct val="110000"/>
+              </a:lnSpc>
+              <a:spcBef>
+                <a:spcPct val="50000"/>
+              </a:spcBef>
+              <a:buFont typeface="+mj-lt"/>
+              <a:buAutoNum type="arabicPeriod"/>
+            </a:pPr>
+            <a:r>
+              <a:rPr lang="en-US" sz="1600"/>
+              <a:t>Übersicht</a:t>
+            </a:r>
+            <a:endParaRPr lang="fr-FR" sz="1600" dirty="0" smtClean="0"/>
+          </a:p>
+          <a:p>
+            <a:pPr marL="342900" indent="-342900" eaLnBrk="0" hangingPunct="0">
+              <a:lnSpc>
+                <a:spcPct val="120000"/>
+              </a:lnSpc>
+              <a:spcBef>
+                <a:spcPct val="50000"/>
+              </a:spcBef>
+              <a:buFont typeface="+mj-lt"/>
+              <a:buAutoNum type="arabicPeriod"/>
+            </a:pPr>
+            <a:r>
+              <a:rPr lang="ro-RO" sz="1600" dirty="0" smtClean="0"/>
+              <a:t>Entwurf</a:t>
+            </a:r>
+            <a:endParaRPr lang="ro-RO" sz="1600" dirty="0"/>
+          </a:p>
+          <a:p>
+            <a:pPr marL="342900" indent="-342900" eaLnBrk="0" hangingPunct="0">
+              <a:lnSpc>
+                <a:spcPct val="120000"/>
+              </a:lnSpc>
+              <a:spcBef>
+                <a:spcPct val="50000"/>
+              </a:spcBef>
+              <a:buFont typeface="+mj-lt"/>
+              <a:buAutoNum type="arabicPeriod"/>
+            </a:pPr>
+            <a:r>
+              <a:rPr lang="de-DE" sz="1600" dirty="0" smtClean="0"/>
+              <a:t>Implementierung</a:t>
+            </a:r>
+          </a:p>
+          <a:p>
+            <a:pPr marL="342900" indent="-342900" eaLnBrk="0" hangingPunct="0">
+              <a:lnSpc>
+                <a:spcPct val="120000"/>
+              </a:lnSpc>
+              <a:spcBef>
+                <a:spcPct val="50000"/>
+              </a:spcBef>
+              <a:buFont typeface="+mj-lt"/>
+              <a:buAutoNum type="arabicPeriod"/>
+            </a:pPr>
+            <a:r>
+              <a:rPr lang="en-US" sz="1600" noProof="1" smtClean="0"/>
+              <a:t>Probleme </a:t>
+            </a:r>
+            <a:r>
+              <a:rPr lang="en-US" sz="1600" noProof="1"/>
+              <a:t>and </a:t>
+            </a:r>
+            <a:r>
+              <a:rPr lang="de-DE" sz="1600" noProof="1"/>
+              <a:t>Herausforderungen</a:t>
+            </a:r>
+            <a:endParaRPr lang="en-US" sz="1600" noProof="1"/>
+          </a:p>
+          <a:p>
+            <a:pPr marL="342900" indent="-342900" eaLnBrk="0" hangingPunct="0">
+              <a:lnSpc>
+                <a:spcPct val="120000"/>
+              </a:lnSpc>
+              <a:spcBef>
+                <a:spcPct val="50000"/>
+              </a:spcBef>
+              <a:buFont typeface="+mj-lt"/>
+              <a:buAutoNum type="arabicPeriod"/>
+            </a:pPr>
+            <a:r>
+              <a:rPr lang="en-US" sz="1600" noProof="1" smtClean="0"/>
+              <a:t>Testen</a:t>
+            </a:r>
+          </a:p>
+          <a:p>
+            <a:pPr marL="342900" indent="-342900" algn="l" eaLnBrk="0" hangingPunct="0">
+              <a:lnSpc>
+                <a:spcPct val="120000"/>
+              </a:lnSpc>
+              <a:spcBef>
+                <a:spcPct val="50000"/>
+              </a:spcBef>
+              <a:buSzTx/>
+              <a:buFont typeface="+mj-lt"/>
+              <a:buAutoNum type="arabicPeriod"/>
+            </a:pPr>
+            <a:endParaRPr lang="en-US" sz="1600" dirty="0" smtClean="0"/>
+          </a:p>
+          <a:p>
+            <a:pPr marL="725488" lvl="1" indent="-268288" eaLnBrk="0" hangingPunct="0">
+              <a:lnSpc>
+                <a:spcPct val="120000"/>
+              </a:lnSpc>
+              <a:spcBef>
+                <a:spcPct val="50000"/>
+              </a:spcBef>
+              <a:buFont typeface="Webdings" pitchFamily="18" charset="2"/>
+              <a:buChar char="4"/>
+            </a:pPr>
+            <a:endParaRPr lang="en-US" sz="1400" dirty="0"/>
+          </a:p>
+        </p:txBody>
+      </p:sp>
+      <p:sp>
+        <p:nvSpPr>
+          <p:cNvPr id="9" name="Rectangle 5"/>
+          <p:cNvSpPr>
+            <a:spLocks noChangeArrowheads="1"/>
+          </p:cNvSpPr>
+          <p:nvPr/>
+        </p:nvSpPr>
+        <p:spPr bwMode="auto">
+          <a:xfrm>
+            <a:off x="690861" y="1661650"/>
+            <a:ext cx="10783383" cy="396613"/>
+          </a:xfrm>
+          <a:prstGeom prst="rect">
+            <a:avLst/>
+          </a:prstGeom>
+          <a:solidFill>
+            <a:schemeClr val="bg1">
+              <a:lumMod val="50000"/>
+            </a:schemeClr>
+          </a:solidFill>
+          <a:ln w="12700">
+            <a:solidFill>
+              <a:schemeClr val="bg1">
+                <a:lumMod val="50000"/>
+              </a:schemeClr>
+            </a:solidFill>
+            <a:miter lim="800000"/>
+            <a:headEnd/>
+            <a:tailEnd/>
+          </a:ln>
+        </p:spPr>
+        <p:txBody>
+          <a:bodyPr wrap="square" lIns="0" tIns="0" rIns="0" bIns="0" anchor="ctr">
+            <a:noAutofit/>
+          </a:bodyPr>
+          <a:lstStyle>
+            <a:defPPr>
+              <a:defRPr lang="de-DE"/>
+            </a:defPPr>
+            <a:lvl1pPr algn="l" rtl="0" fontAlgn="base">
+              <a:spcBef>
+                <a:spcPct val="0"/>
+              </a:spcBef>
+              <a:spcAft>
+                <a:spcPct val="0"/>
+              </a:spcAft>
+              <a:defRPr sz="2000" kern="1200">
+                <a:solidFill>
+                  <a:schemeClr val="tx1"/>
+                </a:solidFill>
+                <a:latin typeface="Arial" pitchFamily="34" charset="0"/>
+                <a:ea typeface="ヒラギノ角ゴ Pro W3"/>
+                <a:cs typeface="ヒラギノ角ゴ Pro W3"/>
+              </a:defRPr>
+            </a:lvl1pPr>
+            <a:lvl2pPr marL="457200" algn="l" rtl="0" fontAlgn="base">
+              <a:spcBef>
+                <a:spcPct val="0"/>
+              </a:spcBef>
+              <a:spcAft>
+                <a:spcPct val="0"/>
+              </a:spcAft>
+              <a:defRPr sz="2000" kern="1200">
+                <a:solidFill>
+                  <a:schemeClr val="tx1"/>
+                </a:solidFill>
+                <a:latin typeface="Arial" pitchFamily="34" charset="0"/>
+                <a:ea typeface="ヒラギノ角ゴ Pro W3"/>
+                <a:cs typeface="ヒラギノ角ゴ Pro W3"/>
+              </a:defRPr>
+            </a:lvl2pPr>
+            <a:lvl3pPr marL="914400" algn="l" rtl="0" fontAlgn="base">
+              <a:spcBef>
+                <a:spcPct val="0"/>
+              </a:spcBef>
+              <a:spcAft>
+                <a:spcPct val="0"/>
+              </a:spcAft>
+              <a:defRPr sz="2000" kern="1200">
+                <a:solidFill>
+                  <a:schemeClr val="tx1"/>
+                </a:solidFill>
+                <a:latin typeface="Arial" pitchFamily="34" charset="0"/>
+                <a:ea typeface="ヒラギノ角ゴ Pro W3"/>
+                <a:cs typeface="ヒラギノ角ゴ Pro W3"/>
+              </a:defRPr>
+            </a:lvl3pPr>
+            <a:lvl4pPr marL="1371600" algn="l" rtl="0" fontAlgn="base">
+              <a:spcBef>
+                <a:spcPct val="0"/>
+              </a:spcBef>
+              <a:spcAft>
+                <a:spcPct val="0"/>
+              </a:spcAft>
+              <a:defRPr sz="2000" kern="1200">
+                <a:solidFill>
+                  <a:schemeClr val="tx1"/>
+                </a:solidFill>
+                <a:latin typeface="Arial" pitchFamily="34" charset="0"/>
+                <a:ea typeface="ヒラギノ角ゴ Pro W3"/>
+                <a:cs typeface="ヒラギノ角ゴ Pro W3"/>
+              </a:defRPr>
+            </a:lvl4pPr>
+            <a:lvl5pPr marL="1828800" algn="l" rtl="0" fontAlgn="base">
+              <a:spcBef>
+                <a:spcPct val="0"/>
+              </a:spcBef>
+              <a:spcAft>
+                <a:spcPct val="0"/>
+              </a:spcAft>
+              <a:defRPr sz="2000" kern="1200">
+                <a:solidFill>
+                  <a:schemeClr val="tx1"/>
+                </a:solidFill>
+                <a:latin typeface="Arial" pitchFamily="34" charset="0"/>
+                <a:ea typeface="ヒラギノ角ゴ Pro W3"/>
+                <a:cs typeface="ヒラギノ角ゴ Pro W3"/>
+              </a:defRPr>
+            </a:lvl5pPr>
+            <a:lvl6pPr marL="2286000" algn="l" defTabSz="914400" rtl="0" eaLnBrk="1" latinLnBrk="0" hangingPunct="1">
+              <a:defRPr sz="2000" kern="1200">
+                <a:solidFill>
+                  <a:schemeClr val="tx1"/>
+                </a:solidFill>
+                <a:latin typeface="Arial" pitchFamily="34" charset="0"/>
+                <a:ea typeface="ヒラギノ角ゴ Pro W3"/>
+                <a:cs typeface="ヒラギノ角ゴ Pro W3"/>
+              </a:defRPr>
+            </a:lvl6pPr>
+            <a:lvl7pPr marL="2743200" algn="l" defTabSz="914400" rtl="0" eaLnBrk="1" latinLnBrk="0" hangingPunct="1">
+              <a:defRPr sz="2000" kern="1200">
+                <a:solidFill>
+                  <a:schemeClr val="tx1"/>
+                </a:solidFill>
+                <a:latin typeface="Arial" pitchFamily="34" charset="0"/>
+                <a:ea typeface="ヒラギノ角ゴ Pro W3"/>
+                <a:cs typeface="ヒラギノ角ゴ Pro W3"/>
+              </a:defRPr>
+            </a:lvl7pPr>
+            <a:lvl8pPr marL="3200400" algn="l" defTabSz="914400" rtl="0" eaLnBrk="1" latinLnBrk="0" hangingPunct="1">
+              <a:defRPr sz="2000" kern="1200">
+                <a:solidFill>
+                  <a:schemeClr val="tx1"/>
+                </a:solidFill>
+                <a:latin typeface="Arial" pitchFamily="34" charset="0"/>
+                <a:ea typeface="ヒラギノ角ゴ Pro W3"/>
+                <a:cs typeface="ヒラギノ角ゴ Pro W3"/>
+              </a:defRPr>
+            </a:lvl8pPr>
+            <a:lvl9pPr marL="3657600" algn="l" defTabSz="914400" rtl="0" eaLnBrk="1" latinLnBrk="0" hangingPunct="1">
+              <a:defRPr sz="2000" kern="1200">
+                <a:solidFill>
+                  <a:schemeClr val="tx1"/>
+                </a:solidFill>
+                <a:latin typeface="Arial" pitchFamily="34" charset="0"/>
+                <a:ea typeface="ヒラギノ角ゴ Pro W3"/>
+                <a:cs typeface="ヒラギノ角ゴ Pro W3"/>
+              </a:defRPr>
+            </a:lvl9pPr>
+          </a:lstStyle>
+          <a:p>
+            <a:pPr marL="252000" defTabSz="762000" eaLnBrk="0" hangingPunct="0">
+              <a:lnSpc>
+                <a:spcPct val="90000"/>
+              </a:lnSpc>
+              <a:buClr>
+                <a:srgbClr val="FE6400"/>
+              </a:buClr>
+            </a:pPr>
+            <a:r>
+              <a:rPr lang="en-US" sz="1800" smtClean="0">
+                <a:solidFill>
+                  <a:schemeClr val="bg1"/>
+                </a:solidFill>
+              </a:rPr>
+              <a:t>Agenda</a:t>
+            </a:r>
+            <a:endParaRPr lang="en-US" sz="1800" dirty="0">
+              <a:solidFill>
+                <a:schemeClr val="bg1"/>
+              </a:solidFill>
+            </a:endParaRPr>
+          </a:p>
+        </p:txBody>
+      </p:sp>
+      <p:pic>
+        <p:nvPicPr>
+          <p:cNvPr id="10" name="Picture 9"/>
+          <p:cNvPicPr>
+            <a:picLocks noChangeAspect="1"/>
+          </p:cNvPicPr>
+          <p:nvPr/>
+        </p:nvPicPr>
+        <p:blipFill>
+          <a:blip r:embed="rId2"/>
+          <a:stretch>
+            <a:fillRect/>
+          </a:stretch>
+        </p:blipFill>
+        <p:spPr>
+          <a:xfrm>
+            <a:off x="7255855" y="3196963"/>
+            <a:ext cx="3712616" cy="1617670"/>
+          </a:xfrm>
+          <a:prstGeom prst="rect">
+            <a:avLst/>
+          </a:prstGeom>
+        </p:spPr>
+      </p:pic>
     </p:spTree>
     <p:extLst>
       <p:ext uri="{BB962C8B-B14F-4D97-AF65-F5344CB8AC3E}">
@@ -3247,6 +4607,1134 @@
       </p:par>
     </p:tnLst>
   </p:timing>
+</p:sld>
+</file>
+
+<file path=ppt/slides/slide3.xml><?xml version="1.0" encoding="utf-8"?>
+<p:sld xmlns:a="http://schemas.openxmlformats.org/drawingml/2006/main" xmlns:r="http://schemas.openxmlformats.org/officeDocument/2006/relationships" xmlns:p="http://schemas.openxmlformats.org/presentationml/2006/main">
+  <p:cSld>
+    <p:spTree>
+      <p:nvGrpSpPr>
+        <p:cNvPr id="1" name=""/>
+        <p:cNvGrpSpPr/>
+        <p:nvPr/>
+      </p:nvGrpSpPr>
+      <p:grpSpPr>
+        <a:xfrm>
+          <a:off x="0" y="0"/>
+          <a:ext cx="0" cy="0"/>
+          <a:chOff x="0" y="0"/>
+          <a:chExt cx="0" cy="0"/>
+        </a:xfrm>
+      </p:grpSpPr>
+      <p:sp>
+        <p:nvSpPr>
+          <p:cNvPr id="2" name="Title 1"/>
+          <p:cNvSpPr>
+            <a:spLocks noGrp="1"/>
+          </p:cNvSpPr>
+          <p:nvPr>
+            <p:ph type="title"/>
+          </p:nvPr>
+        </p:nvSpPr>
+        <p:spPr/>
+        <p:txBody>
+          <a:bodyPr/>
+          <a:lstStyle/>
+          <a:p>
+            <a:r>
+              <a:rPr lang="en-US" sz="3600" dirty="0" err="1" smtClean="0"/>
+              <a:t>Übersicht</a:t>
+            </a:r>
+            <a:endParaRPr lang="en-US" sz="3600" dirty="0"/>
+          </a:p>
+        </p:txBody>
+      </p:sp>
+      <p:sp>
+        <p:nvSpPr>
+          <p:cNvPr id="3" name="Content Placeholder 2"/>
+          <p:cNvSpPr>
+            <a:spLocks noGrp="1"/>
+          </p:cNvSpPr>
+          <p:nvPr>
+            <p:ph idx="1"/>
+          </p:nvPr>
+        </p:nvSpPr>
+        <p:spPr>
+          <a:prstGeom prst="roundRect">
+            <a:avLst/>
+          </a:prstGeom>
+        </p:spPr>
+        <p:txBody>
+          <a:bodyPr>
+            <a:normAutofit/>
+          </a:bodyPr>
+          <a:lstStyle/>
+          <a:p>
+            <a:pPr marL="0" indent="0">
+              <a:buNone/>
+            </a:pPr>
+            <a:endParaRPr lang="en-US" sz="3500" dirty="0" smtClean="0"/>
+          </a:p>
+          <a:p>
+            <a:pPr algn="ctr">
+              <a:buFont typeface="Wingdings" charset="2"/>
+              <a:buChar char="Ø"/>
+            </a:pPr>
+            <a:r>
+              <a:rPr lang="en-US" sz="3500" dirty="0" smtClean="0"/>
+              <a:t> </a:t>
+            </a:r>
+            <a:r>
+              <a:rPr lang="de-DE" sz="3500" dirty="0" smtClean="0"/>
+              <a:t>Grundlagen kennenlernen</a:t>
+            </a:r>
+            <a:endParaRPr lang="en-US" sz="3500" dirty="0" smtClean="0"/>
+          </a:p>
+          <a:p>
+            <a:pPr>
+              <a:lnSpc>
+                <a:spcPct val="150000"/>
+              </a:lnSpc>
+              <a:buFont typeface="Wingdings" charset="2"/>
+              <a:buChar char="Ø"/>
+            </a:pPr>
+            <a:endParaRPr lang="en-US" sz="3500" dirty="0" smtClean="0"/>
+          </a:p>
+          <a:p>
+            <a:pPr>
+              <a:lnSpc>
+                <a:spcPct val="150000"/>
+              </a:lnSpc>
+              <a:buFont typeface="Wingdings" charset="2"/>
+              <a:buChar char="Ø"/>
+            </a:pPr>
+            <a:endParaRPr lang="en-US" sz="3500" dirty="0" smtClean="0"/>
+          </a:p>
+        </p:txBody>
+      </p:sp>
+      <p:sp>
+        <p:nvSpPr>
+          <p:cNvPr id="4" name="Slide Number Placeholder 3"/>
+          <p:cNvSpPr>
+            <a:spLocks noGrp="1"/>
+          </p:cNvSpPr>
+          <p:nvPr>
+            <p:ph type="sldNum" sz="quarter" idx="12"/>
+          </p:nvPr>
+        </p:nvSpPr>
+        <p:spPr/>
+        <p:txBody>
+          <a:bodyPr/>
+          <a:lstStyle/>
+          <a:p>
+            <a:fld id="{88051181-3DEF-484A-8434-F25831745C76}" type="slidenum">
+              <a:rPr lang="de-DE" smtClean="0"/>
+              <a:pPr/>
+              <a:t>3</a:t>
+            </a:fld>
+            <a:endParaRPr lang="de-DE" dirty="0"/>
+          </a:p>
+        </p:txBody>
+      </p:sp>
+      <p:pic>
+        <p:nvPicPr>
+          <p:cNvPr id="6" name="Picture 5"/>
+          <p:cNvPicPr>
+            <a:picLocks noChangeAspect="1"/>
+          </p:cNvPicPr>
+          <p:nvPr/>
+        </p:nvPicPr>
+        <p:blipFill>
+          <a:blip r:embed="rId3"/>
+          <a:stretch>
+            <a:fillRect/>
+          </a:stretch>
+        </p:blipFill>
+        <p:spPr>
+          <a:xfrm>
+            <a:off x="3491496" y="3119030"/>
+            <a:ext cx="5162831" cy="2314947"/>
+          </a:xfrm>
+          <a:prstGeom prst="rect">
+            <a:avLst/>
+          </a:prstGeom>
+        </p:spPr>
+      </p:pic>
+    </p:spTree>
+    <p:extLst>
+      <p:ext uri="{BB962C8B-B14F-4D97-AF65-F5344CB8AC3E}">
+        <p14:creationId xmlns:p14="http://schemas.microsoft.com/office/powerpoint/2010/main" val="2497764771"/>
+      </p:ext>
+    </p:extLst>
+  </p:cSld>
+  <p:clrMapOvr>
+    <a:masterClrMapping/>
+  </p:clrMapOvr>
+</p:sld>
+</file>
+
+<file path=ppt/slides/slide4.xml><?xml version="1.0" encoding="utf-8"?>
+<p:sld xmlns:a="http://schemas.openxmlformats.org/drawingml/2006/main" xmlns:r="http://schemas.openxmlformats.org/officeDocument/2006/relationships" xmlns:p="http://schemas.openxmlformats.org/presentationml/2006/main">
+  <p:cSld>
+    <p:spTree>
+      <p:nvGrpSpPr>
+        <p:cNvPr id="1" name=""/>
+        <p:cNvGrpSpPr/>
+        <p:nvPr/>
+      </p:nvGrpSpPr>
+      <p:grpSpPr>
+        <a:xfrm>
+          <a:off x="0" y="0"/>
+          <a:ext cx="0" cy="0"/>
+          <a:chOff x="0" y="0"/>
+          <a:chExt cx="0" cy="0"/>
+        </a:xfrm>
+      </p:grpSpPr>
+      <p:sp>
+        <p:nvSpPr>
+          <p:cNvPr id="2" name="Title 1"/>
+          <p:cNvSpPr>
+            <a:spLocks noGrp="1"/>
+          </p:cNvSpPr>
+          <p:nvPr>
+            <p:ph type="title"/>
+          </p:nvPr>
+        </p:nvSpPr>
+        <p:spPr/>
+        <p:txBody>
+          <a:bodyPr/>
+          <a:lstStyle/>
+          <a:p>
+            <a:r>
+              <a:rPr lang="en-US" sz="3600" dirty="0" err="1"/>
+              <a:t>Übersicht</a:t>
+            </a:r>
+            <a:endParaRPr lang="en-US" sz="3600" dirty="0"/>
+          </a:p>
+        </p:txBody>
+      </p:sp>
+      <p:sp>
+        <p:nvSpPr>
+          <p:cNvPr id="3" name="Content Placeholder 2"/>
+          <p:cNvSpPr>
+            <a:spLocks noGrp="1"/>
+          </p:cNvSpPr>
+          <p:nvPr>
+            <p:ph idx="1"/>
+          </p:nvPr>
+        </p:nvSpPr>
+        <p:spPr/>
+        <p:txBody>
+          <a:bodyPr>
+            <a:normAutofit/>
+          </a:bodyPr>
+          <a:lstStyle/>
+          <a:p>
+            <a:pPr marL="0" indent="0">
+              <a:lnSpc>
+                <a:spcPct val="200000"/>
+              </a:lnSpc>
+              <a:buNone/>
+            </a:pPr>
+            <a:endParaRPr lang="en-US" sz="3500" dirty="0" smtClean="0">
+              <a:solidFill>
+                <a:prstClr val="black"/>
+              </a:solidFill>
+            </a:endParaRPr>
+          </a:p>
+          <a:p>
+            <a:pPr algn="ctr">
+              <a:lnSpc>
+                <a:spcPct val="200000"/>
+              </a:lnSpc>
+              <a:buFont typeface="Wingdings" charset="2"/>
+              <a:buChar char="Ø"/>
+            </a:pPr>
+            <a:r>
+              <a:rPr lang="en-US" sz="3500" dirty="0" smtClean="0">
+                <a:solidFill>
+                  <a:prstClr val="black"/>
+                </a:solidFill>
+              </a:rPr>
+              <a:t> </a:t>
+            </a:r>
+            <a:r>
+              <a:rPr lang="en-US" sz="3500" smtClean="0">
+                <a:solidFill>
+                  <a:prstClr val="black"/>
+                </a:solidFill>
+              </a:rPr>
+              <a:t> Planen</a:t>
+            </a:r>
+            <a:endParaRPr lang="en-US" sz="3500" dirty="0" smtClean="0">
+              <a:solidFill>
+                <a:prstClr val="black"/>
+              </a:solidFill>
+            </a:endParaRPr>
+          </a:p>
+          <a:p>
+            <a:pPr algn="ctr">
+              <a:lnSpc>
+                <a:spcPct val="200000"/>
+              </a:lnSpc>
+              <a:buFont typeface="Wingdings" charset="2"/>
+              <a:buChar char="Ø"/>
+            </a:pPr>
+            <a:r>
+              <a:rPr lang="en-US" sz="3500" dirty="0" smtClean="0">
+                <a:solidFill>
+                  <a:prstClr val="black"/>
+                </a:solidFill>
+              </a:rPr>
+              <a:t> </a:t>
+            </a:r>
+            <a:r>
+              <a:rPr lang="en-US" sz="3500" smtClean="0">
+                <a:solidFill>
+                  <a:prstClr val="black"/>
+                </a:solidFill>
+              </a:rPr>
+              <a:t> Aufgabenverteilung</a:t>
+            </a:r>
+            <a:endParaRPr lang="en-US" sz="3500" dirty="0" smtClean="0"/>
+          </a:p>
+        </p:txBody>
+      </p:sp>
+      <p:sp>
+        <p:nvSpPr>
+          <p:cNvPr id="4" name="Slide Number Placeholder 3"/>
+          <p:cNvSpPr>
+            <a:spLocks noGrp="1"/>
+          </p:cNvSpPr>
+          <p:nvPr>
+            <p:ph type="sldNum" sz="quarter" idx="12"/>
+          </p:nvPr>
+        </p:nvSpPr>
+        <p:spPr/>
+        <p:txBody>
+          <a:bodyPr/>
+          <a:lstStyle/>
+          <a:p>
+            <a:fld id="{88051181-3DEF-484A-8434-F25831745C76}" type="slidenum">
+              <a:rPr lang="de-DE" smtClean="0"/>
+              <a:pPr/>
+              <a:t>4</a:t>
+            </a:fld>
+            <a:endParaRPr lang="de-DE" dirty="0"/>
+          </a:p>
+        </p:txBody>
+      </p:sp>
+    </p:spTree>
+    <p:extLst>
+      <p:ext uri="{BB962C8B-B14F-4D97-AF65-F5344CB8AC3E}">
+        <p14:creationId xmlns:p14="http://schemas.microsoft.com/office/powerpoint/2010/main" val="2535006181"/>
+      </p:ext>
+    </p:extLst>
+  </p:cSld>
+  <p:clrMapOvr>
+    <a:masterClrMapping/>
+  </p:clrMapOvr>
+</p:sld>
+</file>
+
+<file path=ppt/slides/slide5.xml><?xml version="1.0" encoding="utf-8"?>
+<p:sld xmlns:a="http://schemas.openxmlformats.org/drawingml/2006/main" xmlns:r="http://schemas.openxmlformats.org/officeDocument/2006/relationships" xmlns:p="http://schemas.openxmlformats.org/presentationml/2006/main">
+  <p:cSld>
+    <p:spTree>
+      <p:nvGrpSpPr>
+        <p:cNvPr id="1" name=""/>
+        <p:cNvGrpSpPr/>
+        <p:nvPr/>
+      </p:nvGrpSpPr>
+      <p:grpSpPr>
+        <a:xfrm>
+          <a:off x="0" y="0"/>
+          <a:ext cx="0" cy="0"/>
+          <a:chOff x="0" y="0"/>
+          <a:chExt cx="0" cy="0"/>
+        </a:xfrm>
+      </p:grpSpPr>
+      <p:sp>
+        <p:nvSpPr>
+          <p:cNvPr id="2" name="Title 1"/>
+          <p:cNvSpPr>
+            <a:spLocks noGrp="1"/>
+          </p:cNvSpPr>
+          <p:nvPr>
+            <p:ph type="title"/>
+          </p:nvPr>
+        </p:nvSpPr>
+        <p:spPr/>
+        <p:txBody>
+          <a:bodyPr/>
+          <a:lstStyle/>
+          <a:p>
+            <a:r>
+              <a:rPr lang="en-US" sz="3600" dirty="0" err="1"/>
+              <a:t>Übersicht</a:t>
+            </a:r>
+            <a:endParaRPr lang="en-US" sz="3600" dirty="0"/>
+          </a:p>
+        </p:txBody>
+      </p:sp>
+      <p:sp>
+        <p:nvSpPr>
+          <p:cNvPr id="3" name="Content Placeholder 2"/>
+          <p:cNvSpPr>
+            <a:spLocks noGrp="1"/>
+          </p:cNvSpPr>
+          <p:nvPr>
+            <p:ph idx="1"/>
+          </p:nvPr>
+        </p:nvSpPr>
+        <p:spPr>
+          <a:xfrm>
+            <a:off x="359999" y="765743"/>
+            <a:ext cx="11419045" cy="5084826"/>
+          </a:xfrm>
+        </p:spPr>
+        <p:txBody>
+          <a:bodyPr>
+            <a:normAutofit/>
+          </a:bodyPr>
+          <a:lstStyle/>
+          <a:p>
+            <a:pPr marL="0" indent="0" algn="ctr">
+              <a:buNone/>
+            </a:pPr>
+            <a:r>
+              <a:rPr lang="en-US" sz="3500" dirty="0" smtClean="0"/>
+              <a:t> </a:t>
+            </a:r>
+          </a:p>
+          <a:p>
+            <a:pPr algn="ctr">
+              <a:buFont typeface="Wingdings" charset="2"/>
+              <a:buChar char="Ø"/>
+            </a:pPr>
+            <a:r>
+              <a:rPr lang="en-US" sz="3500" dirty="0" smtClean="0"/>
+              <a:t> Implementierung</a:t>
+            </a:r>
+          </a:p>
+        </p:txBody>
+      </p:sp>
+      <p:sp>
+        <p:nvSpPr>
+          <p:cNvPr id="4" name="Slide Number Placeholder 3"/>
+          <p:cNvSpPr>
+            <a:spLocks noGrp="1"/>
+          </p:cNvSpPr>
+          <p:nvPr>
+            <p:ph type="sldNum" sz="quarter" idx="12"/>
+          </p:nvPr>
+        </p:nvSpPr>
+        <p:spPr/>
+        <p:txBody>
+          <a:bodyPr/>
+          <a:lstStyle/>
+          <a:p>
+            <a:fld id="{88051181-3DEF-484A-8434-F25831745C76}" type="slidenum">
+              <a:rPr lang="de-DE" smtClean="0"/>
+              <a:pPr/>
+              <a:t>5</a:t>
+            </a:fld>
+            <a:endParaRPr lang="de-DE" dirty="0"/>
+          </a:p>
+        </p:txBody>
+      </p:sp>
+      <p:sp>
+        <p:nvSpPr>
+          <p:cNvPr id="7" name="Rectangle 6"/>
+          <p:cNvSpPr/>
+          <p:nvPr/>
+        </p:nvSpPr>
+        <p:spPr>
+          <a:xfrm>
+            <a:off x="1819623" y="5617339"/>
+            <a:ext cx="2932802" cy="553998"/>
+          </a:xfrm>
+          <a:prstGeom prst="rect">
+            <a:avLst/>
+          </a:prstGeom>
+        </p:spPr>
+        <p:txBody>
+          <a:bodyPr wrap="square">
+            <a:spAutoFit/>
+          </a:bodyPr>
+          <a:lstStyle/>
+          <a:p>
+            <a:pPr algn="ctr"/>
+            <a:r>
+              <a:rPr lang="en-US" sz="3000"/>
+              <a:t>ar_track_alvar</a:t>
+            </a:r>
+          </a:p>
+        </p:txBody>
+      </p:sp>
+      <p:pic>
+        <p:nvPicPr>
+          <p:cNvPr id="10" name="Picture 9"/>
+          <p:cNvPicPr>
+            <a:picLocks noChangeAspect="1"/>
+          </p:cNvPicPr>
+          <p:nvPr/>
+        </p:nvPicPr>
+        <p:blipFill>
+          <a:blip r:embed="rId2"/>
+          <a:stretch>
+            <a:fillRect/>
+          </a:stretch>
+        </p:blipFill>
+        <p:spPr>
+          <a:xfrm>
+            <a:off x="1989996" y="2658089"/>
+            <a:ext cx="2655847" cy="2655847"/>
+          </a:xfrm>
+          <a:prstGeom prst="rect">
+            <a:avLst/>
+          </a:prstGeom>
+        </p:spPr>
+      </p:pic>
+      <p:pic>
+        <p:nvPicPr>
+          <p:cNvPr id="11" name="Picture 10"/>
+          <p:cNvPicPr>
+            <a:picLocks noChangeAspect="1"/>
+          </p:cNvPicPr>
+          <p:nvPr/>
+        </p:nvPicPr>
+        <p:blipFill>
+          <a:blip r:embed="rId3"/>
+          <a:stretch>
+            <a:fillRect/>
+          </a:stretch>
+        </p:blipFill>
+        <p:spPr>
+          <a:xfrm>
+            <a:off x="6805497" y="2658938"/>
+            <a:ext cx="3556000" cy="2692400"/>
+          </a:xfrm>
+          <a:prstGeom prst="rect">
+            <a:avLst/>
+          </a:prstGeom>
+        </p:spPr>
+      </p:pic>
+      <p:sp>
+        <p:nvSpPr>
+          <p:cNvPr id="13" name="Rectangle 12"/>
+          <p:cNvSpPr/>
+          <p:nvPr/>
+        </p:nvSpPr>
+        <p:spPr>
+          <a:xfrm>
+            <a:off x="7104119" y="5612611"/>
+            <a:ext cx="2932802" cy="553998"/>
+          </a:xfrm>
+          <a:prstGeom prst="rect">
+            <a:avLst/>
+          </a:prstGeom>
+        </p:spPr>
+        <p:txBody>
+          <a:bodyPr wrap="square">
+            <a:spAutoFit/>
+          </a:bodyPr>
+          <a:lstStyle/>
+          <a:p>
+            <a:pPr algn="ctr"/>
+            <a:r>
+              <a:rPr lang="en-US" sz="3000" smtClean="0"/>
+              <a:t>Pan-Tilt Unit</a:t>
+            </a:r>
+          </a:p>
+        </p:txBody>
+      </p:sp>
+    </p:spTree>
+    <p:extLst>
+      <p:ext uri="{BB962C8B-B14F-4D97-AF65-F5344CB8AC3E}">
+        <p14:creationId xmlns:p14="http://schemas.microsoft.com/office/powerpoint/2010/main" val="486057161"/>
+      </p:ext>
+    </p:extLst>
+  </p:cSld>
+  <p:clrMapOvr>
+    <a:masterClrMapping/>
+  </p:clrMapOvr>
+</p:sld>
+</file>
+
+<file path=ppt/slides/slide6.xml><?xml version="1.0" encoding="utf-8"?>
+<p:sld xmlns:a="http://schemas.openxmlformats.org/drawingml/2006/main" xmlns:r="http://schemas.openxmlformats.org/officeDocument/2006/relationships" xmlns:p="http://schemas.openxmlformats.org/presentationml/2006/main">
+  <p:cSld>
+    <p:spTree>
+      <p:nvGrpSpPr>
+        <p:cNvPr id="1" name=""/>
+        <p:cNvGrpSpPr/>
+        <p:nvPr/>
+      </p:nvGrpSpPr>
+      <p:grpSpPr>
+        <a:xfrm>
+          <a:off x="0" y="0"/>
+          <a:ext cx="0" cy="0"/>
+          <a:chOff x="0" y="0"/>
+          <a:chExt cx="0" cy="0"/>
+        </a:xfrm>
+      </p:grpSpPr>
+      <p:sp>
+        <p:nvSpPr>
+          <p:cNvPr id="2" name="Title 1"/>
+          <p:cNvSpPr>
+            <a:spLocks noGrp="1"/>
+          </p:cNvSpPr>
+          <p:nvPr>
+            <p:ph type="title"/>
+          </p:nvPr>
+        </p:nvSpPr>
+        <p:spPr/>
+        <p:txBody>
+          <a:bodyPr/>
+          <a:lstStyle/>
+          <a:p>
+            <a:r>
+              <a:rPr lang="ro-RO" sz="3600" dirty="0" smtClean="0"/>
+              <a:t>Entwurf</a:t>
+            </a:r>
+            <a:endParaRPr lang="en-US" dirty="0"/>
+          </a:p>
+        </p:txBody>
+      </p:sp>
+      <p:sp>
+        <p:nvSpPr>
+          <p:cNvPr id="3" name="Content Placeholder 2"/>
+          <p:cNvSpPr>
+            <a:spLocks noGrp="1"/>
+          </p:cNvSpPr>
+          <p:nvPr>
+            <p:ph idx="1"/>
+          </p:nvPr>
+        </p:nvSpPr>
+        <p:spPr/>
+        <p:txBody>
+          <a:bodyPr/>
+          <a:lstStyle/>
+          <a:p>
+            <a:pPr marL="0" indent="0">
+              <a:buNone/>
+            </a:pPr>
+            <a:r>
+              <a:rPr lang="en-US" sz="2800" dirty="0" smtClean="0"/>
+              <a:t>Verknüpfungen und Kontext zum Rest des Projects:</a:t>
+            </a:r>
+          </a:p>
+          <a:p>
+            <a:pPr marL="0" indent="0">
+              <a:buNone/>
+            </a:pPr>
+            <a:endParaRPr lang="en-US" sz="1800" dirty="0" smtClean="0"/>
+          </a:p>
+          <a:p>
+            <a:r>
+              <a:rPr lang="en-US" sz="1800" dirty="0"/>
+              <a:t>Ausgabe Kanäle:</a:t>
+            </a:r>
+          </a:p>
+          <a:p>
+            <a:pPr lvl="1"/>
+            <a:r>
+              <a:rPr lang="en-US" sz="1800" dirty="0"/>
+              <a:t>vision/estimated_pose: PoseWithCovarianceStamped</a:t>
+            </a:r>
+          </a:p>
+          <a:p>
+            <a:pPr lvl="1"/>
+            <a:r>
+              <a:rPr lang="en-US" sz="1800" dirty="0"/>
+              <a:t>vision/sees_marker: bool</a:t>
+            </a:r>
+          </a:p>
+          <a:p>
+            <a:pPr lvl="1"/>
+            <a:r>
+              <a:rPr lang="en-US" sz="1800" dirty="0"/>
+              <a:t>vision/unexpected_marker: bool</a:t>
+            </a:r>
+          </a:p>
+          <a:p>
+            <a:pPr marL="0" indent="0">
+              <a:buNone/>
+            </a:pPr>
+            <a:endParaRPr lang="en-US" sz="1800" dirty="0"/>
+          </a:p>
+          <a:p>
+            <a:r>
+              <a:rPr lang="en-US" sz="1800" dirty="0" smtClean="0"/>
+              <a:t>Eingabe </a:t>
+            </a:r>
+            <a:r>
+              <a:rPr lang="en-US" sz="1800" dirty="0"/>
+              <a:t>Kanäle:</a:t>
+            </a:r>
+          </a:p>
+          <a:p>
+            <a:pPr lvl="1"/>
+            <a:r>
+              <a:rPr lang="en-US" sz="1800" dirty="0" smtClean="0"/>
+              <a:t>HL/is_kidnapped: bool</a:t>
+            </a:r>
+            <a:endParaRPr lang="en-US" sz="1800" dirty="0"/>
+          </a:p>
+          <a:p>
+            <a:pPr lvl="1"/>
+            <a:r>
+              <a:rPr lang="en-US" sz="1800" dirty="0" smtClean="0"/>
+              <a:t>kalman/fused_pose: </a:t>
+            </a:r>
+            <a:r>
+              <a:rPr lang="en-US" sz="1800" dirty="0"/>
+              <a:t>PoseWithCovarianceStamped</a:t>
+            </a:r>
+            <a:endParaRPr lang="en-US" sz="1800" dirty="0" smtClean="0"/>
+          </a:p>
+          <a:p>
+            <a:endParaRPr lang="en-US" dirty="0"/>
+          </a:p>
+        </p:txBody>
+      </p:sp>
+      <p:sp>
+        <p:nvSpPr>
+          <p:cNvPr id="4" name="Slide Number Placeholder 3"/>
+          <p:cNvSpPr>
+            <a:spLocks noGrp="1"/>
+          </p:cNvSpPr>
+          <p:nvPr>
+            <p:ph type="sldNum" sz="quarter" idx="12"/>
+          </p:nvPr>
+        </p:nvSpPr>
+        <p:spPr/>
+        <p:txBody>
+          <a:bodyPr/>
+          <a:lstStyle/>
+          <a:p>
+            <a:fld id="{88051181-3DEF-484A-8434-F25831745C76}" type="slidenum">
+              <a:rPr lang="de-DE" smtClean="0"/>
+              <a:pPr/>
+              <a:t>6</a:t>
+            </a:fld>
+            <a:endParaRPr lang="de-DE" dirty="0"/>
+          </a:p>
+        </p:txBody>
+      </p:sp>
+    </p:spTree>
+    <p:extLst>
+      <p:ext uri="{BB962C8B-B14F-4D97-AF65-F5344CB8AC3E}">
+        <p14:creationId xmlns:p14="http://schemas.microsoft.com/office/powerpoint/2010/main" val="221932087"/>
+      </p:ext>
+    </p:extLst>
+  </p:cSld>
+  <p:clrMapOvr>
+    <a:masterClrMapping/>
+  </p:clrMapOvr>
+</p:sld>
+</file>
+
+<file path=ppt/slides/slide7.xml><?xml version="1.0" encoding="utf-8"?>
+<p:sld xmlns:a="http://schemas.openxmlformats.org/drawingml/2006/main" xmlns:r="http://schemas.openxmlformats.org/officeDocument/2006/relationships" xmlns:p="http://schemas.openxmlformats.org/presentationml/2006/main">
+  <p:cSld>
+    <p:spTree>
+      <p:nvGrpSpPr>
+        <p:cNvPr id="1" name=""/>
+        <p:cNvGrpSpPr/>
+        <p:nvPr/>
+      </p:nvGrpSpPr>
+      <p:grpSpPr>
+        <a:xfrm>
+          <a:off x="0" y="0"/>
+          <a:ext cx="0" cy="0"/>
+          <a:chOff x="0" y="0"/>
+          <a:chExt cx="0" cy="0"/>
+        </a:xfrm>
+      </p:grpSpPr>
+      <p:sp>
+        <p:nvSpPr>
+          <p:cNvPr id="2" name="Title 1"/>
+          <p:cNvSpPr>
+            <a:spLocks noGrp="1"/>
+          </p:cNvSpPr>
+          <p:nvPr>
+            <p:ph type="title"/>
+          </p:nvPr>
+        </p:nvSpPr>
+        <p:spPr/>
+        <p:txBody>
+          <a:bodyPr/>
+          <a:lstStyle/>
+          <a:p>
+            <a:r>
+              <a:rPr lang="ro-RO" sz="3600" dirty="0" smtClean="0"/>
+              <a:t>Entwurf</a:t>
+            </a:r>
+            <a:r>
+              <a:rPr lang="en-US" sz="3600" dirty="0" smtClean="0"/>
+              <a:t> - Kontext</a:t>
+            </a:r>
+            <a:endParaRPr lang="en-US" dirty="0"/>
+          </a:p>
+        </p:txBody>
+      </p:sp>
+      <p:sp>
+        <p:nvSpPr>
+          <p:cNvPr id="4" name="Slide Number Placeholder 3"/>
+          <p:cNvSpPr>
+            <a:spLocks noGrp="1"/>
+          </p:cNvSpPr>
+          <p:nvPr>
+            <p:ph type="sldNum" sz="quarter" idx="12"/>
+          </p:nvPr>
+        </p:nvSpPr>
+        <p:spPr/>
+        <p:txBody>
+          <a:bodyPr/>
+          <a:lstStyle/>
+          <a:p>
+            <a:fld id="{88051181-3DEF-484A-8434-F25831745C76}" type="slidenum">
+              <a:rPr lang="de-DE" smtClean="0"/>
+              <a:pPr/>
+              <a:t>7</a:t>
+            </a:fld>
+            <a:endParaRPr lang="de-DE" dirty="0"/>
+          </a:p>
+        </p:txBody>
+      </p:sp>
+      <p:pic>
+        <p:nvPicPr>
+          <p:cNvPr id="2050" name="Picture 2" descr="C:\Users\Codrin\Documents\Facultate Adi\_An III Sem I\Parktikum Mobile Roboter\Doku\My WIP\vision_package.png"/>
+          <p:cNvPicPr>
+            <a:picLocks noChangeAspect="1" noChangeArrowheads="1"/>
+          </p:cNvPicPr>
+          <p:nvPr/>
+        </p:nvPicPr>
+        <p:blipFill>
+          <a:blip r:embed="rId2">
+            <a:extLst>
+              <a:ext uri="{28A0092B-C50C-407E-A947-70E740481C1C}">
+                <a14:useLocalDpi xmlns:a14="http://schemas.microsoft.com/office/drawing/2010/main" val="0"/>
+              </a:ext>
+            </a:extLst>
+          </a:blip>
+          <a:srcRect/>
+          <a:stretch>
+            <a:fillRect/>
+          </a:stretch>
+        </p:blipFill>
+        <p:spPr bwMode="auto">
+          <a:xfrm>
+            <a:off x="3243859" y="815842"/>
+            <a:ext cx="5704283" cy="5974258"/>
+          </a:xfrm>
+          <a:prstGeom prst="rect">
+            <a:avLst/>
+          </a:prstGeom>
+          <a:noFill/>
+          <a:extLst>
+            <a:ext uri="{909E8E84-426E-40DD-AFC4-6F175D3DCCD1}">
+              <a14:hiddenFill xmlns:a14="http://schemas.microsoft.com/office/drawing/2010/main">
+                <a:solidFill>
+                  <a:srgbClr val="FFFFFF"/>
+                </a:solidFill>
+              </a14:hiddenFill>
+            </a:ext>
+          </a:extLst>
+        </p:spPr>
+      </p:pic>
+    </p:spTree>
+    <p:extLst>
+      <p:ext uri="{BB962C8B-B14F-4D97-AF65-F5344CB8AC3E}">
+        <p14:creationId xmlns:p14="http://schemas.microsoft.com/office/powerpoint/2010/main" val="2901463341"/>
+      </p:ext>
+    </p:extLst>
+  </p:cSld>
+  <p:clrMapOvr>
+    <a:masterClrMapping/>
+  </p:clrMapOvr>
+</p:sld>
+</file>
+
+<file path=ppt/slides/slide8.xml><?xml version="1.0" encoding="utf-8"?>
+<p:sld xmlns:a="http://schemas.openxmlformats.org/drawingml/2006/main" xmlns:r="http://schemas.openxmlformats.org/officeDocument/2006/relationships" xmlns:p="http://schemas.openxmlformats.org/presentationml/2006/main">
+  <p:cSld>
+    <p:spTree>
+      <p:nvGrpSpPr>
+        <p:cNvPr id="1" name=""/>
+        <p:cNvGrpSpPr/>
+        <p:nvPr/>
+      </p:nvGrpSpPr>
+      <p:grpSpPr>
+        <a:xfrm>
+          <a:off x="0" y="0"/>
+          <a:ext cx="0" cy="0"/>
+          <a:chOff x="0" y="0"/>
+          <a:chExt cx="0" cy="0"/>
+        </a:xfrm>
+      </p:grpSpPr>
+      <p:sp>
+        <p:nvSpPr>
+          <p:cNvPr id="2" name="Title 1"/>
+          <p:cNvSpPr>
+            <a:spLocks noGrp="1"/>
+          </p:cNvSpPr>
+          <p:nvPr>
+            <p:ph type="title"/>
+          </p:nvPr>
+        </p:nvSpPr>
+        <p:spPr/>
+        <p:txBody>
+          <a:bodyPr/>
+          <a:lstStyle/>
+          <a:p>
+            <a:r>
+              <a:rPr lang="en-US" sz="3600" dirty="0" smtClean="0"/>
+              <a:t>Implementierung</a:t>
+            </a:r>
+            <a:endParaRPr lang="en-US" dirty="0"/>
+          </a:p>
+        </p:txBody>
+      </p:sp>
+      <p:sp>
+        <p:nvSpPr>
+          <p:cNvPr id="3" name="Content Placeholder 2"/>
+          <p:cNvSpPr>
+            <a:spLocks noGrp="1"/>
+          </p:cNvSpPr>
+          <p:nvPr>
+            <p:ph idx="1"/>
+          </p:nvPr>
+        </p:nvSpPr>
+        <p:spPr/>
+        <p:txBody>
+          <a:bodyPr/>
+          <a:lstStyle/>
+          <a:p>
+            <a:pPr marL="0" indent="0">
+              <a:buNone/>
+            </a:pPr>
+            <a:r>
+              <a:rPr lang="en-US" sz="2800" dirty="0" smtClean="0"/>
+              <a:t>Vision – verwendete Knoten</a:t>
+            </a:r>
+          </a:p>
+          <a:p>
+            <a:pPr marL="0" indent="0">
+              <a:buNone/>
+            </a:pPr>
+            <a:endParaRPr lang="en-US" sz="1800" dirty="0" smtClean="0"/>
+          </a:p>
+          <a:p>
+            <a:r>
+              <a:rPr lang="en-US" sz="1800" dirty="0" smtClean="0"/>
+              <a:t>Marker_Broadcaster</a:t>
+            </a:r>
+          </a:p>
+          <a:p>
+            <a:pPr lvl="1"/>
+            <a:r>
+              <a:rPr lang="en-US" sz="1800" dirty="0" smtClean="0"/>
+              <a:t>Hauptfaden: Versorgung der TF Baumstruktur mit Marker</a:t>
+            </a:r>
+            <a:endParaRPr lang="en-US" sz="1800" dirty="0"/>
+          </a:p>
+          <a:p>
+            <a:r>
+              <a:rPr lang="en-US" sz="1800" dirty="0" smtClean="0"/>
+              <a:t>Localizer</a:t>
+            </a:r>
+            <a:endParaRPr lang="en-US" sz="1800" dirty="0"/>
+          </a:p>
+          <a:p>
+            <a:pPr lvl="1"/>
+            <a:r>
+              <a:rPr lang="en-US" sz="1800" dirty="0" smtClean="0"/>
+              <a:t>Faden 1: konvertiere Marker Transformation in Kamera Transformation</a:t>
+            </a:r>
+            <a:endParaRPr lang="en-US" sz="1800" dirty="0"/>
+          </a:p>
+          <a:p>
+            <a:pPr lvl="1"/>
+            <a:r>
+              <a:rPr lang="en-US" sz="1800" dirty="0" smtClean="0"/>
+              <a:t>Faden 2: Auszug aus TF der Roboter Transformation in Weltkoordinaten</a:t>
+            </a:r>
+          </a:p>
+          <a:p>
+            <a:pPr lvl="1"/>
+            <a:r>
+              <a:rPr lang="en-US" sz="1800" dirty="0" smtClean="0"/>
+              <a:t>Faden 3: Aufnahme und Speichern der Daten von anderen Gruppen</a:t>
+            </a:r>
+          </a:p>
+          <a:p>
+            <a:pPr lvl="1"/>
+            <a:r>
+              <a:rPr lang="en-US" sz="1800" dirty="0" smtClean="0"/>
+              <a:t>Faden 4: Kamera Drehung</a:t>
+            </a:r>
+          </a:p>
+          <a:p>
+            <a:endParaRPr lang="en-US" dirty="0"/>
+          </a:p>
+        </p:txBody>
+      </p:sp>
+      <p:sp>
+        <p:nvSpPr>
+          <p:cNvPr id="4" name="Slide Number Placeholder 3"/>
+          <p:cNvSpPr>
+            <a:spLocks noGrp="1"/>
+          </p:cNvSpPr>
+          <p:nvPr>
+            <p:ph type="sldNum" sz="quarter" idx="12"/>
+          </p:nvPr>
+        </p:nvSpPr>
+        <p:spPr/>
+        <p:txBody>
+          <a:bodyPr/>
+          <a:lstStyle/>
+          <a:p>
+            <a:fld id="{88051181-3DEF-484A-8434-F25831745C76}" type="slidenum">
+              <a:rPr lang="de-DE" smtClean="0"/>
+              <a:pPr/>
+              <a:t>8</a:t>
+            </a:fld>
+            <a:endParaRPr lang="de-DE" dirty="0"/>
+          </a:p>
+        </p:txBody>
+      </p:sp>
+    </p:spTree>
+    <p:extLst>
+      <p:ext uri="{BB962C8B-B14F-4D97-AF65-F5344CB8AC3E}">
+        <p14:creationId xmlns:p14="http://schemas.microsoft.com/office/powerpoint/2010/main" val="741727095"/>
+      </p:ext>
+    </p:extLst>
+  </p:cSld>
+  <p:clrMapOvr>
+    <a:masterClrMapping/>
+  </p:clrMapOvr>
+</p:sld>
+</file>
+
+<file path=ppt/slides/slide9.xml><?xml version="1.0" encoding="utf-8"?>
+<p:sld xmlns:a="http://schemas.openxmlformats.org/drawingml/2006/main" xmlns:r="http://schemas.openxmlformats.org/officeDocument/2006/relationships" xmlns:p="http://schemas.openxmlformats.org/presentationml/2006/main">
+  <p:cSld>
+    <p:spTree>
+      <p:nvGrpSpPr>
+        <p:cNvPr id="1" name=""/>
+        <p:cNvGrpSpPr/>
+        <p:nvPr/>
+      </p:nvGrpSpPr>
+      <p:grpSpPr>
+        <a:xfrm>
+          <a:off x="0" y="0"/>
+          <a:ext cx="0" cy="0"/>
+          <a:chOff x="0" y="0"/>
+          <a:chExt cx="0" cy="0"/>
+        </a:xfrm>
+      </p:grpSpPr>
+      <p:sp>
+        <p:nvSpPr>
+          <p:cNvPr id="2" name="Title 1"/>
+          <p:cNvSpPr>
+            <a:spLocks noGrp="1"/>
+          </p:cNvSpPr>
+          <p:nvPr>
+            <p:ph type="title"/>
+          </p:nvPr>
+        </p:nvSpPr>
+        <p:spPr/>
+        <p:txBody>
+          <a:bodyPr/>
+          <a:lstStyle/>
+          <a:p>
+            <a:r>
+              <a:rPr lang="en-US" sz="3600" dirty="0" smtClean="0"/>
+              <a:t>Implementierung - Datenfluss</a:t>
+            </a:r>
+            <a:endParaRPr lang="en-US" dirty="0"/>
+          </a:p>
+        </p:txBody>
+      </p:sp>
+      <p:sp>
+        <p:nvSpPr>
+          <p:cNvPr id="4" name="Slide Number Placeholder 3"/>
+          <p:cNvSpPr>
+            <a:spLocks noGrp="1"/>
+          </p:cNvSpPr>
+          <p:nvPr>
+            <p:ph type="sldNum" sz="quarter" idx="12"/>
+          </p:nvPr>
+        </p:nvSpPr>
+        <p:spPr/>
+        <p:txBody>
+          <a:bodyPr/>
+          <a:lstStyle/>
+          <a:p>
+            <a:fld id="{88051181-3DEF-484A-8434-F25831745C76}" type="slidenum">
+              <a:rPr lang="de-DE" smtClean="0"/>
+              <a:pPr/>
+              <a:t>9</a:t>
+            </a:fld>
+            <a:endParaRPr lang="de-DE" dirty="0"/>
+          </a:p>
+        </p:txBody>
+      </p:sp>
+      <p:pic>
+        <p:nvPicPr>
+          <p:cNvPr id="3074" name="Picture 2" descr="C:\Users\Codrin\Documents\Facultate Adi\_An III Sem I\Parktikum Mobile Roboter\Doku\My WIP\vision_concept.png"/>
+          <p:cNvPicPr>
+            <a:picLocks noChangeAspect="1" noChangeArrowheads="1"/>
+          </p:cNvPicPr>
+          <p:nvPr/>
+        </p:nvPicPr>
+        <p:blipFill>
+          <a:blip r:embed="rId2">
+            <a:extLst>
+              <a:ext uri="{28A0092B-C50C-407E-A947-70E740481C1C}">
+                <a14:useLocalDpi xmlns:a14="http://schemas.microsoft.com/office/drawing/2010/main" val="0"/>
+              </a:ext>
+            </a:extLst>
+          </a:blip>
+          <a:srcRect/>
+          <a:stretch>
+            <a:fillRect/>
+          </a:stretch>
+        </p:blipFill>
+        <p:spPr bwMode="auto">
+          <a:xfrm>
+            <a:off x="1281066" y="1134297"/>
+            <a:ext cx="9629869" cy="5132586"/>
+          </a:xfrm>
+          <a:prstGeom prst="rect">
+            <a:avLst/>
+          </a:prstGeom>
+          <a:noFill/>
+          <a:extLst>
+            <a:ext uri="{909E8E84-426E-40DD-AFC4-6F175D3DCCD1}">
+              <a14:hiddenFill xmlns:a14="http://schemas.microsoft.com/office/drawing/2010/main">
+                <a:solidFill>
+                  <a:srgbClr val="FFFFFF"/>
+                </a:solidFill>
+              </a14:hiddenFill>
+            </a:ext>
+          </a:extLst>
+        </p:spPr>
+      </p:pic>
+    </p:spTree>
+    <p:extLst>
+      <p:ext uri="{BB962C8B-B14F-4D97-AF65-F5344CB8AC3E}">
+        <p14:creationId xmlns:p14="http://schemas.microsoft.com/office/powerpoint/2010/main" val="1546736060"/>
+      </p:ext>
+    </p:extLst>
+  </p:cSld>
+  <p:clrMapOvr>
+    <a:masterClrMapping/>
+  </p:clrMapOvr>
 </p:sld>
 </file>
 
@@ -3293,7 +5781,7 @@
     </a:clrScheme>
     <a:fontScheme name="Office">
       <a:majorFont>
-        <a:latin typeface="Calibri Light" panose="020F0302020204030204"/>
+        <a:latin typeface="Calibri Light"/>
         <a:ea typeface=""/>
         <a:cs typeface=""/>
         <a:font script="Jpan" typeface="ＭＳ Ｐゴシック"/>
@@ -3328,7 +5816,7 @@
         <a:font script="Geor" typeface="Sylfaen"/>
       </a:majorFont>
       <a:minorFont>
-        <a:latin typeface="Calibri" panose="020F0502020204030204"/>
+        <a:latin typeface="Calibri"/>
         <a:ea typeface=""/>
         <a:cs typeface=""/>
         <a:font script="Jpan" typeface="ＭＳ Ｐゴシック"/>
@@ -3505,7 +5993,7 @@
   <a:extraClrSchemeLst/>
   <a:extLst>
     <a:ext uri="{05A4C25C-085E-4340-85A3-A5531E510DB2}">
-      <thm15:themeFamily xmlns:thm15="http://schemas.microsoft.com/office/thememl/2012/main" name="Office Theme" id="{62F939B6-93AF-4DB8-9C6B-D6C7DFDC589F}" vid="{4A3C46E8-61CC-4603-A589-7422A47A8E4A}"/>
+      <thm15:themeFamily xmlns:thm15="http://schemas.microsoft.com/office/thememl/2012/main" xmlns="" name="Office Theme" id="{62F939B6-93AF-4DB8-9C6B-D6C7DFDC589F}" vid="{4A3C46E8-61CC-4603-A589-7422A47A8E4A}"/>
     </a:ext>
   </a:extLst>
 </a:theme>
@@ -3554,7 +6042,7 @@
     </a:clrScheme>
     <a:fontScheme name="Office">
       <a:majorFont>
-        <a:latin typeface="Calibri Light" panose="020F0302020204030204"/>
+        <a:latin typeface="Calibri Light"/>
         <a:ea typeface=""/>
         <a:cs typeface=""/>
         <a:font script="Jpan" typeface="ＭＳ Ｐゴシック"/>
@@ -3589,7 +6077,7 @@
         <a:font script="Geor" typeface="Sylfaen"/>
       </a:majorFont>
       <a:minorFont>
-        <a:latin typeface="Calibri" panose="020F0502020204030204"/>
+        <a:latin typeface="Calibri"/>
         <a:ea typeface=""/>
         <a:cs typeface=""/>
         <a:font script="Jpan" typeface="ＭＳ Ｐゴシック"/>
@@ -3766,7 +6254,7 @@
   <a:extraClrSchemeLst/>
   <a:extLst>
     <a:ext uri="{05A4C25C-085E-4340-85A3-A5531E510DB2}">
-      <thm15:themeFamily xmlns:thm15="http://schemas.microsoft.com/office/thememl/2012/main" name="Office Theme" id="{62F939B6-93AF-4DB8-9C6B-D6C7DFDC589F}" vid="{4A3C46E8-61CC-4603-A589-7422A47A8E4A}"/>
+      <thm15:themeFamily xmlns:thm15="http://schemas.microsoft.com/office/thememl/2012/main" xmlns="" name="Office Theme" id="{62F939B6-93AF-4DB8-9C6B-D6C7DFDC589F}" vid="{4A3C46E8-61CC-4603-A589-7422A47A8E4A}"/>
     </a:ext>
   </a:extLst>
 </a:theme>

--- a/robprak1516-presentation-vision.pptx
+++ b/robprak1516-presentation-vision.pptx
@@ -18,7 +18,7 @@
     <p:sldId id="266" r:id="rId13"/>
   </p:sldIdLst>
   <p:sldSz cx="12192000" cy="6858000"/>
-  <p:notesSz cx="6858000" cy="9144000"/>
+  <p:notesSz cx="7559675" cy="10691812"/>
 </p:presentation>
 </file>
 
@@ -63,7 +63,7 @@
       </p:grpSpPr>
       <p:sp>
         <p:nvSpPr>
-          <p:cNvPr id="32" name="PlaceHolder 1"/>
+          <p:cNvPr id="30" name="PlaceHolder 1"/>
           <p:cNvSpPr>
             <a:spLocks noGrp="1"/>
           </p:cNvSpPr>
@@ -73,8 +73,8 @@
         </p:nvSpPr>
         <p:spPr>
           <a:xfrm>
-            <a:off x="0" y="0"/>
-            <a:ext cx="10028520" cy="759600"/>
+            <a:off x="609480" y="273600"/>
+            <a:ext cx="10972440" cy="1145160"/>
           </a:xfrm>
           <a:prstGeom prst="rect">
             <a:avLst/>
@@ -83,13 +83,14 @@
         <p:txBody>
           <a:bodyPr lIns="0" rIns="0" tIns="0" bIns="0" anchor="ctr"/>
           <a:p>
-            <a:endParaRPr/>
-          </a:p>
-        </p:txBody>
-      </p:sp>
-      <p:sp>
-        <p:nvSpPr>
-          <p:cNvPr id="33" name="PlaceHolder 2"/>
+            <a:pPr algn="ctr"/>
+            <a:endParaRPr/>
+          </a:p>
+        </p:txBody>
+      </p:sp>
+      <p:sp>
+        <p:nvSpPr>
+          <p:cNvPr id="31" name="PlaceHolder 2"/>
           <p:cNvSpPr>
             <a:spLocks noGrp="1"/>
           </p:cNvSpPr>
@@ -99,8 +100,8 @@
         </p:nvSpPr>
         <p:spPr>
           <a:xfrm>
-            <a:off x="360000" y="1080000"/>
-            <a:ext cx="11418840" cy="2425320"/>
+            <a:off x="609480" y="1604520"/>
+            <a:ext cx="10972440" cy="1896840"/>
           </a:xfrm>
           <a:prstGeom prst="rect">
             <a:avLst/>
@@ -115,7 +116,7 @@
       </p:sp>
       <p:sp>
         <p:nvSpPr>
-          <p:cNvPr id="34" name="PlaceHolder 3"/>
+          <p:cNvPr id="32" name="PlaceHolder 3"/>
           <p:cNvSpPr>
             <a:spLocks noGrp="1"/>
           </p:cNvSpPr>
@@ -125,8 +126,8 @@
         </p:nvSpPr>
         <p:spPr>
           <a:xfrm>
-            <a:off x="360000" y="3736080"/>
-            <a:ext cx="11418840" cy="2425320"/>
+            <a:off x="609480" y="3682080"/>
+            <a:ext cx="10972440" cy="1896840"/>
           </a:xfrm>
           <a:prstGeom prst="rect">
             <a:avLst/>
@@ -163,7 +164,7 @@
       </p:grpSpPr>
       <p:sp>
         <p:nvSpPr>
-          <p:cNvPr id="35" name="PlaceHolder 1"/>
+          <p:cNvPr id="33" name="PlaceHolder 1"/>
           <p:cNvSpPr>
             <a:spLocks noGrp="1"/>
           </p:cNvSpPr>
@@ -173,8 +174,8 @@
         </p:nvSpPr>
         <p:spPr>
           <a:xfrm>
-            <a:off x="0" y="0"/>
-            <a:ext cx="10028520" cy="759600"/>
+            <a:off x="609480" y="273600"/>
+            <a:ext cx="10972440" cy="1145160"/>
           </a:xfrm>
           <a:prstGeom prst="rect">
             <a:avLst/>
@@ -183,13 +184,14 @@
         <p:txBody>
           <a:bodyPr lIns="0" rIns="0" tIns="0" bIns="0" anchor="ctr"/>
           <a:p>
-            <a:endParaRPr/>
-          </a:p>
-        </p:txBody>
-      </p:sp>
-      <p:sp>
-        <p:nvSpPr>
-          <p:cNvPr id="36" name="PlaceHolder 2"/>
+            <a:pPr algn="ctr"/>
+            <a:endParaRPr/>
+          </a:p>
+        </p:txBody>
+      </p:sp>
+      <p:sp>
+        <p:nvSpPr>
+          <p:cNvPr id="34" name="PlaceHolder 2"/>
           <p:cNvSpPr>
             <a:spLocks noGrp="1"/>
           </p:cNvSpPr>
@@ -199,8 +201,8 @@
         </p:nvSpPr>
         <p:spPr>
           <a:xfrm>
-            <a:off x="360000" y="1080000"/>
-            <a:ext cx="5572080" cy="2425320"/>
+            <a:off x="609480" y="1604520"/>
+            <a:ext cx="5354280" cy="1896840"/>
           </a:xfrm>
           <a:prstGeom prst="rect">
             <a:avLst/>
@@ -215,7 +217,7 @@
       </p:sp>
       <p:sp>
         <p:nvSpPr>
-          <p:cNvPr id="37" name="PlaceHolder 3"/>
+          <p:cNvPr id="35" name="PlaceHolder 3"/>
           <p:cNvSpPr>
             <a:spLocks noGrp="1"/>
           </p:cNvSpPr>
@@ -225,8 +227,8 @@
         </p:nvSpPr>
         <p:spPr>
           <a:xfrm>
-            <a:off x="6211080" y="1080000"/>
-            <a:ext cx="5572080" cy="2425320"/>
+            <a:off x="6231960" y="1604520"/>
+            <a:ext cx="5354280" cy="1896840"/>
           </a:xfrm>
           <a:prstGeom prst="rect">
             <a:avLst/>
@@ -241,7 +243,7 @@
       </p:sp>
       <p:sp>
         <p:nvSpPr>
-          <p:cNvPr id="38" name="PlaceHolder 4"/>
+          <p:cNvPr id="36" name="PlaceHolder 4"/>
           <p:cNvSpPr>
             <a:spLocks noGrp="1"/>
           </p:cNvSpPr>
@@ -251,8 +253,8 @@
         </p:nvSpPr>
         <p:spPr>
           <a:xfrm>
-            <a:off x="6211080" y="3736080"/>
-            <a:ext cx="5572080" cy="2425320"/>
+            <a:off x="6231960" y="3682080"/>
+            <a:ext cx="5354280" cy="1896840"/>
           </a:xfrm>
           <a:prstGeom prst="rect">
             <a:avLst/>
@@ -267,7 +269,7 @@
       </p:sp>
       <p:sp>
         <p:nvSpPr>
-          <p:cNvPr id="39" name="PlaceHolder 5"/>
+          <p:cNvPr id="37" name="PlaceHolder 5"/>
           <p:cNvSpPr>
             <a:spLocks noGrp="1"/>
           </p:cNvSpPr>
@@ -277,8 +279,8 @@
         </p:nvSpPr>
         <p:spPr>
           <a:xfrm>
-            <a:off x="360000" y="3736080"/>
-            <a:ext cx="5572080" cy="2425320"/>
+            <a:off x="609480" y="3682080"/>
+            <a:ext cx="5354280" cy="1896840"/>
           </a:xfrm>
           <a:prstGeom prst="rect">
             <a:avLst/>
@@ -315,7 +317,7 @@
       </p:grpSpPr>
       <p:sp>
         <p:nvSpPr>
-          <p:cNvPr id="40" name="PlaceHolder 1"/>
+          <p:cNvPr id="38" name="PlaceHolder 1"/>
           <p:cNvSpPr>
             <a:spLocks noGrp="1"/>
           </p:cNvSpPr>
@@ -325,8 +327,8 @@
         </p:nvSpPr>
         <p:spPr>
           <a:xfrm>
-            <a:off x="0" y="0"/>
-            <a:ext cx="10028520" cy="759600"/>
+            <a:off x="609480" y="273600"/>
+            <a:ext cx="10972440" cy="1145160"/>
           </a:xfrm>
           <a:prstGeom prst="rect">
             <a:avLst/>
@@ -335,13 +337,14 @@
         <p:txBody>
           <a:bodyPr lIns="0" rIns="0" tIns="0" bIns="0" anchor="ctr"/>
           <a:p>
-            <a:endParaRPr/>
-          </a:p>
-        </p:txBody>
-      </p:sp>
-      <p:sp>
-        <p:nvSpPr>
-          <p:cNvPr id="41" name="PlaceHolder 2"/>
+            <a:pPr algn="ctr"/>
+            <a:endParaRPr/>
+          </a:p>
+        </p:txBody>
+      </p:sp>
+      <p:sp>
+        <p:nvSpPr>
+          <p:cNvPr id="39" name="PlaceHolder 2"/>
           <p:cNvSpPr>
             <a:spLocks noGrp="1"/>
           </p:cNvSpPr>
@@ -351,8 +354,8 @@
         </p:nvSpPr>
         <p:spPr>
           <a:xfrm>
-            <a:off x="360000" y="1080000"/>
-            <a:ext cx="11418840" cy="5084640"/>
+            <a:off x="609480" y="1604520"/>
+            <a:ext cx="10972440" cy="3976920"/>
           </a:xfrm>
           <a:prstGeom prst="rect">
             <a:avLst/>
@@ -367,7 +370,7 @@
       </p:sp>
       <p:sp>
         <p:nvSpPr>
-          <p:cNvPr id="42" name="PlaceHolder 3"/>
+          <p:cNvPr id="40" name="PlaceHolder 3"/>
           <p:cNvSpPr>
             <a:spLocks noGrp="1"/>
           </p:cNvSpPr>
@@ -377,8 +380,8 @@
         </p:nvSpPr>
         <p:spPr>
           <a:xfrm>
-            <a:off x="360000" y="1080000"/>
-            <a:ext cx="11418840" cy="5084640"/>
+            <a:off x="609480" y="1604520"/>
+            <a:ext cx="10972440" cy="3976920"/>
           </a:xfrm>
           <a:prstGeom prst="rect">
             <a:avLst/>
@@ -393,7 +396,7 @@
       </p:sp>
       <p:pic>
         <p:nvPicPr>
-          <p:cNvPr id="43" name="" descr=""/>
+          <p:cNvPr id="41" name="" descr=""/>
           <p:cNvPicPr/>
           <p:nvPr/>
         </p:nvPicPr>
@@ -405,8 +408,8 @@
         </p:blipFill>
         <p:spPr>
           <a:xfrm>
-            <a:off x="2882880" y="1080000"/>
-            <a:ext cx="6372720" cy="5084640"/>
+            <a:off x="3603240" y="1604160"/>
+            <a:ext cx="4984200" cy="3976920"/>
           </a:xfrm>
           <a:prstGeom prst="rect">
             <a:avLst/>
@@ -418,7 +421,7 @@
       </p:pic>
       <p:pic>
         <p:nvPicPr>
-          <p:cNvPr id="44" name="" descr=""/>
+          <p:cNvPr id="42" name="" descr=""/>
           <p:cNvPicPr/>
           <p:nvPr/>
         </p:nvPicPr>
@@ -430,8 +433,8 @@
         </p:blipFill>
         <p:spPr>
           <a:xfrm>
-            <a:off x="2882880" y="1080000"/>
-            <a:ext cx="6372720" cy="5084640"/>
+            <a:off x="3603240" y="1604160"/>
+            <a:ext cx="4984200" cy="3976920"/>
           </a:xfrm>
           <a:prstGeom prst="rect">
             <a:avLst/>
@@ -465,7 +468,7 @@
       </p:grpSpPr>
       <p:sp>
         <p:nvSpPr>
-          <p:cNvPr id="11" name="PlaceHolder 1"/>
+          <p:cNvPr id="9" name="PlaceHolder 1"/>
           <p:cNvSpPr>
             <a:spLocks noGrp="1"/>
           </p:cNvSpPr>
@@ -475,8 +478,8 @@
         </p:nvSpPr>
         <p:spPr>
           <a:xfrm>
-            <a:off x="0" y="0"/>
-            <a:ext cx="10028520" cy="759600"/>
+            <a:off x="609480" y="273600"/>
+            <a:ext cx="10972440" cy="1145160"/>
           </a:xfrm>
           <a:prstGeom prst="rect">
             <a:avLst/>
@@ -485,13 +488,14 @@
         <p:txBody>
           <a:bodyPr lIns="0" rIns="0" tIns="0" bIns="0" anchor="ctr"/>
           <a:p>
-            <a:endParaRPr/>
-          </a:p>
-        </p:txBody>
-      </p:sp>
-      <p:sp>
-        <p:nvSpPr>
-          <p:cNvPr id="12" name="PlaceHolder 2"/>
+            <a:pPr algn="ctr"/>
+            <a:endParaRPr/>
+          </a:p>
+        </p:txBody>
+      </p:sp>
+      <p:sp>
+        <p:nvSpPr>
+          <p:cNvPr id="10" name="PlaceHolder 2"/>
           <p:cNvSpPr>
             <a:spLocks noGrp="1"/>
           </p:cNvSpPr>
@@ -501,8 +505,8 @@
         </p:nvSpPr>
         <p:spPr>
           <a:xfrm>
-            <a:off x="360000" y="1080000"/>
-            <a:ext cx="11418840" cy="5085000"/>
+            <a:off x="609480" y="1604520"/>
+            <a:ext cx="10972440" cy="3977280"/>
           </a:xfrm>
           <a:prstGeom prst="rect">
             <a:avLst/>
@@ -540,7 +544,7 @@
       </p:grpSpPr>
       <p:sp>
         <p:nvSpPr>
-          <p:cNvPr id="13" name="PlaceHolder 1"/>
+          <p:cNvPr id="11" name="PlaceHolder 1"/>
           <p:cNvSpPr>
             <a:spLocks noGrp="1"/>
           </p:cNvSpPr>
@@ -550,8 +554,8 @@
         </p:nvSpPr>
         <p:spPr>
           <a:xfrm>
-            <a:off x="0" y="0"/>
-            <a:ext cx="10028520" cy="759600"/>
+            <a:off x="609480" y="273600"/>
+            <a:ext cx="10972440" cy="1145160"/>
           </a:xfrm>
           <a:prstGeom prst="rect">
             <a:avLst/>
@@ -560,13 +564,14 @@
         <p:txBody>
           <a:bodyPr lIns="0" rIns="0" tIns="0" bIns="0" anchor="ctr"/>
           <a:p>
-            <a:endParaRPr/>
-          </a:p>
-        </p:txBody>
-      </p:sp>
-      <p:sp>
-        <p:nvSpPr>
-          <p:cNvPr id="14" name="PlaceHolder 2"/>
+            <a:pPr algn="ctr"/>
+            <a:endParaRPr/>
+          </a:p>
+        </p:txBody>
+      </p:sp>
+      <p:sp>
+        <p:nvSpPr>
+          <p:cNvPr id="12" name="PlaceHolder 2"/>
           <p:cNvSpPr>
             <a:spLocks noGrp="1"/>
           </p:cNvSpPr>
@@ -576,8 +581,8 @@
         </p:nvSpPr>
         <p:spPr>
           <a:xfrm>
-            <a:off x="360000" y="1080000"/>
-            <a:ext cx="11418840" cy="5084640"/>
+            <a:off x="609480" y="1604520"/>
+            <a:ext cx="10972440" cy="3976920"/>
           </a:xfrm>
           <a:prstGeom prst="rect">
             <a:avLst/>
@@ -614,7 +619,7 @@
       </p:grpSpPr>
       <p:sp>
         <p:nvSpPr>
-          <p:cNvPr id="15" name="PlaceHolder 1"/>
+          <p:cNvPr id="13" name="PlaceHolder 1"/>
           <p:cNvSpPr>
             <a:spLocks noGrp="1"/>
           </p:cNvSpPr>
@@ -624,8 +629,8 @@
         </p:nvSpPr>
         <p:spPr>
           <a:xfrm>
-            <a:off x="0" y="0"/>
-            <a:ext cx="10028520" cy="759600"/>
+            <a:off x="609480" y="273600"/>
+            <a:ext cx="10972440" cy="1145160"/>
           </a:xfrm>
           <a:prstGeom prst="rect">
             <a:avLst/>
@@ -634,13 +639,14 @@
         <p:txBody>
           <a:bodyPr lIns="0" rIns="0" tIns="0" bIns="0" anchor="ctr"/>
           <a:p>
-            <a:endParaRPr/>
-          </a:p>
-        </p:txBody>
-      </p:sp>
-      <p:sp>
-        <p:nvSpPr>
-          <p:cNvPr id="16" name="PlaceHolder 2"/>
+            <a:pPr algn="ctr"/>
+            <a:endParaRPr/>
+          </a:p>
+        </p:txBody>
+      </p:sp>
+      <p:sp>
+        <p:nvSpPr>
+          <p:cNvPr id="14" name="PlaceHolder 2"/>
           <p:cNvSpPr>
             <a:spLocks noGrp="1"/>
           </p:cNvSpPr>
@@ -650,8 +656,8 @@
         </p:nvSpPr>
         <p:spPr>
           <a:xfrm>
-            <a:off x="360000" y="1080000"/>
-            <a:ext cx="5572080" cy="5084640"/>
+            <a:off x="609480" y="1604520"/>
+            <a:ext cx="5354280" cy="3976920"/>
           </a:xfrm>
           <a:prstGeom prst="rect">
             <a:avLst/>
@@ -666,7 +672,7 @@
       </p:sp>
       <p:sp>
         <p:nvSpPr>
-          <p:cNvPr id="17" name="PlaceHolder 3"/>
+          <p:cNvPr id="15" name="PlaceHolder 3"/>
           <p:cNvSpPr>
             <a:spLocks noGrp="1"/>
           </p:cNvSpPr>
@@ -676,8 +682,8 @@
         </p:nvSpPr>
         <p:spPr>
           <a:xfrm>
-            <a:off x="6211080" y="1080000"/>
-            <a:ext cx="5572080" cy="5084640"/>
+            <a:off x="6231960" y="1604520"/>
+            <a:ext cx="5354280" cy="3976920"/>
           </a:xfrm>
           <a:prstGeom prst="rect">
             <a:avLst/>
@@ -714,7 +720,7 @@
       </p:grpSpPr>
       <p:sp>
         <p:nvSpPr>
-          <p:cNvPr id="18" name="PlaceHolder 1"/>
+          <p:cNvPr id="16" name="PlaceHolder 1"/>
           <p:cNvSpPr>
             <a:spLocks noGrp="1"/>
           </p:cNvSpPr>
@@ -724,8 +730,8 @@
         </p:nvSpPr>
         <p:spPr>
           <a:xfrm>
-            <a:off x="0" y="0"/>
-            <a:ext cx="10028520" cy="759600"/>
+            <a:off x="609480" y="273600"/>
+            <a:ext cx="10972440" cy="1145160"/>
           </a:xfrm>
           <a:prstGeom prst="rect">
             <a:avLst/>
@@ -734,6 +740,7 @@
         <p:txBody>
           <a:bodyPr lIns="0" rIns="0" tIns="0" bIns="0" anchor="ctr"/>
           <a:p>
+            <a:pPr algn="ctr"/>
             <a:endParaRPr/>
           </a:p>
         </p:txBody>
@@ -762,7 +769,7 @@
       </p:grpSpPr>
       <p:sp>
         <p:nvSpPr>
-          <p:cNvPr id="19" name="PlaceHolder 1"/>
+          <p:cNvPr id="17" name="PlaceHolder 1"/>
           <p:cNvSpPr>
             <a:spLocks noGrp="1"/>
           </p:cNvSpPr>
@@ -772,8 +779,8 @@
         </p:nvSpPr>
         <p:spPr>
           <a:xfrm>
-            <a:off x="0" y="0"/>
-            <a:ext cx="10028520" cy="3521160"/>
+            <a:off x="609480" y="273600"/>
+            <a:ext cx="10972440" cy="5308200"/>
           </a:xfrm>
           <a:prstGeom prst="rect">
             <a:avLst/>
@@ -811,7 +818,7 @@
       </p:grpSpPr>
       <p:sp>
         <p:nvSpPr>
-          <p:cNvPr id="20" name="PlaceHolder 1"/>
+          <p:cNvPr id="18" name="PlaceHolder 1"/>
           <p:cNvSpPr>
             <a:spLocks noGrp="1"/>
           </p:cNvSpPr>
@@ -821,8 +828,8 @@
         </p:nvSpPr>
         <p:spPr>
           <a:xfrm>
-            <a:off x="0" y="0"/>
-            <a:ext cx="10028520" cy="759600"/>
+            <a:off x="609480" y="273600"/>
+            <a:ext cx="10972440" cy="1145160"/>
           </a:xfrm>
           <a:prstGeom prst="rect">
             <a:avLst/>
@@ -831,13 +838,14 @@
         <p:txBody>
           <a:bodyPr lIns="0" rIns="0" tIns="0" bIns="0" anchor="ctr"/>
           <a:p>
-            <a:endParaRPr/>
-          </a:p>
-        </p:txBody>
-      </p:sp>
-      <p:sp>
-        <p:nvSpPr>
-          <p:cNvPr id="21" name="PlaceHolder 2"/>
+            <a:pPr algn="ctr"/>
+            <a:endParaRPr/>
+          </a:p>
+        </p:txBody>
+      </p:sp>
+      <p:sp>
+        <p:nvSpPr>
+          <p:cNvPr id="19" name="PlaceHolder 2"/>
           <p:cNvSpPr>
             <a:spLocks noGrp="1"/>
           </p:cNvSpPr>
@@ -847,8 +855,8 @@
         </p:nvSpPr>
         <p:spPr>
           <a:xfrm>
-            <a:off x="360000" y="1080000"/>
-            <a:ext cx="5572080" cy="2425320"/>
+            <a:off x="609480" y="1604520"/>
+            <a:ext cx="5354280" cy="1896840"/>
           </a:xfrm>
           <a:prstGeom prst="rect">
             <a:avLst/>
@@ -863,7 +871,7 @@
       </p:sp>
       <p:sp>
         <p:nvSpPr>
-          <p:cNvPr id="22" name="PlaceHolder 3"/>
+          <p:cNvPr id="20" name="PlaceHolder 3"/>
           <p:cNvSpPr>
             <a:spLocks noGrp="1"/>
           </p:cNvSpPr>
@@ -873,8 +881,8 @@
         </p:nvSpPr>
         <p:spPr>
           <a:xfrm>
-            <a:off x="360000" y="3736080"/>
-            <a:ext cx="5572080" cy="2425320"/>
+            <a:off x="609480" y="3682080"/>
+            <a:ext cx="5354280" cy="1896840"/>
           </a:xfrm>
           <a:prstGeom prst="rect">
             <a:avLst/>
@@ -889,7 +897,7 @@
       </p:sp>
       <p:sp>
         <p:nvSpPr>
-          <p:cNvPr id="23" name="PlaceHolder 4"/>
+          <p:cNvPr id="21" name="PlaceHolder 4"/>
           <p:cNvSpPr>
             <a:spLocks noGrp="1"/>
           </p:cNvSpPr>
@@ -899,8 +907,8 @@
         </p:nvSpPr>
         <p:spPr>
           <a:xfrm>
-            <a:off x="6211080" y="1080000"/>
-            <a:ext cx="5572080" cy="5084640"/>
+            <a:off x="6231960" y="1604520"/>
+            <a:ext cx="5354280" cy="3976920"/>
           </a:xfrm>
           <a:prstGeom prst="rect">
             <a:avLst/>
@@ -937,7 +945,7 @@
       </p:grpSpPr>
       <p:sp>
         <p:nvSpPr>
-          <p:cNvPr id="24" name="PlaceHolder 1"/>
+          <p:cNvPr id="22" name="PlaceHolder 1"/>
           <p:cNvSpPr>
             <a:spLocks noGrp="1"/>
           </p:cNvSpPr>
@@ -947,8 +955,8 @@
         </p:nvSpPr>
         <p:spPr>
           <a:xfrm>
-            <a:off x="0" y="0"/>
-            <a:ext cx="10028520" cy="759600"/>
+            <a:off x="609480" y="273600"/>
+            <a:ext cx="10972440" cy="1145160"/>
           </a:xfrm>
           <a:prstGeom prst="rect">
             <a:avLst/>
@@ -957,13 +965,14 @@
         <p:txBody>
           <a:bodyPr lIns="0" rIns="0" tIns="0" bIns="0" anchor="ctr"/>
           <a:p>
-            <a:endParaRPr/>
-          </a:p>
-        </p:txBody>
-      </p:sp>
-      <p:sp>
-        <p:nvSpPr>
-          <p:cNvPr id="25" name="PlaceHolder 2"/>
+            <a:pPr algn="ctr"/>
+            <a:endParaRPr/>
+          </a:p>
+        </p:txBody>
+      </p:sp>
+      <p:sp>
+        <p:nvSpPr>
+          <p:cNvPr id="23" name="PlaceHolder 2"/>
           <p:cNvSpPr>
             <a:spLocks noGrp="1"/>
           </p:cNvSpPr>
@@ -973,8 +982,8 @@
         </p:nvSpPr>
         <p:spPr>
           <a:xfrm>
-            <a:off x="360000" y="1080000"/>
-            <a:ext cx="5572080" cy="5084640"/>
+            <a:off x="609480" y="1604520"/>
+            <a:ext cx="5354280" cy="3976920"/>
           </a:xfrm>
           <a:prstGeom prst="rect">
             <a:avLst/>
@@ -989,7 +998,7 @@
       </p:sp>
       <p:sp>
         <p:nvSpPr>
-          <p:cNvPr id="26" name="PlaceHolder 3"/>
+          <p:cNvPr id="24" name="PlaceHolder 3"/>
           <p:cNvSpPr>
             <a:spLocks noGrp="1"/>
           </p:cNvSpPr>
@@ -999,8 +1008,8 @@
         </p:nvSpPr>
         <p:spPr>
           <a:xfrm>
-            <a:off x="6211080" y="1080000"/>
-            <a:ext cx="5572080" cy="2425320"/>
+            <a:off x="6231960" y="1604520"/>
+            <a:ext cx="5354280" cy="1896840"/>
           </a:xfrm>
           <a:prstGeom prst="rect">
             <a:avLst/>
@@ -1015,7 +1024,7 @@
       </p:sp>
       <p:sp>
         <p:nvSpPr>
-          <p:cNvPr id="27" name="PlaceHolder 4"/>
+          <p:cNvPr id="25" name="PlaceHolder 4"/>
           <p:cNvSpPr>
             <a:spLocks noGrp="1"/>
           </p:cNvSpPr>
@@ -1025,8 +1034,8 @@
         </p:nvSpPr>
         <p:spPr>
           <a:xfrm>
-            <a:off x="6211080" y="3736080"/>
-            <a:ext cx="5572080" cy="2425320"/>
+            <a:off x="6231960" y="3682080"/>
+            <a:ext cx="5354280" cy="1896840"/>
           </a:xfrm>
           <a:prstGeom prst="rect">
             <a:avLst/>
@@ -1063,7 +1072,7 @@
       </p:grpSpPr>
       <p:sp>
         <p:nvSpPr>
-          <p:cNvPr id="28" name="PlaceHolder 1"/>
+          <p:cNvPr id="26" name="PlaceHolder 1"/>
           <p:cNvSpPr>
             <a:spLocks noGrp="1"/>
           </p:cNvSpPr>
@@ -1073,8 +1082,8 @@
         </p:nvSpPr>
         <p:spPr>
           <a:xfrm>
-            <a:off x="0" y="0"/>
-            <a:ext cx="10028520" cy="759600"/>
+            <a:off x="609480" y="273600"/>
+            <a:ext cx="10972440" cy="1145160"/>
           </a:xfrm>
           <a:prstGeom prst="rect">
             <a:avLst/>
@@ -1083,13 +1092,14 @@
         <p:txBody>
           <a:bodyPr lIns="0" rIns="0" tIns="0" bIns="0" anchor="ctr"/>
           <a:p>
-            <a:endParaRPr/>
-          </a:p>
-        </p:txBody>
-      </p:sp>
-      <p:sp>
-        <p:nvSpPr>
-          <p:cNvPr id="29" name="PlaceHolder 2"/>
+            <a:pPr algn="ctr"/>
+            <a:endParaRPr/>
+          </a:p>
+        </p:txBody>
+      </p:sp>
+      <p:sp>
+        <p:nvSpPr>
+          <p:cNvPr id="27" name="PlaceHolder 2"/>
           <p:cNvSpPr>
             <a:spLocks noGrp="1"/>
           </p:cNvSpPr>
@@ -1099,8 +1109,8 @@
         </p:nvSpPr>
         <p:spPr>
           <a:xfrm>
-            <a:off x="360000" y="1080000"/>
-            <a:ext cx="5572080" cy="2425320"/>
+            <a:off x="609480" y="1604520"/>
+            <a:ext cx="5354280" cy="1896840"/>
           </a:xfrm>
           <a:prstGeom prst="rect">
             <a:avLst/>
@@ -1115,7 +1125,7 @@
       </p:sp>
       <p:sp>
         <p:nvSpPr>
-          <p:cNvPr id="30" name="PlaceHolder 3"/>
+          <p:cNvPr id="28" name="PlaceHolder 3"/>
           <p:cNvSpPr>
             <a:spLocks noGrp="1"/>
           </p:cNvSpPr>
@@ -1125,8 +1135,8 @@
         </p:nvSpPr>
         <p:spPr>
           <a:xfrm>
-            <a:off x="6211080" y="1080000"/>
-            <a:ext cx="5572080" cy="2425320"/>
+            <a:off x="6231960" y="1604520"/>
+            <a:ext cx="5354280" cy="1896840"/>
           </a:xfrm>
           <a:prstGeom prst="rect">
             <a:avLst/>
@@ -1141,7 +1151,7 @@
       </p:sp>
       <p:sp>
         <p:nvSpPr>
-          <p:cNvPr id="31" name="PlaceHolder 4"/>
+          <p:cNvPr id="29" name="PlaceHolder 4"/>
           <p:cNvSpPr>
             <a:spLocks noGrp="1"/>
           </p:cNvSpPr>
@@ -1151,8 +1161,8 @@
         </p:nvSpPr>
         <p:spPr>
           <a:xfrm>
-            <a:off x="360000" y="3736080"/>
-            <a:ext cx="11418840" cy="2425320"/>
+            <a:off x="609480" y="3682080"/>
+            <a:ext cx="10972440" cy="1896840"/>
           </a:xfrm>
           <a:prstGeom prst="rect">
             <a:avLst/>
@@ -1202,8 +1212,8 @@
         </p:nvSpPr>
         <p:spPr>
           <a:xfrm rot="10800000">
-            <a:off x="360" y="759600"/>
-            <a:ext cx="12191760" cy="17640"/>
+            <a:off x="720" y="759600"/>
+            <a:ext cx="12191400" cy="17280"/>
           </a:xfrm>
           <a:prstGeom prst="rect">
             <a:avLst/>
@@ -1224,7 +1234,7 @@
         </p:nvPicPr>
         <p:blipFill>
           <a:blip r:embed="rId2"/>
-          <a:srcRect l="0" t="1759784" r="0" b="0"/>
+          <a:srcRect l="0" t="4097986" r="0" b="0"/>
           <a:stretch>
             <a:fillRect/>
           </a:stretch>
@@ -1232,7 +1242,7 @@
         <p:spPr>
           <a:xfrm>
             <a:off x="10751760" y="176400"/>
-            <a:ext cx="717120" cy="419760"/>
+            <a:ext cx="716760" cy="419400"/>
           </a:xfrm>
           <a:prstGeom prst="rect">
             <a:avLst/>
@@ -1257,7 +1267,7 @@
         <p:spPr>
           <a:xfrm>
             <a:off x="11550960" y="129960"/>
-            <a:ext cx="512640" cy="512640"/>
+            <a:ext cx="512280" cy="512280"/>
           </a:xfrm>
           <a:prstGeom prst="rect">
             <a:avLst/>
@@ -1282,7 +1292,7 @@
         <p:spPr>
           <a:xfrm>
             <a:off x="103320" y="6530760"/>
-            <a:ext cx="256320" cy="256320"/>
+            <a:ext cx="255960" cy="255960"/>
           </a:xfrm>
           <a:prstGeom prst="rect">
             <a:avLst/>
@@ -1301,7 +1311,7 @@
         <p:spPr>
           <a:xfrm>
             <a:off x="9803160" y="6459840"/>
-            <a:ext cx="1775160" cy="341280"/>
+            <a:ext cx="1774800" cy="340920"/>
           </a:xfrm>
           <a:prstGeom prst="rect">
             <a:avLst/>
@@ -1349,7 +1359,7 @@
         <p:spPr>
           <a:xfrm>
             <a:off x="10074960" y="6628320"/>
-            <a:ext cx="1231560" cy="194760"/>
+            <a:ext cx="1231200" cy="194400"/>
           </a:xfrm>
           <a:prstGeom prst="rect">
             <a:avLst/>
@@ -1389,7 +1399,7 @@
         <p:spPr>
           <a:xfrm>
             <a:off x="360000" y="6467040"/>
-            <a:ext cx="1946520" cy="390600"/>
+            <a:ext cx="1946160" cy="390240"/>
           </a:xfrm>
           <a:prstGeom prst="rect">
             <a:avLst/>
@@ -1432,29 +1442,22 @@
         </p:nvSpPr>
         <p:spPr>
           <a:xfrm>
-            <a:off x="0" y="0"/>
-            <a:ext cx="10028520" cy="759240"/>
-          </a:xfrm>
-          <a:prstGeom prst="rect">
-            <a:avLst/>
-          </a:prstGeom>
-        </p:spPr>
-        <p:txBody>
-          <a:bodyPr lIns="360000" anchor="b"/>
-          <a:p>
-            <a:pPr>
-              <a:lnSpc>
-                <a:spcPct val="90000"/>
-              </a:lnSpc>
-            </a:pPr>
-            <a:r>
-              <a:rPr b="1" lang="de-DE" sz="1600">
-                <a:solidFill>
-                  <a:srgbClr val="000000"/>
-                </a:solidFill>
-                <a:latin typeface="Arial"/>
-              </a:rPr>
-              <a:t>Klicken Sie, um das Format des Titeltextes zu bearbeitenTitelmasterformat durch Klicken bearbeiten</a:t>
+            <a:off x="609480" y="273600"/>
+            <a:ext cx="10972440" cy="1144800"/>
+          </a:xfrm>
+          <a:prstGeom prst="rect">
+            <a:avLst/>
+          </a:prstGeom>
+        </p:spPr>
+        <p:txBody>
+          <a:bodyPr lIns="0" rIns="0" tIns="0" bIns="0" anchor="ctr"/>
+          <a:p>
+            <a:pPr algn="ctr"/>
+            <a:r>
+              <a:rPr lang="de-DE" sz="4400">
+                <a:latin typeface="Arial"/>
+              </a:rPr>
+              <a:t>Klicken Sie, um das Format des Titeltextes zu bearbeiten</a:t>
             </a:r>
             <a:endParaRPr/>
           </a:p>
@@ -1472,15 +1475,15 @@
         </p:nvSpPr>
         <p:spPr>
           <a:xfrm>
-            <a:off x="360000" y="1080000"/>
-            <a:ext cx="11418840" cy="5084640"/>
-          </a:xfrm>
-          <a:prstGeom prst="rect">
-            <a:avLst/>
-          </a:prstGeom>
-        </p:spPr>
-        <p:txBody>
-          <a:bodyPr/>
+            <a:off x="609480" y="1604520"/>
+            <a:ext cx="10972440" cy="3976920"/>
+          </a:xfrm>
+          <a:prstGeom prst="rect">
+            <a:avLst/>
+          </a:prstGeom>
+        </p:spPr>
+        <p:txBody>
+          <a:bodyPr lIns="0" rIns="0" tIns="0" bIns="0"/>
           <a:p>
             <a:pPr>
               <a:buSzPct val="45000"/>
@@ -1488,10 +1491,7 @@
               <a:buChar char=""/>
             </a:pPr>
             <a:r>
-              <a:rPr lang="de-DE" sz="1400">
-                <a:solidFill>
-                  <a:srgbClr val="000000"/>
-                </a:solidFill>
+              <a:rPr lang="de-DE" sz="3200">
                 <a:latin typeface="Arial"/>
               </a:rPr>
               <a:t>Klicken Sie, um die Formate des Gliederungstextes zu bearbeiten</a:t>
@@ -1505,10 +1505,7 @@
               <a:buChar char=""/>
             </a:pPr>
             <a:r>
-              <a:rPr lang="de-DE" sz="1400">
-                <a:solidFill>
-                  <a:srgbClr val="000000"/>
-                </a:solidFill>
+              <a:rPr lang="de-DE" sz="2800">
                 <a:latin typeface="Arial"/>
               </a:rPr>
               <a:t>Zweite Gliederungsebene</a:t>
@@ -1522,10 +1519,7 @@
               <a:buChar char=""/>
             </a:pPr>
             <a:r>
-              <a:rPr lang="de-DE" sz="1400">
-                <a:solidFill>
-                  <a:srgbClr val="000000"/>
-                </a:solidFill>
+              <a:rPr lang="de-DE" sz="2400">
                 <a:latin typeface="Arial"/>
               </a:rPr>
               <a:t>Dritte Gliederungsebene</a:t>
@@ -1539,10 +1533,7 @@
               <a:buChar char=""/>
             </a:pPr>
             <a:r>
-              <a:rPr lang="de-DE" sz="1400">
-                <a:solidFill>
-                  <a:srgbClr val="000000"/>
-                </a:solidFill>
+              <a:rPr lang="de-DE" sz="2000">
                 <a:latin typeface="Arial"/>
               </a:rPr>
               <a:t>Vierte Gliederungsebene</a:t>
@@ -1556,10 +1547,7 @@
               <a:buChar char=""/>
             </a:pPr>
             <a:r>
-              <a:rPr lang="de-DE" sz="1400">
-                <a:solidFill>
-                  <a:srgbClr val="000000"/>
-                </a:solidFill>
+              <a:rPr lang="de-DE" sz="2000">
                 <a:latin typeface="Arial"/>
               </a:rPr>
               <a:t>Fünfte Gliederungsebene</a:t>
@@ -1573,10 +1561,7 @@
               <a:buChar char=""/>
             </a:pPr>
             <a:r>
-              <a:rPr lang="de-DE" sz="1400">
-                <a:solidFill>
-                  <a:srgbClr val="000000"/>
-                </a:solidFill>
+              <a:rPr lang="de-DE" sz="2000">
                 <a:latin typeface="Arial"/>
               </a:rPr>
               <a:t>Sechste Gliederungsebene</a:t>
@@ -1584,164 +1569,17 @@
             <a:endParaRPr/>
           </a:p>
           <a:p>
-            <a:pPr>
-              <a:lnSpc>
-                <a:spcPct val="100000"/>
-              </a:lnSpc>
-              <a:buFont typeface="Wingdings" charset="2"/>
-              <a:buChar char=""/>
-            </a:pPr>
-            <a:r>
-              <a:rPr lang="de-DE" sz="1400">
-                <a:solidFill>
-                  <a:srgbClr val="000000"/>
-                </a:solidFill>
-                <a:latin typeface="Arial"/>
-              </a:rPr>
-              <a:t>Siebente GliederungsebeneTextmasterformat bearbeiten</a:t>
-            </a:r>
-            <a:endParaRPr/>
-          </a:p>
-          <a:p>
-            <a:pPr lvl="1">
-              <a:lnSpc>
-                <a:spcPct val="100000"/>
-              </a:lnSpc>
-              <a:buFont typeface="Wingdings" charset="2"/>
-              <a:buChar char=""/>
-            </a:pPr>
-            <a:r>
-              <a:rPr lang="de-DE" sz="1400">
-                <a:solidFill>
-                  <a:srgbClr val="000000"/>
-                </a:solidFill>
-                <a:latin typeface="Arial"/>
-              </a:rPr>
-              <a:t>Zweite Ebene</a:t>
-            </a:r>
-            <a:endParaRPr/>
-          </a:p>
-          <a:p>
-            <a:pPr lvl="2">
-              <a:lnSpc>
-                <a:spcPct val="100000"/>
-              </a:lnSpc>
-              <a:buFont typeface="Wingdings" charset="2"/>
-              <a:buChar char=""/>
-            </a:pPr>
-            <a:r>
-              <a:rPr lang="de-DE" sz="1400">
-                <a:solidFill>
-                  <a:srgbClr val="000000"/>
-                </a:solidFill>
-                <a:latin typeface="Arial"/>
-              </a:rPr>
-              <a:t>Dritte Ebene</a:t>
-            </a:r>
-            <a:endParaRPr/>
-          </a:p>
-          <a:p>
-            <a:pPr lvl="3">
-              <a:lnSpc>
-                <a:spcPct val="100000"/>
-              </a:lnSpc>
-              <a:buFont typeface="Wingdings" charset="2"/>
-              <a:buChar char=""/>
-            </a:pPr>
-            <a:r>
-              <a:rPr lang="de-DE" sz="1400">
-                <a:solidFill>
-                  <a:srgbClr val="000000"/>
-                </a:solidFill>
-                <a:latin typeface="Arial"/>
-              </a:rPr>
-              <a:t>Vierte Ebene</a:t>
-            </a:r>
-            <a:endParaRPr/>
-          </a:p>
-          <a:p>
-            <a:pPr lvl="4">
-              <a:lnSpc>
-                <a:spcPct val="100000"/>
-              </a:lnSpc>
-              <a:buFont typeface="Wingdings" charset="2"/>
-              <a:buChar char=""/>
-            </a:pPr>
-            <a:r>
-              <a:rPr lang="de-DE" sz="1400">
-                <a:solidFill>
-                  <a:srgbClr val="000000"/>
-                </a:solidFill>
-                <a:latin typeface="Arial"/>
-              </a:rPr>
-              <a:t>Fünfte Ebene</a:t>
-            </a:r>
-            <a:endParaRPr/>
-          </a:p>
-        </p:txBody>
-      </p:sp>
-      <p:sp>
-        <p:nvSpPr>
-          <p:cNvPr id="9" name="PlaceHolder 7"/>
-          <p:cNvSpPr>
-            <a:spLocks noGrp="1"/>
-          </p:cNvSpPr>
-          <p:nvPr>
-            <p:ph type="ftr"/>
-          </p:nvPr>
-        </p:nvSpPr>
-        <p:spPr>
-          <a:xfrm>
-            <a:off x="2464200" y="6459840"/>
-            <a:ext cx="7327440" cy="397800"/>
-          </a:xfrm>
-          <a:prstGeom prst="rect">
-            <a:avLst/>
-          </a:prstGeom>
-        </p:spPr>
-        <p:txBody>
-          <a:bodyPr anchor="ctr"/>
-          <a:p>
-            <a:endParaRPr/>
-          </a:p>
-        </p:txBody>
-      </p:sp>
-      <p:sp>
-        <p:nvSpPr>
-          <p:cNvPr id="10" name="PlaceHolder 8"/>
-          <p:cNvSpPr>
-            <a:spLocks noGrp="1"/>
-          </p:cNvSpPr>
-          <p:nvPr>
-            <p:ph type="sldNum"/>
-          </p:nvPr>
-        </p:nvSpPr>
-        <p:spPr>
-          <a:xfrm>
-            <a:off x="11779200" y="6459840"/>
-            <a:ext cx="412560" cy="397800"/>
-          </a:xfrm>
-          <a:prstGeom prst="rect">
-            <a:avLst/>
-          </a:prstGeom>
-        </p:spPr>
-        <p:txBody>
-          <a:bodyPr lIns="90000" rIns="90000" tIns="45000" bIns="45000" anchor="ctr"/>
-          <a:p>
-            <a:pPr>
-              <a:lnSpc>
-                <a:spcPct val="100000"/>
-              </a:lnSpc>
-            </a:pPr>
-            <a:fld id="{3B11ED93-DF1E-458A-B031-BE3F0BBE0458}" type="slidenum">
-              <a:rPr lang="de-DE" sz="900">
-                <a:solidFill>
-                  <a:srgbClr val="868889"/>
-                </a:solidFill>
-                <a:latin typeface="Arial"/>
-              </a:rPr>
-              <a:t>&lt;Nummer&gt;</a:t>
-            </a:fld>
+            <a:pPr lvl="6">
+              <a:buSzPct val="45000"/>
+              <a:buFont typeface="StarSymbol"/>
+              <a:buChar char=""/>
+            </a:pPr>
+            <a:r>
+              <a:rPr lang="de-DE" sz="2000">
+                <a:latin typeface="Arial"/>
+              </a:rPr>
+              <a:t>Siebente Gliederungsebene</a:t>
+            </a:r>
             <a:endParaRPr/>
           </a:p>
         </p:txBody>
@@ -1785,21 +1623,25 @@
       </p:grpSpPr>
       <p:sp>
         <p:nvSpPr>
-          <p:cNvPr id="45" name="TextShape 1"/>
-          <p:cNvSpPr txBox="1"/>
+          <p:cNvPr id="43" name="CustomShape 1"/>
+          <p:cNvSpPr/>
           <p:nvPr/>
         </p:nvSpPr>
         <p:spPr>
           <a:xfrm>
             <a:off x="0" y="0"/>
-            <a:ext cx="10028520" cy="759240"/>
-          </a:xfrm>
-          <a:prstGeom prst="rect">
-            <a:avLst/>
-          </a:prstGeom>
-        </p:spPr>
-        <p:txBody>
-          <a:bodyPr lIns="360000" anchor="b"/>
+            <a:ext cx="10028160" cy="758880"/>
+          </a:xfrm>
+          <a:prstGeom prst="rect">
+            <a:avLst/>
+          </a:prstGeom>
+          <a:noFill/>
+          <a:ln>
+            <a:noFill/>
+          </a:ln>
+        </p:spPr>
+        <p:txBody>
+          <a:bodyPr lIns="360000" rIns="90000" tIns="45000" bIns="45000" anchor="b"/>
           <a:p>
             <a:pPr>
               <a:lnSpc>
@@ -1821,18 +1663,22 @@
       </p:sp>
       <p:sp>
         <p:nvSpPr>
-          <p:cNvPr id="46" name="TextShape 2"/>
-          <p:cNvSpPr txBox="1"/>
+          <p:cNvPr id="44" name="CustomShape 2"/>
+          <p:cNvSpPr/>
           <p:nvPr/>
         </p:nvSpPr>
         <p:spPr>
           <a:xfrm>
             <a:off x="11779200" y="6459840"/>
-            <a:ext cx="412560" cy="397800"/>
-          </a:xfrm>
-          <a:prstGeom prst="rect">
-            <a:avLst/>
-          </a:prstGeom>
+            <a:ext cx="412200" cy="397440"/>
+          </a:xfrm>
+          <a:prstGeom prst="rect">
+            <a:avLst/>
+          </a:prstGeom>
+          <a:noFill/>
+          <a:ln>
+            <a:noFill/>
+          </a:ln>
         </p:spPr>
         <p:txBody>
           <a:bodyPr lIns="90000" rIns="90000" tIns="45000" bIns="45000" anchor="ctr"/>
@@ -1842,7 +1688,7 @@
                 <a:spcPct val="100000"/>
               </a:lnSpc>
             </a:pPr>
-            <a:fld id="{A06D99B5-00DC-45BB-A31B-56601A727A8A}" type="slidenum">
+            <a:fld id="{1A7A77CF-A214-401B-8ED4-C523E23BB083}" type="slidenum">
               <a:rPr lang="de-DE" sz="900">
                 <a:solidFill>
                   <a:srgbClr val="868889"/>
@@ -1857,14 +1703,14 @@
       </p:sp>
       <p:sp>
         <p:nvSpPr>
-          <p:cNvPr id="47" name="CustomShape 3"/>
+          <p:cNvPr id="45" name="CustomShape 3"/>
           <p:cNvSpPr/>
           <p:nvPr/>
         </p:nvSpPr>
         <p:spPr>
           <a:xfrm>
             <a:off x="690840" y="2084400"/>
-            <a:ext cx="10783080" cy="3548160"/>
+            <a:ext cx="10782720" cy="3547800"/>
           </a:xfrm>
           <a:prstGeom prst="rect">
             <a:avLst/>
@@ -1882,14 +1728,14 @@
       </p:sp>
       <p:sp>
         <p:nvSpPr>
-          <p:cNvPr id="48" name="CustomShape 4"/>
+          <p:cNvPr id="46" name="CustomShape 4"/>
           <p:cNvSpPr/>
           <p:nvPr/>
         </p:nvSpPr>
         <p:spPr>
           <a:xfrm>
             <a:off x="895320" y="2667240"/>
-            <a:ext cx="4054320" cy="393480"/>
+            <a:ext cx="4053960" cy="393120"/>
           </a:xfrm>
           <a:prstGeom prst="rect">
             <a:avLst/>
@@ -1907,7 +1753,7 @@
       </p:sp>
       <p:pic>
         <p:nvPicPr>
-          <p:cNvPr id="49" name="Picture 2" descr=""/>
+          <p:cNvPr id="47" name="Picture 2" descr=""/>
           <p:cNvPicPr/>
           <p:nvPr/>
         </p:nvPicPr>
@@ -1920,7 +1766,7 @@
         <p:spPr>
           <a:xfrm>
             <a:off x="7344720" y="2069280"/>
-            <a:ext cx="2683800" cy="3578400"/>
+            <a:ext cx="2683440" cy="3578040"/>
           </a:xfrm>
           <a:prstGeom prst="rect">
             <a:avLst/>
@@ -1932,14 +1778,14 @@
       </p:pic>
       <p:sp>
         <p:nvSpPr>
-          <p:cNvPr id="50" name="CustomShape 5"/>
+          <p:cNvPr id="48" name="CustomShape 5"/>
           <p:cNvSpPr/>
           <p:nvPr/>
         </p:nvSpPr>
         <p:spPr>
           <a:xfrm>
             <a:off x="1017360" y="2294280"/>
-            <a:ext cx="4114800" cy="3039120"/>
+            <a:ext cx="4114440" cy="3038760"/>
           </a:xfrm>
           <a:prstGeom prst="rect">
             <a:avLst/>
@@ -2103,14 +1949,14 @@
       </p:sp>
       <p:sp>
         <p:nvSpPr>
-          <p:cNvPr id="51" name="CustomShape 6"/>
+          <p:cNvPr id="49" name="CustomShape 6"/>
           <p:cNvSpPr/>
           <p:nvPr/>
         </p:nvSpPr>
         <p:spPr>
           <a:xfrm>
             <a:off x="690840" y="1661760"/>
-            <a:ext cx="10783080" cy="396360"/>
+            <a:ext cx="10782720" cy="396000"/>
           </a:xfrm>
           <a:prstGeom prst="rect">
             <a:avLst/>
@@ -2198,21 +2044,25 @@
       </p:grpSpPr>
       <p:sp>
         <p:nvSpPr>
-          <p:cNvPr id="79" name="TextShape 1"/>
-          <p:cNvSpPr txBox="1"/>
+          <p:cNvPr id="77" name="CustomShape 1"/>
+          <p:cNvSpPr/>
           <p:nvPr/>
         </p:nvSpPr>
         <p:spPr>
           <a:xfrm>
             <a:off x="0" y="0"/>
-            <a:ext cx="10028520" cy="759240"/>
-          </a:xfrm>
-          <a:prstGeom prst="rect">
-            <a:avLst/>
-          </a:prstGeom>
-        </p:spPr>
-        <p:txBody>
-          <a:bodyPr lIns="360000" anchor="b"/>
+            <a:ext cx="10028160" cy="758880"/>
+          </a:xfrm>
+          <a:prstGeom prst="rect">
+            <a:avLst/>
+          </a:prstGeom>
+          <a:noFill/>
+          <a:ln>
+            <a:noFill/>
+          </a:ln>
+        </p:spPr>
+        <p:txBody>
+          <a:bodyPr lIns="360000" rIns="90000" tIns="45000" bIns="45000" anchor="b"/>
           <a:p>
             <a:pPr>
               <a:lnSpc>
@@ -2226,29 +2076,33 @@
                 </a:solidFill>
                 <a:latin typeface="Arial"/>
               </a:rPr>
-              <a:t>Probleme and Herausforderungen</a:t>
-            </a:r>
-            <a:endParaRPr/>
-          </a:p>
-        </p:txBody>
-      </p:sp>
-      <p:sp>
-        <p:nvSpPr>
-          <p:cNvPr id="80" name="TextShape 2"/>
-          <p:cNvSpPr txBox="1"/>
+              <a:t>Probleme und Herausforderungen</a:t>
+            </a:r>
+            <a:endParaRPr/>
+          </a:p>
+        </p:txBody>
+      </p:sp>
+      <p:sp>
+        <p:nvSpPr>
+          <p:cNvPr id="78" name="CustomShape 2"/>
+          <p:cNvSpPr/>
           <p:nvPr/>
         </p:nvSpPr>
         <p:spPr>
           <a:xfrm>
             <a:off x="372960" y="1155240"/>
-            <a:ext cx="11723040" cy="5793840"/>
-          </a:xfrm>
-          <a:prstGeom prst="rect">
-            <a:avLst/>
-          </a:prstGeom>
-        </p:spPr>
-        <p:txBody>
-          <a:bodyPr/>
+            <a:ext cx="11722680" cy="5793480"/>
+          </a:xfrm>
+          <a:prstGeom prst="rect">
+            <a:avLst/>
+          </a:prstGeom>
+          <a:noFill/>
+          <a:ln>
+            <a:noFill/>
+          </a:ln>
+        </p:spPr>
+        <p:txBody>
+          <a:bodyPr lIns="90000" rIns="90000" tIns="45000" bIns="45000"/>
           <a:p>
             <a:pPr>
               <a:lnSpc>
@@ -2273,7 +2127,7 @@
                 </a:solidFill>
                 <a:latin typeface="Arial"/>
               </a:rPr>
-              <a:t>ar_track_alvar 3D Daten zum 2D Daten überführen</a:t>
+              <a:t>ar_track_alvar → nicht kalibrierte Kamera</a:t>
             </a:r>
             <a:endParaRPr/>
           </a:p>
@@ -2407,18 +2261,22 @@
       </p:sp>
       <p:sp>
         <p:nvSpPr>
-          <p:cNvPr id="81" name="TextShape 3"/>
-          <p:cNvSpPr txBox="1"/>
+          <p:cNvPr id="79" name="CustomShape 3"/>
+          <p:cNvSpPr/>
           <p:nvPr/>
         </p:nvSpPr>
         <p:spPr>
           <a:xfrm>
             <a:off x="11779200" y="6459840"/>
-            <a:ext cx="412560" cy="397800"/>
-          </a:xfrm>
-          <a:prstGeom prst="rect">
-            <a:avLst/>
-          </a:prstGeom>
+            <a:ext cx="412200" cy="397440"/>
+          </a:xfrm>
+          <a:prstGeom prst="rect">
+            <a:avLst/>
+          </a:prstGeom>
+          <a:noFill/>
+          <a:ln>
+            <a:noFill/>
+          </a:ln>
         </p:spPr>
         <p:txBody>
           <a:bodyPr lIns="90000" rIns="90000" tIns="45000" bIns="45000" anchor="ctr"/>
@@ -2428,7 +2286,7 @@
                 <a:spcPct val="100000"/>
               </a:lnSpc>
             </a:pPr>
-            <a:fld id="{5AF94D85-CAC2-4C0D-B580-14FDAA95625C}" type="slidenum">
+            <a:fld id="{D812A5FA-0FEC-4DCF-A1DD-D9146C57B02B}" type="slidenum">
               <a:rPr lang="de-DE" sz="900">
                 <a:solidFill>
                   <a:srgbClr val="868889"/>
@@ -2492,50 +2350,14 @@
       </p:grpSpPr>
       <p:sp>
         <p:nvSpPr>
-          <p:cNvPr id="82" name="TextShape 1"/>
-          <p:cNvSpPr txBox="1"/>
-          <p:nvPr/>
-        </p:nvSpPr>
-        <p:spPr>
-          <a:xfrm>
-            <a:off x="11779200" y="6459840"/>
-            <a:ext cx="412560" cy="397800"/>
-          </a:xfrm>
-          <a:prstGeom prst="rect">
-            <a:avLst/>
-          </a:prstGeom>
-        </p:spPr>
-        <p:txBody>
-          <a:bodyPr lIns="90000" rIns="90000" tIns="45000" bIns="45000" anchor="ctr"/>
-          <a:p>
-            <a:pPr>
-              <a:lnSpc>
-                <a:spcPct val="100000"/>
-              </a:lnSpc>
-            </a:pPr>
-            <a:fld id="{7A936112-1572-49D0-AB2B-E86CEDD9BD04}" type="slidenum">
-              <a:rPr lang="de-DE" sz="900">
-                <a:solidFill>
-                  <a:srgbClr val="868889"/>
-                </a:solidFill>
-                <a:latin typeface="Arial"/>
-              </a:rPr>
-              <a:t>&lt;Nummer&gt;</a:t>
-            </a:fld>
-            <a:endParaRPr/>
-          </a:p>
-        </p:txBody>
-      </p:sp>
-      <p:sp>
-        <p:nvSpPr>
-          <p:cNvPr id="83" name="CustomShape 2"/>
+          <p:cNvPr id="80" name="CustomShape 1"/>
           <p:cNvSpPr/>
           <p:nvPr/>
         </p:nvSpPr>
         <p:spPr>
           <a:xfrm>
-            <a:off x="253080" y="771120"/>
-            <a:ext cx="6946920" cy="5399640"/>
+            <a:off x="11779200" y="6459840"/>
+            <a:ext cx="412200" cy="397440"/>
           </a:xfrm>
           <a:prstGeom prst="rect">
             <a:avLst/>
@@ -2546,128 +2368,36 @@
           </a:ln>
         </p:spPr>
         <p:txBody>
-          <a:bodyPr lIns="90000" rIns="90000" tIns="45000" bIns="45000"/>
-          <a:p>
-            <a:pPr>
-              <a:lnSpc>
-                <a:spcPct val="200000"/>
-              </a:lnSpc>
-            </a:pPr>
-            <a:endParaRPr/>
-          </a:p>
-          <a:p>
-            <a:pPr>
-              <a:lnSpc>
-                <a:spcPct val="200000"/>
-              </a:lnSpc>
-            </a:pPr>
-            <a:r>
-              <a:rPr lang="de-DE" sz="3500">
-                <a:solidFill>
-                  <a:srgbClr val="000000"/>
-                </a:solidFill>
-                <a:latin typeface="Arial"/>
-              </a:rPr>
-              <a:t>   </a:t>
-            </a:r>
-            <a:r>
-              <a:rPr lang="de-DE" sz="3500">
-                <a:solidFill>
-                  <a:srgbClr val="000000"/>
-                </a:solidFill>
-                <a:latin typeface="Arial"/>
-              </a:rPr>
-              <a:t>Gesichtsfeld von Kinect</a:t>
-            </a:r>
-            <a:endParaRPr/>
-          </a:p>
-          <a:p>
-            <a:pPr>
-              <a:lnSpc>
-                <a:spcPct val="200000"/>
-              </a:lnSpc>
-              <a:buFont typeface="Wingdings" charset="2"/>
-              <a:buChar char=""/>
-            </a:pPr>
-            <a:r>
-              <a:rPr lang="de-DE" sz="3500">
-                <a:solidFill>
-                  <a:srgbClr val="000000"/>
-                </a:solidFill>
-                <a:latin typeface="Arial"/>
-              </a:rPr>
-              <a:t> </a:t>
-            </a:r>
-            <a:r>
-              <a:rPr lang="de-DE" sz="3500">
-                <a:solidFill>
-                  <a:srgbClr val="000000"/>
-                </a:solidFill>
-                <a:latin typeface="Arial"/>
-              </a:rPr>
-              <a:t>Geschwindigkeitstest </a:t>
-            </a:r>
-            <a:endParaRPr/>
-          </a:p>
-          <a:p>
-            <a:pPr>
-              <a:lnSpc>
-                <a:spcPct val="200000"/>
-              </a:lnSpc>
-              <a:buFont typeface="Wingdings" charset="2"/>
-              <a:buChar char=""/>
-            </a:pPr>
-            <a:r>
-              <a:rPr lang="de-DE" sz="3500">
-                <a:solidFill>
-                  <a:srgbClr val="000000"/>
-                </a:solidFill>
-                <a:latin typeface="Arial"/>
-              </a:rPr>
-              <a:t>PTU Drehungsgeschwindigkeit</a:t>
-            </a:r>
-            <a:endParaRPr/>
-          </a:p>
-          <a:p>
-            <a:pPr>
-              <a:lnSpc>
-                <a:spcPct val="200000"/>
-              </a:lnSpc>
-              <a:buFont typeface="Wingdings" charset="2"/>
-              <a:buChar char=""/>
-            </a:pPr>
-            <a:r>
-              <a:rPr lang="de-DE" sz="3500">
-                <a:solidFill>
-                  <a:srgbClr val="000000"/>
-                </a:solidFill>
-                <a:latin typeface="Arial"/>
-              </a:rPr>
-              <a:t> </a:t>
-            </a:r>
-            <a:r>
-              <a:rPr lang="de-DE" sz="3500">
-                <a:solidFill>
-                  <a:srgbClr val="000000"/>
-                </a:solidFill>
-                <a:latin typeface="Arial"/>
-              </a:rPr>
-              <a:t>Dummy Programm</a:t>
-            </a:r>
-            <a:endParaRPr/>
-          </a:p>
-        </p:txBody>
-      </p:sp>
-      <p:sp>
-        <p:nvSpPr>
-          <p:cNvPr id="84" name="CustomShape 3"/>
+          <a:bodyPr lIns="90000" rIns="90000" tIns="45000" bIns="45000" anchor="ctr"/>
+          <a:p>
+            <a:pPr>
+              <a:lnSpc>
+                <a:spcPct val="100000"/>
+              </a:lnSpc>
+            </a:pPr>
+            <a:fld id="{212CE406-8E34-4167-8BC9-F0B739DE2423}" type="slidenum">
+              <a:rPr lang="de-DE" sz="900">
+                <a:solidFill>
+                  <a:srgbClr val="868889"/>
+                </a:solidFill>
+                <a:latin typeface="Arial"/>
+              </a:rPr>
+              <a:t>&lt;Nummer&gt;</a:t>
+            </a:fld>
+            <a:endParaRPr/>
+          </a:p>
+        </p:txBody>
+      </p:sp>
+      <p:sp>
+        <p:nvSpPr>
+          <p:cNvPr id="81" name="CustomShape 2"/>
           <p:cNvSpPr/>
           <p:nvPr/>
         </p:nvSpPr>
         <p:spPr>
           <a:xfrm>
-            <a:off x="0" y="0"/>
-            <a:ext cx="10028520" cy="759240"/>
+            <a:off x="253080" y="771120"/>
+            <a:ext cx="6946560" cy="5399280"/>
           </a:xfrm>
           <a:prstGeom prst="rect">
             <a:avLst/>
@@ -2678,7 +2408,113 @@
           </a:ln>
         </p:spPr>
         <p:txBody>
-          <a:bodyPr lIns="360000" anchor="b"/>
+          <a:bodyPr lIns="90000" rIns="90000" tIns="45000" bIns="45000"/>
+          <a:p>
+            <a:pPr>
+              <a:lnSpc>
+                <a:spcPct val="200000"/>
+              </a:lnSpc>
+            </a:pPr>
+            <a:endParaRPr/>
+          </a:p>
+          <a:p>
+            <a:pPr>
+              <a:lnSpc>
+                <a:spcPct val="200000"/>
+              </a:lnSpc>
+              <a:buFont typeface="Wingdings" charset="2"/>
+              <a:buChar char=""/>
+            </a:pPr>
+            <a:r>
+              <a:rPr lang="de-DE" sz="3500">
+                <a:solidFill>
+                  <a:srgbClr val="000000"/>
+                </a:solidFill>
+                <a:latin typeface="Arial"/>
+              </a:rPr>
+              <a:t> </a:t>
+            </a:r>
+            <a:r>
+              <a:rPr lang="de-DE" sz="3500">
+                <a:solidFill>
+                  <a:srgbClr val="000000"/>
+                </a:solidFill>
+                <a:latin typeface="Arial"/>
+              </a:rPr>
+              <a:t>Gesichtsfeld von Kinect</a:t>
+            </a:r>
+            <a:endParaRPr/>
+          </a:p>
+          <a:p>
+            <a:pPr>
+              <a:lnSpc>
+                <a:spcPct val="200000"/>
+              </a:lnSpc>
+              <a:buFont typeface="Wingdings" charset="2"/>
+              <a:buChar char=""/>
+            </a:pPr>
+            <a:r>
+              <a:rPr lang="de-DE" sz="3500">
+                <a:solidFill>
+                  <a:srgbClr val="000000"/>
+                </a:solidFill>
+                <a:latin typeface="Arial"/>
+              </a:rPr>
+              <a:t>PTU Drehungsgeschwindigkeit</a:t>
+            </a:r>
+            <a:endParaRPr/>
+          </a:p>
+          <a:p>
+            <a:pPr>
+              <a:lnSpc>
+                <a:spcPct val="200000"/>
+              </a:lnSpc>
+              <a:buFont typeface="Wingdings" charset="2"/>
+              <a:buChar char=""/>
+            </a:pPr>
+            <a:r>
+              <a:rPr lang="de-DE" sz="3500">
+                <a:solidFill>
+                  <a:srgbClr val="000000"/>
+                </a:solidFill>
+                <a:latin typeface="Arial"/>
+              </a:rPr>
+              <a:t> </a:t>
+            </a:r>
+            <a:r>
+              <a:rPr lang="de-DE" sz="3500">
+                <a:solidFill>
+                  <a:srgbClr val="000000"/>
+                </a:solidFill>
+                <a:latin typeface="Arial"/>
+              </a:rPr>
+              <a:t>Dummy Programm</a:t>
+            </a:r>
+            <a:endParaRPr/>
+          </a:p>
+        </p:txBody>
+      </p:sp>
+      <p:sp>
+        <p:nvSpPr>
+          <p:cNvPr id="82" name="CustomShape 3"/>
+          <p:cNvSpPr/>
+          <p:nvPr/>
+        </p:nvSpPr>
+        <p:spPr>
+          <a:xfrm>
+            <a:off x="0" y="0"/>
+            <a:ext cx="10028160" cy="758880"/>
+          </a:xfrm>
+          <a:prstGeom prst="rect">
+            <a:avLst/>
+          </a:prstGeom>
+          <a:noFill/>
+          <a:ln>
+            <a:noFill/>
+          </a:ln>
+        </p:spPr>
+        <p:txBody>
+          <a:bodyPr lIns="360000" rIns="90000" tIns="45000" bIns="45000" anchor="b"/>
           <a:p>
             <a:pPr>
               <a:lnSpc>
@@ -2749,21 +2585,25 @@
       </p:grpSpPr>
       <p:sp>
         <p:nvSpPr>
-          <p:cNvPr id="52" name="TextShape 1"/>
-          <p:cNvSpPr txBox="1"/>
+          <p:cNvPr id="50" name="CustomShape 1"/>
+          <p:cNvSpPr/>
           <p:nvPr/>
         </p:nvSpPr>
         <p:spPr>
           <a:xfrm>
             <a:off x="0" y="0"/>
-            <a:ext cx="10028520" cy="759240"/>
-          </a:xfrm>
-          <a:prstGeom prst="rect">
-            <a:avLst/>
-          </a:prstGeom>
-        </p:spPr>
-        <p:txBody>
-          <a:bodyPr lIns="360000" anchor="b"/>
+            <a:ext cx="10028160" cy="758880"/>
+          </a:xfrm>
+          <a:prstGeom prst="rect">
+            <a:avLst/>
+          </a:prstGeom>
+          <a:noFill/>
+          <a:ln>
+            <a:noFill/>
+          </a:ln>
+        </p:spPr>
+        <p:txBody>
+          <a:bodyPr lIns="360000" rIns="90000" tIns="45000" bIns="45000" anchor="b"/>
           <a:p>
             <a:pPr>
               <a:lnSpc>
@@ -2785,18 +2625,22 @@
       </p:sp>
       <p:sp>
         <p:nvSpPr>
-          <p:cNvPr id="53" name="TextShape 2"/>
-          <p:cNvSpPr txBox="1"/>
+          <p:cNvPr id="51" name="CustomShape 2"/>
+          <p:cNvSpPr/>
           <p:nvPr/>
         </p:nvSpPr>
         <p:spPr>
           <a:xfrm>
             <a:off x="11779200" y="6459840"/>
-            <a:ext cx="412560" cy="397800"/>
-          </a:xfrm>
-          <a:prstGeom prst="rect">
-            <a:avLst/>
-          </a:prstGeom>
+            <a:ext cx="412200" cy="397440"/>
+          </a:xfrm>
+          <a:prstGeom prst="rect">
+            <a:avLst/>
+          </a:prstGeom>
+          <a:noFill/>
+          <a:ln>
+            <a:noFill/>
+          </a:ln>
         </p:spPr>
         <p:txBody>
           <a:bodyPr lIns="90000" rIns="90000" tIns="45000" bIns="45000" anchor="ctr"/>
@@ -2806,7 +2650,7 @@
                 <a:spcPct val="100000"/>
               </a:lnSpc>
             </a:pPr>
-            <a:fld id="{65E477DA-3B9A-45A2-8C34-8DFBACCB2627}" type="slidenum">
+            <a:fld id="{A2E0238E-3C74-48E0-8A32-18A58E012437}" type="slidenum">
               <a:rPr lang="de-DE" sz="900">
                 <a:solidFill>
                   <a:srgbClr val="868889"/>
@@ -2821,14 +2665,14 @@
       </p:sp>
       <p:sp>
         <p:nvSpPr>
-          <p:cNvPr id="54" name="CustomShape 3"/>
+          <p:cNvPr id="52" name="CustomShape 3"/>
           <p:cNvSpPr/>
           <p:nvPr/>
         </p:nvSpPr>
         <p:spPr>
           <a:xfrm>
             <a:off x="690840" y="2084400"/>
-            <a:ext cx="10783080" cy="3548160"/>
+            <a:ext cx="10782720" cy="3547800"/>
           </a:xfrm>
           <a:prstGeom prst="rect">
             <a:avLst/>
@@ -2846,14 +2690,14 @@
       </p:sp>
       <p:sp>
         <p:nvSpPr>
-          <p:cNvPr id="55" name="CustomShape 4"/>
+          <p:cNvPr id="53" name="CustomShape 4"/>
           <p:cNvSpPr/>
           <p:nvPr/>
         </p:nvSpPr>
         <p:spPr>
           <a:xfrm>
             <a:off x="1017360" y="2294280"/>
-            <a:ext cx="4114800" cy="2645640"/>
+            <a:ext cx="4114440" cy="2645280"/>
           </a:xfrm>
           <a:prstGeom prst="rect">
             <a:avLst/>
@@ -2985,14 +2829,14 @@
       </p:sp>
       <p:sp>
         <p:nvSpPr>
-          <p:cNvPr id="56" name="CustomShape 5"/>
+          <p:cNvPr id="54" name="CustomShape 5"/>
           <p:cNvSpPr/>
           <p:nvPr/>
         </p:nvSpPr>
         <p:spPr>
           <a:xfrm>
             <a:off x="690840" y="1661760"/>
-            <a:ext cx="10783080" cy="396360"/>
+            <a:ext cx="10782720" cy="396000"/>
           </a:xfrm>
           <a:prstGeom prst="rect">
             <a:avLst/>
@@ -3031,7 +2875,7 @@
       </p:sp>
       <p:pic>
         <p:nvPicPr>
-          <p:cNvPr id="57" name="Picture 9" descr=""/>
+          <p:cNvPr id="55" name="Picture 9" descr=""/>
           <p:cNvPicPr/>
           <p:nvPr/>
         </p:nvPicPr>
@@ -3044,7 +2888,7 @@
         <p:spPr>
           <a:xfrm>
             <a:off x="7255800" y="3196800"/>
-            <a:ext cx="3712320" cy="1617480"/>
+            <a:ext cx="3711960" cy="1617120"/>
           </a:xfrm>
           <a:prstGeom prst="rect">
             <a:avLst/>
@@ -3105,21 +2949,25 @@
       </p:grpSpPr>
       <p:sp>
         <p:nvSpPr>
-          <p:cNvPr id="58" name="TextShape 1"/>
-          <p:cNvSpPr txBox="1"/>
+          <p:cNvPr id="56" name="CustomShape 1"/>
+          <p:cNvSpPr/>
           <p:nvPr/>
         </p:nvSpPr>
         <p:spPr>
           <a:xfrm>
             <a:off x="360000" y="1080000"/>
-            <a:ext cx="11418840" cy="5084640"/>
-          </a:xfrm>
-          <a:prstGeom prst="rect">
-            <a:avLst/>
-          </a:prstGeom>
-        </p:spPr>
-        <p:txBody>
-          <a:bodyPr/>
+            <a:ext cx="11418480" cy="5084280"/>
+          </a:xfrm>
+          <a:prstGeom prst="rect">
+            <a:avLst/>
+          </a:prstGeom>
+          <a:noFill/>
+          <a:ln>
+            <a:noFill/>
+          </a:ln>
+        </p:spPr>
+        <p:txBody>
+          <a:bodyPr lIns="90000" rIns="90000" tIns="45000" bIns="45000"/>
           <a:p>
             <a:pPr>
               <a:lnSpc>
@@ -3154,7 +3002,7 @@
               <a:buChar char=""/>
             </a:pPr>
             <a:r>
-              <a:rPr lang="de-DE">
+              <a:rPr lang="de-DE" sz="2800">
                 <a:solidFill>
                   <a:srgbClr val="000000"/>
                 </a:solidFill>
@@ -3173,7 +3021,7 @@
               <a:buChar char=""/>
             </a:pPr>
             <a:r>
-              <a:rPr lang="de-DE">
+              <a:rPr lang="de-DE" sz="2800">
                 <a:solidFill>
                   <a:srgbClr val="000000"/>
                 </a:solidFill>
@@ -3192,7 +3040,7 @@
               <a:buChar char=""/>
             </a:pPr>
             <a:r>
-              <a:rPr lang="de-DE">
+              <a:rPr lang="de-DE" sz="2800">
                 <a:solidFill>
                   <a:srgbClr val="000000"/>
                 </a:solidFill>
@@ -3211,7 +3059,7 @@
               <a:buChar char=""/>
             </a:pPr>
             <a:r>
-              <a:rPr lang="de-DE">
+              <a:rPr lang="de-DE" sz="2800">
                 <a:solidFill>
                   <a:srgbClr val="000000"/>
                 </a:solidFill>
@@ -3223,12 +3071,15 @@
           </a:p>
           <a:p>
             <a:pPr lvl="2">
+              <a:lnSpc>
+                <a:spcPct val="100000"/>
+              </a:lnSpc>
               <a:buSzPct val="45000"/>
               <a:buFont typeface="StarSymbol"/>
-              <a:buChar char=""/>
-            </a:pPr>
-            <a:r>
-              <a:rPr lang="de-DE">
+              <a:buChar char="l"/>
+            </a:pPr>
+            <a:r>
+              <a:rPr lang="de-DE" sz="2800">
                 <a:solidFill>
                   <a:srgbClr val="000000"/>
                 </a:solidFill>
@@ -3240,12 +3091,15 @@
           </a:p>
           <a:p>
             <a:pPr lvl="2">
+              <a:lnSpc>
+                <a:spcPct val="100000"/>
+              </a:lnSpc>
               <a:buSzPct val="45000"/>
               <a:buFont typeface="StarSymbol"/>
-              <a:buChar char=""/>
-            </a:pPr>
-            <a:r>
-              <a:rPr lang="de-DE">
+              <a:buChar char="l"/>
+            </a:pPr>
+            <a:r>
+              <a:rPr lang="de-DE" sz="2800">
                 <a:solidFill>
                   <a:srgbClr val="000000"/>
                 </a:solidFill>
@@ -3267,21 +3121,25 @@
       </p:sp>
       <p:sp>
         <p:nvSpPr>
-          <p:cNvPr id="59" name="TextShape 2"/>
-          <p:cNvSpPr txBox="1"/>
+          <p:cNvPr id="57" name="CustomShape 2"/>
+          <p:cNvSpPr/>
           <p:nvPr/>
         </p:nvSpPr>
         <p:spPr>
           <a:xfrm>
             <a:off x="0" y="0"/>
-            <a:ext cx="10028520" cy="759240"/>
-          </a:xfrm>
-          <a:prstGeom prst="rect">
-            <a:avLst/>
-          </a:prstGeom>
-        </p:spPr>
-        <p:txBody>
-          <a:bodyPr lIns="360000" anchor="b"/>
+            <a:ext cx="10028160" cy="758880"/>
+          </a:xfrm>
+          <a:prstGeom prst="rect">
+            <a:avLst/>
+          </a:prstGeom>
+          <a:noFill/>
+          <a:ln>
+            <a:noFill/>
+          </a:ln>
+        </p:spPr>
+        <p:txBody>
+          <a:bodyPr lIns="360000" rIns="90000" tIns="45000" bIns="45000" anchor="b"/>
           <a:p>
             <a:pPr>
               <a:lnSpc>
@@ -3303,18 +3161,22 @@
       </p:sp>
       <p:sp>
         <p:nvSpPr>
-          <p:cNvPr id="60" name="TextShape 3"/>
-          <p:cNvSpPr txBox="1"/>
+          <p:cNvPr id="58" name="CustomShape 3"/>
+          <p:cNvSpPr/>
           <p:nvPr/>
         </p:nvSpPr>
         <p:spPr>
           <a:xfrm>
             <a:off x="11779200" y="6459840"/>
-            <a:ext cx="412560" cy="397800"/>
-          </a:xfrm>
-          <a:prstGeom prst="rect">
-            <a:avLst/>
-          </a:prstGeom>
+            <a:ext cx="412200" cy="397440"/>
+          </a:xfrm>
+          <a:prstGeom prst="rect">
+            <a:avLst/>
+          </a:prstGeom>
+          <a:noFill/>
+          <a:ln>
+            <a:noFill/>
+          </a:ln>
         </p:spPr>
         <p:txBody>
           <a:bodyPr lIns="90000" rIns="90000" tIns="45000" bIns="45000" anchor="ctr"/>
@@ -3324,7 +3186,7 @@
                 <a:spcPct val="100000"/>
               </a:lnSpc>
             </a:pPr>
-            <a:fld id="{DF0D3ED6-CEE4-4046-BA75-048FE01AF6D5}" type="slidenum">
+            <a:fld id="{91EEE5D0-447F-4035-80C9-FAAA7AE508FC}" type="slidenum">
               <a:rPr lang="de-DE" sz="900">
                 <a:solidFill>
                   <a:srgbClr val="868889"/>
@@ -3388,21 +3250,25 @@
       </p:grpSpPr>
       <p:sp>
         <p:nvSpPr>
-          <p:cNvPr id="61" name="TextShape 1"/>
-          <p:cNvSpPr txBox="1"/>
+          <p:cNvPr id="59" name="CustomShape 1"/>
+          <p:cNvSpPr/>
           <p:nvPr/>
         </p:nvSpPr>
         <p:spPr>
           <a:xfrm>
             <a:off x="0" y="0"/>
-            <a:ext cx="10028520" cy="759240"/>
-          </a:xfrm>
-          <a:prstGeom prst="rect">
-            <a:avLst/>
-          </a:prstGeom>
-        </p:spPr>
-        <p:txBody>
-          <a:bodyPr lIns="360000" anchor="b"/>
+            <a:ext cx="10028160" cy="758880"/>
+          </a:xfrm>
+          <a:prstGeom prst="rect">
+            <a:avLst/>
+          </a:prstGeom>
+          <a:noFill/>
+          <a:ln>
+            <a:noFill/>
+          </a:ln>
+        </p:spPr>
+        <p:txBody>
+          <a:bodyPr lIns="360000" rIns="90000" tIns="45000" bIns="45000" anchor="b"/>
           <a:p>
             <a:pPr>
               <a:lnSpc>
@@ -3424,18 +3290,22 @@
       </p:sp>
       <p:sp>
         <p:nvSpPr>
-          <p:cNvPr id="62" name="TextShape 2"/>
-          <p:cNvSpPr txBox="1"/>
+          <p:cNvPr id="60" name="CustomShape 2"/>
+          <p:cNvSpPr/>
           <p:nvPr/>
         </p:nvSpPr>
         <p:spPr>
           <a:xfrm>
             <a:off x="11779200" y="6459840"/>
-            <a:ext cx="412560" cy="397800"/>
-          </a:xfrm>
-          <a:prstGeom prst="rect">
-            <a:avLst/>
-          </a:prstGeom>
+            <a:ext cx="412200" cy="397440"/>
+          </a:xfrm>
+          <a:prstGeom prst="rect">
+            <a:avLst/>
+          </a:prstGeom>
+          <a:noFill/>
+          <a:ln>
+            <a:noFill/>
+          </a:ln>
         </p:spPr>
         <p:txBody>
           <a:bodyPr lIns="90000" rIns="90000" tIns="45000" bIns="45000" anchor="ctr"/>
@@ -3445,7 +3315,7 @@
                 <a:spcPct val="100000"/>
               </a:lnSpc>
             </a:pPr>
-            <a:fld id="{13B9B4E0-100A-4066-9301-E8037D78C8E3}" type="slidenum">
+            <a:fld id="{1B7E3EC1-7BE8-4358-A5B3-8B73C98B188C}" type="slidenum">
               <a:rPr lang="de-DE" sz="900">
                 <a:solidFill>
                   <a:srgbClr val="868889"/>
@@ -3460,21 +3330,25 @@
       </p:sp>
       <p:sp>
         <p:nvSpPr>
-          <p:cNvPr id="63" name="TextShape 3"/>
-          <p:cNvSpPr txBox="1"/>
+          <p:cNvPr id="61" name="CustomShape 3"/>
+          <p:cNvSpPr/>
           <p:nvPr/>
         </p:nvSpPr>
         <p:spPr>
           <a:xfrm>
             <a:off x="360360" y="1080000"/>
-            <a:ext cx="11418840" cy="5084640"/>
-          </a:xfrm>
-          <a:prstGeom prst="rect">
-            <a:avLst/>
-          </a:prstGeom>
-        </p:spPr>
-        <p:txBody>
-          <a:bodyPr/>
+            <a:ext cx="11418480" cy="5084280"/>
+          </a:xfrm>
+          <a:prstGeom prst="rect">
+            <a:avLst/>
+          </a:prstGeom>
+          <a:noFill/>
+          <a:ln>
+            <a:noFill/>
+          </a:ln>
+        </p:spPr>
+        <p:txBody>
+          <a:bodyPr lIns="90000" rIns="90000" tIns="45000" bIns="45000"/>
           <a:p>
             <a:pPr>
               <a:lnSpc>
@@ -3488,7 +3362,7 @@
                 </a:solidFill>
                 <a:latin typeface="Arial"/>
               </a:rPr>
-              <a:t>Implementierung:</a:t>
+              <a:t>Arbeitsablauf:</a:t>
             </a:r>
             <a:endParaRPr/>
           </a:p>
@@ -3509,7 +3383,7 @@
               <a:buChar char=""/>
             </a:pPr>
             <a:r>
-              <a:rPr lang="de-DE">
+              <a:rPr lang="de-DE" sz="2800">
                 <a:solidFill>
                   <a:srgbClr val="000000"/>
                 </a:solidFill>
@@ -3528,7 +3402,7 @@
               <a:buChar char=""/>
             </a:pPr>
             <a:r>
-              <a:rPr lang="de-DE">
+              <a:rPr lang="de-DE" sz="2800">
                 <a:solidFill>
                   <a:srgbClr val="000000"/>
                 </a:solidFill>
@@ -3547,7 +3421,7 @@
               <a:buChar char=""/>
             </a:pPr>
             <a:r>
-              <a:rPr lang="de-DE">
+              <a:rPr lang="de-DE" sz="2800">
                 <a:solidFill>
                   <a:srgbClr val="000000"/>
                 </a:solidFill>
@@ -3556,13 +3430,13 @@
               <a:t> </a:t>
             </a:r>
             <a:r>
-              <a:rPr lang="de-DE">
-                <a:solidFill>
-                  <a:srgbClr val="000000"/>
-                </a:solidFill>
-                <a:latin typeface="Arial"/>
-              </a:rPr>
-              <a:t>Marker → Welt Koordinaten → Publizieren</a:t>
+              <a:rPr lang="de-DE" sz="2800">
+                <a:solidFill>
+                  <a:srgbClr val="000000"/>
+                </a:solidFill>
+                <a:latin typeface="Arial"/>
+              </a:rPr>
+              <a:t>Marker → Welt Koordinaten → Publishing</a:t>
             </a:r>
             <a:endParaRPr/>
           </a:p>
@@ -3575,7 +3449,7 @@
               <a:buChar char=""/>
             </a:pPr>
             <a:r>
-              <a:rPr lang="de-DE">
+              <a:rPr lang="de-DE" sz="2800">
                 <a:solidFill>
                   <a:srgbClr val="000000"/>
                 </a:solidFill>
@@ -3646,21 +3520,25 @@
       </p:grpSpPr>
       <p:sp>
         <p:nvSpPr>
-          <p:cNvPr id="64" name="TextShape 1"/>
-          <p:cNvSpPr txBox="1"/>
+          <p:cNvPr id="62" name="CustomShape 1"/>
+          <p:cNvSpPr/>
           <p:nvPr/>
         </p:nvSpPr>
         <p:spPr>
           <a:xfrm>
             <a:off x="0" y="0"/>
-            <a:ext cx="10028520" cy="759240"/>
-          </a:xfrm>
-          <a:prstGeom prst="rect">
-            <a:avLst/>
-          </a:prstGeom>
-        </p:spPr>
-        <p:txBody>
-          <a:bodyPr lIns="360000" anchor="b"/>
+            <a:ext cx="10028160" cy="758880"/>
+          </a:xfrm>
+          <a:prstGeom prst="rect">
+            <a:avLst/>
+          </a:prstGeom>
+          <a:noFill/>
+          <a:ln>
+            <a:noFill/>
+          </a:ln>
+        </p:spPr>
+        <p:txBody>
+          <a:bodyPr lIns="360000" rIns="90000" tIns="45000" bIns="45000" anchor="b"/>
           <a:p>
             <a:pPr>
               <a:lnSpc>
@@ -3682,21 +3560,25 @@
       </p:sp>
       <p:sp>
         <p:nvSpPr>
-          <p:cNvPr id="65" name="TextShape 2"/>
-          <p:cNvSpPr txBox="1"/>
+          <p:cNvPr id="63" name="CustomShape 2"/>
+          <p:cNvSpPr/>
           <p:nvPr/>
         </p:nvSpPr>
         <p:spPr>
           <a:xfrm>
             <a:off x="360000" y="1080000"/>
-            <a:ext cx="11418840" cy="5084640"/>
-          </a:xfrm>
-          <a:prstGeom prst="rect">
-            <a:avLst/>
-          </a:prstGeom>
-        </p:spPr>
-        <p:txBody>
-          <a:bodyPr/>
+            <a:ext cx="11418480" cy="5084280"/>
+          </a:xfrm>
+          <a:prstGeom prst="rect">
+            <a:avLst/>
+          </a:prstGeom>
+          <a:noFill/>
+          <a:ln>
+            <a:noFill/>
+          </a:ln>
+        </p:spPr>
+        <p:txBody>
+          <a:bodyPr lIns="90000" rIns="90000" tIns="45000" bIns="45000"/>
           <a:p>
             <a:pPr>
               <a:lnSpc>
@@ -3731,7 +3613,7 @@
               <a:buChar char=""/>
             </a:pPr>
             <a:r>
-              <a:rPr lang="de-DE">
+              <a:rPr lang="de-DE" sz="2800">
                 <a:solidFill>
                   <a:srgbClr val="000000"/>
                 </a:solidFill>
@@ -3750,7 +3632,7 @@
               <a:buChar char=""/>
             </a:pPr>
             <a:r>
-              <a:rPr lang="de-DE">
+              <a:rPr lang="de-DE" sz="2800">
                 <a:solidFill>
                   <a:srgbClr val="000000"/>
                 </a:solidFill>
@@ -3769,7 +3651,7 @@
               <a:buChar char=""/>
             </a:pPr>
             <a:r>
-              <a:rPr lang="de-DE">
+              <a:rPr lang="de-DE" sz="2800">
                 <a:solidFill>
                   <a:srgbClr val="000000"/>
                 </a:solidFill>
@@ -3788,7 +3670,7 @@
               <a:buChar char=""/>
             </a:pPr>
             <a:r>
-              <a:rPr lang="de-DE">
+              <a:rPr lang="de-DE" sz="2800">
                 <a:solidFill>
                   <a:srgbClr val="000000"/>
                 </a:solidFill>
@@ -3815,7 +3697,7 @@
               <a:buChar char=""/>
             </a:pPr>
             <a:r>
-              <a:rPr lang="de-DE">
+              <a:rPr lang="de-DE" sz="2800">
                 <a:solidFill>
                   <a:srgbClr val="000000"/>
                 </a:solidFill>
@@ -3834,7 +3716,7 @@
               <a:buChar char=""/>
             </a:pPr>
             <a:r>
-              <a:rPr lang="de-DE">
+              <a:rPr lang="de-DE" sz="2800">
                 <a:solidFill>
                   <a:srgbClr val="000000"/>
                 </a:solidFill>
@@ -3853,7 +3735,7 @@
               <a:buChar char=""/>
             </a:pPr>
             <a:r>
-              <a:rPr lang="de-DE">
+              <a:rPr lang="de-DE" sz="2800">
                 <a:solidFill>
                   <a:srgbClr val="000000"/>
                 </a:solidFill>
@@ -3875,18 +3757,22 @@
       </p:sp>
       <p:sp>
         <p:nvSpPr>
-          <p:cNvPr id="66" name="TextShape 3"/>
-          <p:cNvSpPr txBox="1"/>
+          <p:cNvPr id="64" name="CustomShape 3"/>
+          <p:cNvSpPr/>
           <p:nvPr/>
         </p:nvSpPr>
         <p:spPr>
           <a:xfrm>
             <a:off x="11779200" y="6459840"/>
-            <a:ext cx="412560" cy="397800"/>
-          </a:xfrm>
-          <a:prstGeom prst="rect">
-            <a:avLst/>
-          </a:prstGeom>
+            <a:ext cx="412200" cy="397440"/>
+          </a:xfrm>
+          <a:prstGeom prst="rect">
+            <a:avLst/>
+          </a:prstGeom>
+          <a:noFill/>
+          <a:ln>
+            <a:noFill/>
+          </a:ln>
         </p:spPr>
         <p:txBody>
           <a:bodyPr lIns="90000" rIns="90000" tIns="45000" bIns="45000" anchor="ctr"/>
@@ -3896,7 +3782,7 @@
                 <a:spcPct val="100000"/>
               </a:lnSpc>
             </a:pPr>
-            <a:fld id="{6776E494-6D8B-4164-BD47-357928E04486}" type="slidenum">
+            <a:fld id="{CF7EEDD7-6AEA-48D7-8B47-4A15E42A5C58}" type="slidenum">
               <a:rPr lang="de-DE" sz="900">
                 <a:solidFill>
                   <a:srgbClr val="868889"/>
@@ -3960,21 +3846,25 @@
       </p:grpSpPr>
       <p:sp>
         <p:nvSpPr>
-          <p:cNvPr id="67" name="TextShape 1"/>
-          <p:cNvSpPr txBox="1"/>
+          <p:cNvPr id="65" name="CustomShape 1"/>
+          <p:cNvSpPr/>
           <p:nvPr/>
         </p:nvSpPr>
         <p:spPr>
           <a:xfrm>
             <a:off x="0" y="0"/>
-            <a:ext cx="10028520" cy="759240"/>
-          </a:xfrm>
-          <a:prstGeom prst="rect">
-            <a:avLst/>
-          </a:prstGeom>
-        </p:spPr>
-        <p:txBody>
-          <a:bodyPr lIns="360000" anchor="b"/>
+            <a:ext cx="10028160" cy="758880"/>
+          </a:xfrm>
+          <a:prstGeom prst="rect">
+            <a:avLst/>
+          </a:prstGeom>
+          <a:noFill/>
+          <a:ln>
+            <a:noFill/>
+          </a:ln>
+        </p:spPr>
+        <p:txBody>
+          <a:bodyPr lIns="360000" rIns="90000" tIns="45000" bIns="45000" anchor="b"/>
           <a:p>
             <a:pPr>
               <a:lnSpc>
@@ -3996,18 +3886,22 @@
       </p:sp>
       <p:sp>
         <p:nvSpPr>
-          <p:cNvPr id="68" name="TextShape 2"/>
-          <p:cNvSpPr txBox="1"/>
+          <p:cNvPr id="66" name="CustomShape 2"/>
+          <p:cNvSpPr/>
           <p:nvPr/>
         </p:nvSpPr>
         <p:spPr>
           <a:xfrm>
             <a:off x="11779200" y="6459840"/>
-            <a:ext cx="412560" cy="397800"/>
-          </a:xfrm>
-          <a:prstGeom prst="rect">
-            <a:avLst/>
-          </a:prstGeom>
+            <a:ext cx="412200" cy="397440"/>
+          </a:xfrm>
+          <a:prstGeom prst="rect">
+            <a:avLst/>
+          </a:prstGeom>
+          <a:noFill/>
+          <a:ln>
+            <a:noFill/>
+          </a:ln>
         </p:spPr>
         <p:txBody>
           <a:bodyPr lIns="90000" rIns="90000" tIns="45000" bIns="45000" anchor="ctr"/>
@@ -4017,7 +3911,7 @@
                 <a:spcPct val="100000"/>
               </a:lnSpc>
             </a:pPr>
-            <a:fld id="{33A862C3-3EA4-4B4F-912F-5109123978A5}" type="slidenum">
+            <a:fld id="{E2EEC3EB-4F5C-4BAF-9058-9582DE927F68}" type="slidenum">
               <a:rPr lang="de-DE" sz="900">
                 <a:solidFill>
                   <a:srgbClr val="868889"/>
@@ -4032,7 +3926,7 @@
       </p:sp>
       <p:pic>
         <p:nvPicPr>
-          <p:cNvPr id="69" name="Picture 2" descr=""/>
+          <p:cNvPr id="67" name="Picture 2" descr=""/>
           <p:cNvPicPr/>
           <p:nvPr/>
         </p:nvPicPr>
@@ -4045,7 +3939,7 @@
         <p:spPr>
           <a:xfrm>
             <a:off x="3243960" y="815760"/>
-            <a:ext cx="5703840" cy="5973840"/>
+            <a:ext cx="5703480" cy="5973480"/>
           </a:xfrm>
           <a:prstGeom prst="rect">
             <a:avLst/>
@@ -4106,21 +4000,25 @@
       </p:grpSpPr>
       <p:sp>
         <p:nvSpPr>
-          <p:cNvPr id="70" name="TextShape 1"/>
-          <p:cNvSpPr txBox="1"/>
+          <p:cNvPr id="68" name="CustomShape 1"/>
+          <p:cNvSpPr/>
           <p:nvPr/>
         </p:nvSpPr>
         <p:spPr>
           <a:xfrm>
             <a:off x="0" y="0"/>
-            <a:ext cx="10028520" cy="759240"/>
-          </a:xfrm>
-          <a:prstGeom prst="rect">
-            <a:avLst/>
-          </a:prstGeom>
-        </p:spPr>
-        <p:txBody>
-          <a:bodyPr lIns="360000" anchor="b"/>
+            <a:ext cx="10028160" cy="758880"/>
+          </a:xfrm>
+          <a:prstGeom prst="rect">
+            <a:avLst/>
+          </a:prstGeom>
+          <a:noFill/>
+          <a:ln>
+            <a:noFill/>
+          </a:ln>
+        </p:spPr>
+        <p:txBody>
+          <a:bodyPr lIns="360000" rIns="90000" tIns="45000" bIns="45000" anchor="b"/>
           <a:p>
             <a:pPr>
               <a:lnSpc>
@@ -4142,21 +4040,25 @@
       </p:sp>
       <p:sp>
         <p:nvSpPr>
-          <p:cNvPr id="71" name="TextShape 2"/>
-          <p:cNvSpPr txBox="1"/>
+          <p:cNvPr id="69" name="CustomShape 2"/>
+          <p:cNvSpPr/>
           <p:nvPr/>
         </p:nvSpPr>
         <p:spPr>
           <a:xfrm>
             <a:off x="360000" y="1080000"/>
-            <a:ext cx="11418840" cy="5084640"/>
-          </a:xfrm>
-          <a:prstGeom prst="rect">
-            <a:avLst/>
-          </a:prstGeom>
-        </p:spPr>
-        <p:txBody>
-          <a:bodyPr/>
+            <a:ext cx="11418480" cy="5084280"/>
+          </a:xfrm>
+          <a:prstGeom prst="rect">
+            <a:avLst/>
+          </a:prstGeom>
+          <a:noFill/>
+          <a:ln>
+            <a:noFill/>
+          </a:ln>
+        </p:spPr>
+        <p:txBody>
+          <a:bodyPr lIns="90000" rIns="90000" tIns="45000" bIns="45000"/>
           <a:p>
             <a:pPr>
               <a:lnSpc>
@@ -4191,7 +4093,7 @@
               <a:buChar char=""/>
             </a:pPr>
             <a:r>
-              <a:rPr lang="de-DE">
+              <a:rPr lang="de-DE" sz="2800">
                 <a:solidFill>
                   <a:srgbClr val="000000"/>
                 </a:solidFill>
@@ -4210,7 +4112,7 @@
               <a:buChar char=""/>
             </a:pPr>
             <a:r>
-              <a:rPr lang="de-DE">
+              <a:rPr lang="de-DE" sz="2800">
                 <a:solidFill>
                   <a:srgbClr val="000000"/>
                 </a:solidFill>
@@ -4229,7 +4131,7 @@
               <a:buChar char=""/>
             </a:pPr>
             <a:r>
-              <a:rPr lang="de-DE">
+              <a:rPr lang="de-DE" sz="2800">
                 <a:solidFill>
                   <a:srgbClr val="000000"/>
                 </a:solidFill>
@@ -4248,7 +4150,7 @@
               <a:buChar char=""/>
             </a:pPr>
             <a:r>
-              <a:rPr lang="de-DE">
+              <a:rPr lang="de-DE" sz="2800">
                 <a:solidFill>
                   <a:srgbClr val="000000"/>
                 </a:solidFill>
@@ -4267,7 +4169,7 @@
               <a:buChar char=""/>
             </a:pPr>
             <a:r>
-              <a:rPr lang="de-DE">
+              <a:rPr lang="de-DE" sz="2800">
                 <a:solidFill>
                   <a:srgbClr val="000000"/>
                 </a:solidFill>
@@ -4286,7 +4188,7 @@
               <a:buChar char=""/>
             </a:pPr>
             <a:r>
-              <a:rPr lang="de-DE">
+              <a:rPr lang="de-DE" sz="2800">
                 <a:solidFill>
                   <a:srgbClr val="000000"/>
                 </a:solidFill>
@@ -4305,7 +4207,7 @@
               <a:buChar char=""/>
             </a:pPr>
             <a:r>
-              <a:rPr lang="de-DE">
+              <a:rPr lang="de-DE" sz="2800">
                 <a:solidFill>
                   <a:srgbClr val="000000"/>
                 </a:solidFill>
@@ -4327,18 +4229,22 @@
       </p:sp>
       <p:sp>
         <p:nvSpPr>
-          <p:cNvPr id="72" name="TextShape 3"/>
-          <p:cNvSpPr txBox="1"/>
+          <p:cNvPr id="70" name="CustomShape 3"/>
+          <p:cNvSpPr/>
           <p:nvPr/>
         </p:nvSpPr>
         <p:spPr>
           <a:xfrm>
             <a:off x="11779200" y="6459840"/>
-            <a:ext cx="412560" cy="397800"/>
-          </a:xfrm>
-          <a:prstGeom prst="rect">
-            <a:avLst/>
-          </a:prstGeom>
+            <a:ext cx="412200" cy="397440"/>
+          </a:xfrm>
+          <a:prstGeom prst="rect">
+            <a:avLst/>
+          </a:prstGeom>
+          <a:noFill/>
+          <a:ln>
+            <a:noFill/>
+          </a:ln>
         </p:spPr>
         <p:txBody>
           <a:bodyPr lIns="90000" rIns="90000" tIns="45000" bIns="45000" anchor="ctr"/>
@@ -4348,7 +4254,7 @@
                 <a:spcPct val="100000"/>
               </a:lnSpc>
             </a:pPr>
-            <a:fld id="{4F9F8295-1372-4639-A5BC-60115019F9A4}" type="slidenum">
+            <a:fld id="{7F2F2C0F-EF23-4859-9065-F4FADA5D5825}" type="slidenum">
               <a:rPr lang="de-DE" sz="900">
                 <a:solidFill>
                   <a:srgbClr val="868889"/>
@@ -4412,21 +4318,25 @@
       </p:grpSpPr>
       <p:sp>
         <p:nvSpPr>
-          <p:cNvPr id="73" name="TextShape 1"/>
-          <p:cNvSpPr txBox="1"/>
+          <p:cNvPr id="71" name="CustomShape 1"/>
+          <p:cNvSpPr/>
           <p:nvPr/>
         </p:nvSpPr>
         <p:spPr>
           <a:xfrm>
             <a:off x="0" y="0"/>
-            <a:ext cx="10028520" cy="759240"/>
-          </a:xfrm>
-          <a:prstGeom prst="rect">
-            <a:avLst/>
-          </a:prstGeom>
-        </p:spPr>
-        <p:txBody>
-          <a:bodyPr lIns="360000" anchor="b"/>
+            <a:ext cx="10028160" cy="758880"/>
+          </a:xfrm>
+          <a:prstGeom prst="rect">
+            <a:avLst/>
+          </a:prstGeom>
+          <a:noFill/>
+          <a:ln>
+            <a:noFill/>
+          </a:ln>
+        </p:spPr>
+        <p:txBody>
+          <a:bodyPr lIns="360000" rIns="90000" tIns="45000" bIns="45000" anchor="b"/>
           <a:p>
             <a:pPr>
               <a:lnSpc>
@@ -4448,18 +4358,22 @@
       </p:sp>
       <p:sp>
         <p:nvSpPr>
-          <p:cNvPr id="74" name="TextShape 2"/>
-          <p:cNvSpPr txBox="1"/>
+          <p:cNvPr id="72" name="CustomShape 2"/>
+          <p:cNvSpPr/>
           <p:nvPr/>
         </p:nvSpPr>
         <p:spPr>
           <a:xfrm>
             <a:off x="11779200" y="6459840"/>
-            <a:ext cx="412560" cy="397800"/>
-          </a:xfrm>
-          <a:prstGeom prst="rect">
-            <a:avLst/>
-          </a:prstGeom>
+            <a:ext cx="412200" cy="397440"/>
+          </a:xfrm>
+          <a:prstGeom prst="rect">
+            <a:avLst/>
+          </a:prstGeom>
+          <a:noFill/>
+          <a:ln>
+            <a:noFill/>
+          </a:ln>
         </p:spPr>
         <p:txBody>
           <a:bodyPr lIns="90000" rIns="90000" tIns="45000" bIns="45000" anchor="ctr"/>
@@ -4469,7 +4383,7 @@
                 <a:spcPct val="100000"/>
               </a:lnSpc>
             </a:pPr>
-            <a:fld id="{A4837903-6B20-43CD-833F-9071DE5F969F}" type="slidenum">
+            <a:fld id="{518EA25F-8DDD-4C9F-8BA2-00B64C23BD8F}" type="slidenum">
               <a:rPr lang="de-DE" sz="900">
                 <a:solidFill>
                   <a:srgbClr val="868889"/>
@@ -4484,7 +4398,7 @@
       </p:sp>
       <p:pic>
         <p:nvPicPr>
-          <p:cNvPr id="75" name="Picture 2" descr=""/>
+          <p:cNvPr id="73" name="Picture 2" descr=""/>
           <p:cNvPicPr/>
           <p:nvPr/>
         </p:nvPicPr>
@@ -4497,7 +4411,7 @@
         <p:spPr>
           <a:xfrm>
             <a:off x="1281240" y="1134360"/>
-            <a:ext cx="9629640" cy="5132160"/>
+            <a:ext cx="9629280" cy="5131800"/>
           </a:xfrm>
           <a:prstGeom prst="rect">
             <a:avLst/>
@@ -4558,21 +4472,25 @@
       </p:grpSpPr>
       <p:sp>
         <p:nvSpPr>
-          <p:cNvPr id="76" name="TextShape 1"/>
-          <p:cNvSpPr txBox="1"/>
+          <p:cNvPr id="74" name="CustomShape 1"/>
+          <p:cNvSpPr/>
           <p:nvPr/>
         </p:nvSpPr>
         <p:spPr>
           <a:xfrm>
             <a:off x="0" y="0"/>
-            <a:ext cx="10028520" cy="759240"/>
-          </a:xfrm>
-          <a:prstGeom prst="rect">
-            <a:avLst/>
-          </a:prstGeom>
-        </p:spPr>
-        <p:txBody>
-          <a:bodyPr lIns="360000" anchor="b"/>
+            <a:ext cx="10028160" cy="758880"/>
+          </a:xfrm>
+          <a:prstGeom prst="rect">
+            <a:avLst/>
+          </a:prstGeom>
+          <a:noFill/>
+          <a:ln>
+            <a:noFill/>
+          </a:ln>
+        </p:spPr>
+        <p:txBody>
+          <a:bodyPr lIns="360000" rIns="90000" tIns="45000" bIns="45000" anchor="b"/>
           <a:p>
             <a:pPr>
               <a:lnSpc>
@@ -4594,18 +4512,22 @@
       </p:sp>
       <p:sp>
         <p:nvSpPr>
-          <p:cNvPr id="77" name="TextShape 2"/>
-          <p:cNvSpPr txBox="1"/>
+          <p:cNvPr id="75" name="CustomShape 2"/>
+          <p:cNvSpPr/>
           <p:nvPr/>
         </p:nvSpPr>
         <p:spPr>
           <a:xfrm>
             <a:off x="11779200" y="6459840"/>
-            <a:ext cx="412560" cy="397800"/>
-          </a:xfrm>
-          <a:prstGeom prst="rect">
-            <a:avLst/>
-          </a:prstGeom>
+            <a:ext cx="412200" cy="397440"/>
+          </a:xfrm>
+          <a:prstGeom prst="rect">
+            <a:avLst/>
+          </a:prstGeom>
+          <a:noFill/>
+          <a:ln>
+            <a:noFill/>
+          </a:ln>
         </p:spPr>
         <p:txBody>
           <a:bodyPr lIns="90000" rIns="90000" tIns="45000" bIns="45000" anchor="ctr"/>
@@ -4615,7 +4537,7 @@
                 <a:spcPct val="100000"/>
               </a:lnSpc>
             </a:pPr>
-            <a:fld id="{05F90F62-2F50-45DA-9008-080A86614FEB}" type="slidenum">
+            <a:fld id="{7499431C-A885-49E0-B991-2991327C5D6B}" type="slidenum">
               <a:rPr lang="de-DE" sz="900">
                 <a:solidFill>
                   <a:srgbClr val="868889"/>
@@ -4630,7 +4552,7 @@
       </p:sp>
       <p:pic>
         <p:nvPicPr>
-          <p:cNvPr id="78" name="Picture 3" descr=""/>
+          <p:cNvPr id="76" name="Picture 3" descr=""/>
           <p:cNvPicPr/>
           <p:nvPr/>
         </p:nvPicPr>
@@ -4643,7 +4565,7 @@
         <p:spPr>
           <a:xfrm>
             <a:off x="1378440" y="1066320"/>
-            <a:ext cx="9434880" cy="5109480"/>
+            <a:ext cx="9434520" cy="5109120"/>
           </a:xfrm>
           <a:prstGeom prst="rect">
             <a:avLst/>

--- a/robprak1516-presentation-vision.pptx
+++ b/robprak1516-presentation-vision.pptx
@@ -15,7 +15,6 @@
     <p:sldId id="263" r:id="rId10"/>
     <p:sldId id="264" r:id="rId11"/>
     <p:sldId id="265" r:id="rId12"/>
-    <p:sldId id="266" r:id="rId13"/>
   </p:sldIdLst>
   <p:sldSz cx="12192000" cy="6858000"/>
   <p:notesSz cx="7559675" cy="10691812"/>
@@ -1688,7 +1687,7 @@
                 <a:spcPct val="100000"/>
               </a:lnSpc>
             </a:pPr>
-            <a:fld id="{1A7A77CF-A214-401B-8ED4-C523E23BB083}" type="slidenum">
+            <a:fld id="{7323D09A-5126-4A76-9CB7-1E641EA665DB}" type="slidenum">
               <a:rPr lang="de-DE" sz="900">
                 <a:solidFill>
                   <a:srgbClr val="868889"/>
@@ -2050,8 +2049,8 @@
         </p:nvSpPr>
         <p:spPr>
           <a:xfrm>
-            <a:off x="0" y="0"/>
-            <a:ext cx="10028160" cy="758880"/>
+            <a:off x="11779200" y="6459840"/>
+            <a:ext cx="412200" cy="397440"/>
           </a:xfrm>
           <a:prstGeom prst="rect">
             <a:avLst/>
@@ -2062,22 +2061,22 @@
           </a:ln>
         </p:spPr>
         <p:txBody>
-          <a:bodyPr lIns="360000" rIns="90000" tIns="45000" bIns="45000" anchor="b"/>
-          <a:p>
-            <a:pPr>
-              <a:lnSpc>
-                <a:spcPct val="90000"/>
-              </a:lnSpc>
-            </a:pPr>
-            <a:r>
-              <a:rPr b="1" lang="de-DE" sz="3600">
-                <a:solidFill>
-                  <a:srgbClr val="000000"/>
-                </a:solidFill>
-                <a:latin typeface="Arial"/>
-              </a:rPr>
-              <a:t>Probleme und Herausforderungen</a:t>
-            </a:r>
+          <a:bodyPr lIns="90000" rIns="90000" tIns="45000" bIns="45000" anchor="ctr"/>
+          <a:p>
+            <a:pPr>
+              <a:lnSpc>
+                <a:spcPct val="100000"/>
+              </a:lnSpc>
+            </a:pPr>
+            <a:fld id="{F88A4EB5-43E4-46DC-A0FD-3E2A3FB08326}" type="slidenum">
+              <a:rPr lang="de-DE" sz="900">
+                <a:solidFill>
+                  <a:srgbClr val="868889"/>
+                </a:solidFill>
+                <a:latin typeface="Arial"/>
+              </a:rPr>
+              <a:t>&lt;Nummer&gt;</a:t>
+            </a:fld>
             <a:endParaRPr/>
           </a:p>
         </p:txBody>
@@ -2090,8 +2089,8 @@
         </p:nvSpPr>
         <p:spPr>
           <a:xfrm>
-            <a:off x="372960" y="1155240"/>
-            <a:ext cx="11722680" cy="5793480"/>
+            <a:off x="253080" y="771120"/>
+            <a:ext cx="6946560" cy="5399280"/>
           </a:xfrm>
           <a:prstGeom prst="rect">
             <a:avLst/>
@@ -2106,7 +2105,15 @@
           <a:p>
             <a:pPr>
               <a:lnSpc>
-                <a:spcPct val="160000"/>
+                <a:spcPct val="200000"/>
+              </a:lnSpc>
+            </a:pPr>
+            <a:endParaRPr/>
+          </a:p>
+          <a:p>
+            <a:pPr>
+              <a:lnSpc>
+                <a:spcPct val="200000"/>
               </a:lnSpc>
               <a:buFont typeface="Wingdings" charset="2"/>
               <a:buChar char=""/>
@@ -2118,7 +2125,7 @@
                 </a:solidFill>
                 <a:latin typeface="Arial"/>
               </a:rPr>
-              <a:t>  </a:t>
+              <a:t> </a:t>
             </a:r>
             <a:r>
               <a:rPr lang="de-DE" sz="3500">
@@ -2127,14 +2134,14 @@
                 </a:solidFill>
                 <a:latin typeface="Arial"/>
               </a:rPr>
-              <a:t>ar_track_alvar → nicht kalibrierte Kamera</a:t>
-            </a:r>
-            <a:endParaRPr/>
-          </a:p>
-          <a:p>
-            <a:pPr>
-              <a:lnSpc>
-                <a:spcPct val="160000"/>
+              <a:t>Gesichtsfeld von Kinect</a:t>
+            </a:r>
+            <a:endParaRPr/>
+          </a:p>
+          <a:p>
+            <a:pPr>
+              <a:lnSpc>
+                <a:spcPct val="200000"/>
               </a:lnSpc>
               <a:buFont typeface="Wingdings" charset="2"/>
               <a:buChar char=""/>
@@ -2146,23 +2153,14 @@
                 </a:solidFill>
                 <a:latin typeface="Arial"/>
               </a:rPr>
-              <a:t> </a:t>
-            </a:r>
-            <a:r>
-              <a:rPr lang="de-DE" sz="3500">
-                <a:solidFill>
-                  <a:srgbClr val="000000"/>
-                </a:solidFill>
-                <a:latin typeface="Arial"/>
-              </a:rPr>
-              <a:t>Schlechte Kovarianz → Schlange mit 25 Samples</a:t>
-            </a:r>
-            <a:endParaRPr/>
-          </a:p>
-          <a:p>
-            <a:pPr>
-              <a:lnSpc>
-                <a:spcPct val="160000"/>
+              <a:t>PTU Drehungsgeschwindigkeit</a:t>
+            </a:r>
+            <a:endParaRPr/>
+          </a:p>
+          <a:p>
+            <a:pPr>
+              <a:lnSpc>
+                <a:spcPct val="200000"/>
               </a:lnSpc>
               <a:buFont typeface="Wingdings" charset="2"/>
               <a:buChar char=""/>
@@ -2183,78 +2181,8 @@
                 </a:solidFill>
                 <a:latin typeface="Arial"/>
               </a:rPr>
-              <a:t>Marker Platzierung</a:t>
-            </a:r>
-            <a:endParaRPr/>
-          </a:p>
-          <a:p>
-            <a:pPr>
-              <a:lnSpc>
-                <a:spcPct val="160000"/>
-              </a:lnSpc>
-              <a:buFont typeface="Wingdings" charset="2"/>
-              <a:buChar char=""/>
-            </a:pPr>
-            <a:r>
-              <a:rPr lang="de-DE" sz="3500">
-                <a:solidFill>
-                  <a:srgbClr val="000000"/>
-                </a:solidFill>
-                <a:latin typeface="Arial"/>
-              </a:rPr>
-              <a:t>Kopfbewegung → atan2 mit Spezialfällen berücksichtigt</a:t>
-            </a:r>
-            <a:endParaRPr/>
-          </a:p>
-          <a:p>
-            <a:pPr>
-              <a:lnSpc>
-                <a:spcPct val="160000"/>
-              </a:lnSpc>
-              <a:buFont typeface="Wingdings" charset="2"/>
-              <a:buChar char=""/>
-            </a:pPr>
-            <a:r>
-              <a:rPr lang="de-DE" sz="3500">
-                <a:solidFill>
-                  <a:srgbClr val="000000"/>
-                </a:solidFill>
-                <a:latin typeface="Arial"/>
-              </a:rPr>
-              <a:t>Usw.</a:t>
-            </a:r>
-            <a:endParaRPr/>
-          </a:p>
-          <a:p>
-            <a:pPr>
-              <a:lnSpc>
-                <a:spcPct val="150000"/>
-              </a:lnSpc>
-            </a:pPr>
-            <a:endParaRPr/>
-          </a:p>
-          <a:p>
-            <a:pPr>
-              <a:lnSpc>
-                <a:spcPct val="150000"/>
-              </a:lnSpc>
-            </a:pPr>
-            <a:endParaRPr/>
-          </a:p>
-          <a:p>
-            <a:pPr>
-              <a:lnSpc>
-                <a:spcPct val="200000"/>
-              </a:lnSpc>
-            </a:pPr>
-            <a:endParaRPr/>
-          </a:p>
-          <a:p>
-            <a:pPr>
-              <a:lnSpc>
-                <a:spcPct val="100000"/>
-              </a:lnSpc>
-            </a:pPr>
+              <a:t>Dummy Programm</a:t>
+            </a:r>
             <a:endParaRPr/>
           </a:p>
         </p:txBody>
@@ -2267,8 +2195,8 @@
         </p:nvSpPr>
         <p:spPr>
           <a:xfrm>
-            <a:off x="11779200" y="6459840"/>
-            <a:ext cx="412200" cy="397440"/>
+            <a:off x="0" y="0"/>
+            <a:ext cx="10028160" cy="758880"/>
           </a:xfrm>
           <a:prstGeom prst="rect">
             <a:avLst/>
@@ -2279,22 +2207,22 @@
           </a:ln>
         </p:spPr>
         <p:txBody>
-          <a:bodyPr lIns="90000" rIns="90000" tIns="45000" bIns="45000" anchor="ctr"/>
-          <a:p>
-            <a:pPr>
-              <a:lnSpc>
-                <a:spcPct val="100000"/>
-              </a:lnSpc>
-            </a:pPr>
-            <a:fld id="{D812A5FA-0FEC-4DCF-A1DD-D9146C57B02B}" type="slidenum">
-              <a:rPr lang="de-DE" sz="900">
-                <a:solidFill>
-                  <a:srgbClr val="868889"/>
-                </a:solidFill>
-                <a:latin typeface="Arial"/>
-              </a:rPr>
-              <a:t>&lt;Nummer&gt;</a:t>
-            </a:fld>
+          <a:bodyPr lIns="360000" rIns="90000" tIns="45000" bIns="45000" anchor="b"/>
+          <a:p>
+            <a:pPr>
+              <a:lnSpc>
+                <a:spcPct val="90000"/>
+              </a:lnSpc>
+            </a:pPr>
+            <a:r>
+              <a:rPr b="1" lang="de-DE" sz="3600">
+                <a:solidFill>
+                  <a:srgbClr val="000000"/>
+                </a:solidFill>
+                <a:latin typeface="Arial"/>
+              </a:rPr>
+              <a:t>Tests</a:t>
+            </a:r>
             <a:endParaRPr/>
           </a:p>
         </p:txBody>
@@ -2308,241 +2236,6 @@
           <p:childTnLst>
             <p:seq>
               <p:cTn id="20" nodeType="mainSeq"/>
-              <p:prevCondLst>
-                <p:cond delay="0" evt="onPrev">
-                  <p:tgtEl>
-                    <p:sldTgt/>
-                  </p:tgtEl>
-                </p:cond>
-              </p:prevCondLst>
-              <p:nextCondLst>
-                <p:cond delay="0" evt="onNext">
-                  <p:tgtEl>
-                    <p:sldTgt/>
-                  </p:tgtEl>
-                </p:cond>
-              </p:nextCondLst>
-            </p:seq>
-          </p:childTnLst>
-        </p:cTn>
-      </p:par>
-    </p:tnLst>
-  </p:timing>
-</p:sld>
-</file>
-
-<file path=ppt/slides/slide11.xml><?xml version="1.0" encoding="utf-8"?>
-<p:sld xmlns:a="http://schemas.openxmlformats.org/drawingml/2006/main" xmlns:p="http://schemas.openxmlformats.org/presentationml/2006/main" xmlns:r="http://schemas.openxmlformats.org/officeDocument/2006/relationships">
-  <p:cSld>
-    <p:spTree>
-      <p:nvGrpSpPr>
-        <p:cNvPr id="1" name=""/>
-        <p:cNvGrpSpPr/>
-        <p:nvPr/>
-      </p:nvGrpSpPr>
-      <p:grpSpPr>
-        <a:xfrm>
-          <a:off x="0" y="0"/>
-          <a:ext cx="0" cy="0"/>
-          <a:chOff x="0" y="0"/>
-          <a:chExt cx="0" cy="0"/>
-        </a:xfrm>
-      </p:grpSpPr>
-      <p:sp>
-        <p:nvSpPr>
-          <p:cNvPr id="80" name="CustomShape 1"/>
-          <p:cNvSpPr/>
-          <p:nvPr/>
-        </p:nvSpPr>
-        <p:spPr>
-          <a:xfrm>
-            <a:off x="11779200" y="6459840"/>
-            <a:ext cx="412200" cy="397440"/>
-          </a:xfrm>
-          <a:prstGeom prst="rect">
-            <a:avLst/>
-          </a:prstGeom>
-          <a:noFill/>
-          <a:ln>
-            <a:noFill/>
-          </a:ln>
-        </p:spPr>
-        <p:txBody>
-          <a:bodyPr lIns="90000" rIns="90000" tIns="45000" bIns="45000" anchor="ctr"/>
-          <a:p>
-            <a:pPr>
-              <a:lnSpc>
-                <a:spcPct val="100000"/>
-              </a:lnSpc>
-            </a:pPr>
-            <a:fld id="{212CE406-8E34-4167-8BC9-F0B739DE2423}" type="slidenum">
-              <a:rPr lang="de-DE" sz="900">
-                <a:solidFill>
-                  <a:srgbClr val="868889"/>
-                </a:solidFill>
-                <a:latin typeface="Arial"/>
-              </a:rPr>
-              <a:t>&lt;Nummer&gt;</a:t>
-            </a:fld>
-            <a:endParaRPr/>
-          </a:p>
-        </p:txBody>
-      </p:sp>
-      <p:sp>
-        <p:nvSpPr>
-          <p:cNvPr id="81" name="CustomShape 2"/>
-          <p:cNvSpPr/>
-          <p:nvPr/>
-        </p:nvSpPr>
-        <p:spPr>
-          <a:xfrm>
-            <a:off x="253080" y="771120"/>
-            <a:ext cx="6946560" cy="5399280"/>
-          </a:xfrm>
-          <a:prstGeom prst="rect">
-            <a:avLst/>
-          </a:prstGeom>
-          <a:noFill/>
-          <a:ln>
-            <a:noFill/>
-          </a:ln>
-        </p:spPr>
-        <p:txBody>
-          <a:bodyPr lIns="90000" rIns="90000" tIns="45000" bIns="45000"/>
-          <a:p>
-            <a:pPr>
-              <a:lnSpc>
-                <a:spcPct val="200000"/>
-              </a:lnSpc>
-            </a:pPr>
-            <a:endParaRPr/>
-          </a:p>
-          <a:p>
-            <a:pPr>
-              <a:lnSpc>
-                <a:spcPct val="200000"/>
-              </a:lnSpc>
-              <a:buFont typeface="Wingdings" charset="2"/>
-              <a:buChar char=""/>
-            </a:pPr>
-            <a:r>
-              <a:rPr lang="de-DE" sz="3500">
-                <a:solidFill>
-                  <a:srgbClr val="000000"/>
-                </a:solidFill>
-                <a:latin typeface="Arial"/>
-              </a:rPr>
-              <a:t> </a:t>
-            </a:r>
-            <a:r>
-              <a:rPr lang="de-DE" sz="3500">
-                <a:solidFill>
-                  <a:srgbClr val="000000"/>
-                </a:solidFill>
-                <a:latin typeface="Arial"/>
-              </a:rPr>
-              <a:t>Gesichtsfeld von Kinect</a:t>
-            </a:r>
-            <a:endParaRPr/>
-          </a:p>
-          <a:p>
-            <a:pPr>
-              <a:lnSpc>
-                <a:spcPct val="200000"/>
-              </a:lnSpc>
-              <a:buFont typeface="Wingdings" charset="2"/>
-              <a:buChar char=""/>
-            </a:pPr>
-            <a:r>
-              <a:rPr lang="de-DE" sz="3500">
-                <a:solidFill>
-                  <a:srgbClr val="000000"/>
-                </a:solidFill>
-                <a:latin typeface="Arial"/>
-              </a:rPr>
-              <a:t>PTU Drehungsgeschwindigkeit</a:t>
-            </a:r>
-            <a:endParaRPr/>
-          </a:p>
-          <a:p>
-            <a:pPr>
-              <a:lnSpc>
-                <a:spcPct val="200000"/>
-              </a:lnSpc>
-              <a:buFont typeface="Wingdings" charset="2"/>
-              <a:buChar char=""/>
-            </a:pPr>
-            <a:r>
-              <a:rPr lang="de-DE" sz="3500">
-                <a:solidFill>
-                  <a:srgbClr val="000000"/>
-                </a:solidFill>
-                <a:latin typeface="Arial"/>
-              </a:rPr>
-              <a:t> </a:t>
-            </a:r>
-            <a:r>
-              <a:rPr lang="de-DE" sz="3500">
-                <a:solidFill>
-                  <a:srgbClr val="000000"/>
-                </a:solidFill>
-                <a:latin typeface="Arial"/>
-              </a:rPr>
-              <a:t>Dummy Programm</a:t>
-            </a:r>
-            <a:endParaRPr/>
-          </a:p>
-        </p:txBody>
-      </p:sp>
-      <p:sp>
-        <p:nvSpPr>
-          <p:cNvPr id="82" name="CustomShape 3"/>
-          <p:cNvSpPr/>
-          <p:nvPr/>
-        </p:nvSpPr>
-        <p:spPr>
-          <a:xfrm>
-            <a:off x="0" y="0"/>
-            <a:ext cx="10028160" cy="758880"/>
-          </a:xfrm>
-          <a:prstGeom prst="rect">
-            <a:avLst/>
-          </a:prstGeom>
-          <a:noFill/>
-          <a:ln>
-            <a:noFill/>
-          </a:ln>
-        </p:spPr>
-        <p:txBody>
-          <a:bodyPr lIns="360000" rIns="90000" tIns="45000" bIns="45000" anchor="b"/>
-          <a:p>
-            <a:pPr>
-              <a:lnSpc>
-                <a:spcPct val="90000"/>
-              </a:lnSpc>
-            </a:pPr>
-            <a:r>
-              <a:rPr b="1" lang="de-DE" sz="3600">
-                <a:solidFill>
-                  <a:srgbClr val="000000"/>
-                </a:solidFill>
-                <a:latin typeface="Arial"/>
-              </a:rPr>
-              <a:t>Tests</a:t>
-            </a:r>
-            <a:endParaRPr/>
-          </a:p>
-        </p:txBody>
-      </p:sp>
-    </p:spTree>
-  </p:cSld>
-  <p:timing>
-    <p:tnLst>
-      <p:par>
-        <p:cTn id="21" dur="indefinite" restart="never" nodeType="tmRoot">
-          <p:childTnLst>
-            <p:seq>
-              <p:cTn id="22" nodeType="mainSeq"/>
               <p:prevCondLst>
                 <p:cond delay="0" evt="onPrev">
                   <p:tgtEl>
@@ -2650,7 +2343,7 @@
                 <a:spcPct val="100000"/>
               </a:lnSpc>
             </a:pPr>
-            <a:fld id="{A2E0238E-3C74-48E0-8A32-18A58E012437}" type="slidenum">
+            <a:fld id="{473DE517-E472-4DBC-B9E0-7E665A0D42B0}" type="slidenum">
               <a:rPr lang="de-DE" sz="900">
                 <a:solidFill>
                   <a:srgbClr val="868889"/>
@@ -3186,7 +2879,7 @@
                 <a:spcPct val="100000"/>
               </a:lnSpc>
             </a:pPr>
-            <a:fld id="{91EEE5D0-447F-4035-80C9-FAAA7AE508FC}" type="slidenum">
+            <a:fld id="{23A25760-C6F1-4328-9BDD-4D36B88F4AF2}" type="slidenum">
               <a:rPr lang="de-DE" sz="900">
                 <a:solidFill>
                   <a:srgbClr val="868889"/>
@@ -3315,7 +3008,7 @@
                 <a:spcPct val="100000"/>
               </a:lnSpc>
             </a:pPr>
-            <a:fld id="{1B7E3EC1-7BE8-4358-A5B3-8B73C98B188C}" type="slidenum">
+            <a:fld id="{DBB85EBD-A6ED-43DD-8277-F09E5FDBFC3F}" type="slidenum">
               <a:rPr lang="de-DE" sz="900">
                 <a:solidFill>
                   <a:srgbClr val="868889"/>
@@ -3782,7 +3475,7 @@
                 <a:spcPct val="100000"/>
               </a:lnSpc>
             </a:pPr>
-            <a:fld id="{CF7EEDD7-6AEA-48D7-8B47-4A15E42A5C58}" type="slidenum">
+            <a:fld id="{73DA52F5-2F92-41D2-AB0C-36272F778C70}" type="slidenum">
               <a:rPr lang="de-DE" sz="900">
                 <a:solidFill>
                   <a:srgbClr val="868889"/>
@@ -3911,7 +3604,7 @@
                 <a:spcPct val="100000"/>
               </a:lnSpc>
             </a:pPr>
-            <a:fld id="{E2EEC3EB-4F5C-4BAF-9058-9582DE927F68}" type="slidenum">
+            <a:fld id="{83542D3A-2F01-41FC-AD63-746F86D64F45}" type="slidenum">
               <a:rPr lang="de-DE" sz="900">
                 <a:solidFill>
                   <a:srgbClr val="868889"/>
@@ -4254,7 +3947,7 @@
                 <a:spcPct val="100000"/>
               </a:lnSpc>
             </a:pPr>
-            <a:fld id="{7F2F2C0F-EF23-4859-9065-F4FADA5D5825}" type="slidenum">
+            <a:fld id="{AB4D1188-38F6-4B92-B1C9-5525894C42F2}" type="slidenum">
               <a:rPr lang="de-DE" sz="900">
                 <a:solidFill>
                   <a:srgbClr val="868889"/>
@@ -4350,7 +4043,7 @@
                 </a:solidFill>
                 <a:latin typeface="Arial"/>
               </a:rPr>
-              <a:t>Implementierung - Datenfluss</a:t>
+              <a:t>Implementierung - TF</a:t>
             </a:r>
             <a:endParaRPr/>
           </a:p>
@@ -4383,7 +4076,7 @@
                 <a:spcPct val="100000"/>
               </a:lnSpc>
             </a:pPr>
-            <a:fld id="{518EA25F-8DDD-4C9F-8BA2-00B64C23BD8F}" type="slidenum">
+            <a:fld id="{3779B1AC-4275-47DB-BDB3-76A1887BC8D0}" type="slidenum">
               <a:rPr lang="de-DE" sz="900">
                 <a:solidFill>
                   <a:srgbClr val="868889"/>
@@ -4398,7 +4091,7 @@
       </p:sp>
       <p:pic>
         <p:nvPicPr>
-          <p:cNvPr id="73" name="Picture 2" descr=""/>
+          <p:cNvPr id="73" name="Picture 3" descr=""/>
           <p:cNvPicPr/>
           <p:nvPr/>
         </p:nvPicPr>
@@ -4410,8 +4103,8 @@
         </p:blipFill>
         <p:spPr>
           <a:xfrm>
-            <a:off x="1281240" y="1134360"/>
-            <a:ext cx="9629280" cy="5131800"/>
+            <a:off x="1378440" y="1066320"/>
+            <a:ext cx="9434520" cy="5109120"/>
           </a:xfrm>
           <a:prstGeom prst="rect">
             <a:avLst/>
@@ -4504,7 +4197,7 @@
                 </a:solidFill>
                 <a:latin typeface="Arial"/>
               </a:rPr>
-              <a:t>Implementierung - TF</a:t>
+              <a:t>Probleme und Herausforderungen</a:t>
             </a:r>
             <a:endParaRPr/>
           </a:p>
@@ -4518,8 +4211,8 @@
         </p:nvSpPr>
         <p:spPr>
           <a:xfrm>
-            <a:off x="11779200" y="6459840"/>
-            <a:ext cx="412200" cy="397440"/>
+            <a:off x="372960" y="1155240"/>
+            <a:ext cx="11722680" cy="5793480"/>
           </a:xfrm>
           <a:prstGeom prst="rect">
             <a:avLst/>
@@ -4530,51 +4223,203 @@
           </a:ln>
         </p:spPr>
         <p:txBody>
-          <a:bodyPr lIns="90000" rIns="90000" tIns="45000" bIns="45000" anchor="ctr"/>
+          <a:bodyPr lIns="90000" rIns="90000" tIns="45000" bIns="45000"/>
+          <a:p>
+            <a:pPr>
+              <a:lnSpc>
+                <a:spcPct val="160000"/>
+              </a:lnSpc>
+              <a:buFont typeface="Wingdings" charset="2"/>
+              <a:buChar char=""/>
+            </a:pPr>
+            <a:r>
+              <a:rPr lang="de-DE" sz="3500">
+                <a:solidFill>
+                  <a:srgbClr val="000000"/>
+                </a:solidFill>
+                <a:latin typeface="Arial"/>
+              </a:rPr>
+              <a:t>  </a:t>
+            </a:r>
+            <a:r>
+              <a:rPr lang="de-DE" sz="3500">
+                <a:solidFill>
+                  <a:srgbClr val="000000"/>
+                </a:solidFill>
+                <a:latin typeface="Arial"/>
+              </a:rPr>
+              <a:t>ar_track_alvar → nicht kalibrierte Kamera</a:t>
+            </a:r>
+            <a:endParaRPr/>
+          </a:p>
+          <a:p>
+            <a:pPr>
+              <a:lnSpc>
+                <a:spcPct val="160000"/>
+              </a:lnSpc>
+              <a:buFont typeface="Wingdings" charset="2"/>
+              <a:buChar char=""/>
+            </a:pPr>
+            <a:r>
+              <a:rPr lang="de-DE" sz="3500">
+                <a:solidFill>
+                  <a:srgbClr val="000000"/>
+                </a:solidFill>
+                <a:latin typeface="Arial"/>
+              </a:rPr>
+              <a:t> </a:t>
+            </a:r>
+            <a:r>
+              <a:rPr lang="de-DE" sz="3500">
+                <a:solidFill>
+                  <a:srgbClr val="000000"/>
+                </a:solidFill>
+                <a:latin typeface="Arial"/>
+              </a:rPr>
+              <a:t>Schlechte Kovarianz → Schlange mit 25 Samples</a:t>
+            </a:r>
+            <a:endParaRPr/>
+          </a:p>
+          <a:p>
+            <a:pPr>
+              <a:lnSpc>
+                <a:spcPct val="160000"/>
+              </a:lnSpc>
+              <a:buFont typeface="Wingdings" charset="2"/>
+              <a:buChar char=""/>
+            </a:pPr>
+            <a:r>
+              <a:rPr lang="de-DE" sz="3500">
+                <a:solidFill>
+                  <a:srgbClr val="000000"/>
+                </a:solidFill>
+                <a:latin typeface="Arial"/>
+              </a:rPr>
+              <a:t> </a:t>
+            </a:r>
+            <a:r>
+              <a:rPr lang="de-DE" sz="3500">
+                <a:solidFill>
+                  <a:srgbClr val="000000"/>
+                </a:solidFill>
+                <a:latin typeface="Arial"/>
+              </a:rPr>
+              <a:t>Marker Platzierung</a:t>
+            </a:r>
+            <a:endParaRPr/>
+          </a:p>
+          <a:p>
+            <a:pPr>
+              <a:lnSpc>
+                <a:spcPct val="160000"/>
+              </a:lnSpc>
+              <a:buFont typeface="Wingdings" charset="2"/>
+              <a:buChar char=""/>
+            </a:pPr>
+            <a:r>
+              <a:rPr lang="de-DE" sz="3500">
+                <a:solidFill>
+                  <a:srgbClr val="000000"/>
+                </a:solidFill>
+                <a:latin typeface="Arial"/>
+              </a:rPr>
+              <a:t>Kopfbewegung → atan2 mit Spezialfällen berücksichtigt</a:t>
+            </a:r>
+            <a:endParaRPr/>
+          </a:p>
+          <a:p>
+            <a:pPr>
+              <a:lnSpc>
+                <a:spcPct val="160000"/>
+              </a:lnSpc>
+              <a:buFont typeface="Wingdings" charset="2"/>
+              <a:buChar char=""/>
+            </a:pPr>
+            <a:r>
+              <a:rPr lang="de-DE" sz="3500">
+                <a:solidFill>
+                  <a:srgbClr val="000000"/>
+                </a:solidFill>
+                <a:latin typeface="Arial"/>
+              </a:rPr>
+              <a:t>Usw.</a:t>
+            </a:r>
+            <a:endParaRPr/>
+          </a:p>
+          <a:p>
+            <a:pPr>
+              <a:lnSpc>
+                <a:spcPct val="150000"/>
+              </a:lnSpc>
+            </a:pPr>
+            <a:endParaRPr/>
+          </a:p>
+          <a:p>
+            <a:pPr>
+              <a:lnSpc>
+                <a:spcPct val="150000"/>
+              </a:lnSpc>
+            </a:pPr>
+            <a:endParaRPr/>
+          </a:p>
+          <a:p>
+            <a:pPr>
+              <a:lnSpc>
+                <a:spcPct val="200000"/>
+              </a:lnSpc>
+            </a:pPr>
+            <a:endParaRPr/>
+          </a:p>
           <a:p>
             <a:pPr>
               <a:lnSpc>
                 <a:spcPct val="100000"/>
               </a:lnSpc>
             </a:pPr>
-            <a:fld id="{7499431C-A885-49E0-B991-2991327C5D6B}" type="slidenum">
-              <a:rPr lang="de-DE" sz="900">
-                <a:solidFill>
-                  <a:srgbClr val="868889"/>
-                </a:solidFill>
-                <a:latin typeface="Arial"/>
-              </a:rPr>
-              <a:t>&lt;Nummer&gt;</a:t>
-            </a:fld>
-            <a:endParaRPr/>
-          </a:p>
-        </p:txBody>
-      </p:sp>
-      <p:pic>
-        <p:nvPicPr>
-          <p:cNvPr id="76" name="Picture 3" descr=""/>
-          <p:cNvPicPr/>
+            <a:endParaRPr/>
+          </a:p>
+        </p:txBody>
+      </p:sp>
+      <p:sp>
+        <p:nvSpPr>
+          <p:cNvPr id="76" name="CustomShape 3"/>
+          <p:cNvSpPr/>
           <p:nvPr/>
-        </p:nvPicPr>
-        <p:blipFill>
-          <a:blip r:embed="rId1"/>
-          <a:stretch>
-            <a:fillRect/>
-          </a:stretch>
-        </p:blipFill>
-        <p:spPr>
-          <a:xfrm>
-            <a:off x="1378440" y="1066320"/>
-            <a:ext cx="9434520" cy="5109120"/>
-          </a:xfrm>
-          <a:prstGeom prst="rect">
-            <a:avLst/>
-          </a:prstGeom>
+        </p:nvSpPr>
+        <p:spPr>
+          <a:xfrm>
+            <a:off x="11779200" y="6459840"/>
+            <a:ext cx="412200" cy="397440"/>
+          </a:xfrm>
+          <a:prstGeom prst="rect">
+            <a:avLst/>
+          </a:prstGeom>
+          <a:noFill/>
           <a:ln>
             <a:noFill/>
           </a:ln>
         </p:spPr>
-      </p:pic>
+        <p:txBody>
+          <a:bodyPr lIns="90000" rIns="90000" tIns="45000" bIns="45000" anchor="ctr"/>
+          <a:p>
+            <a:pPr>
+              <a:lnSpc>
+                <a:spcPct val="100000"/>
+              </a:lnSpc>
+            </a:pPr>
+            <a:fld id="{D78A32D3-BA00-4828-9B99-727A3E7E0424}" type="slidenum">
+              <a:rPr lang="de-DE" sz="900">
+                <a:solidFill>
+                  <a:srgbClr val="868889"/>
+                </a:solidFill>
+                <a:latin typeface="Arial"/>
+              </a:rPr>
+              <a:t>&lt;Nummer&gt;</a:t>
+            </a:fld>
+            <a:endParaRPr/>
+          </a:p>
+        </p:txBody>
+      </p:sp>
     </p:spTree>
   </p:cSld>
   <p:timing>
